--- a/picar/data/PICAR.pptx
+++ b/picar/data/PICAR.pptx
@@ -2,39 +2,40 @@
 <file path=ppt/presentation.xml><?xml version="1.0" encoding="utf-8"?>
 <p:presentation xmlns:a="http://schemas.openxmlformats.org/drawingml/2006/main" xmlns:r="http://schemas.openxmlformats.org/officeDocument/2006/relationships" xmlns:p="http://schemas.openxmlformats.org/presentationml/2006/main" xmlns:p14="http://schemas.microsoft.com/office/powerpoint/2010/main" saveSubsetFonts="1">
   <p:sldMasterIdLst>
-    <p:sldMasterId id="2147483792" r:id="rId10"/>
+    <p:sldMasterId id="2147483796" r:id="rId10"/>
   </p:sldMasterIdLst>
   <p:sldIdLst>
     <p:sldId id="256" r:id="rId12"/>
     <p:sldId id="257" r:id="rId13"/>
     <p:sldId id="265" r:id="rId14"/>
-    <p:sldId id="266" r:id="rId15"/>
-    <p:sldId id="258" r:id="rId16"/>
-    <p:sldId id="259" r:id="rId17"/>
-    <p:sldId id="290" r:id="rId18"/>
-    <p:sldId id="269" r:id="rId19"/>
-    <p:sldId id="286" r:id="rId20"/>
-    <p:sldId id="287" r:id="rId21"/>
-    <p:sldId id="270" r:id="rId22"/>
-    <p:sldId id="271" r:id="rId23"/>
-    <p:sldId id="272" r:id="rId24"/>
-    <p:sldId id="275" r:id="rId25"/>
-    <p:sldId id="274" r:id="rId26"/>
-    <p:sldId id="276" r:id="rId27"/>
-    <p:sldId id="278" r:id="rId28"/>
-    <p:sldId id="280" r:id="rId29"/>
-    <p:sldId id="279" r:id="rId30"/>
-    <p:sldId id="289" r:id="rId31"/>
-    <p:sldId id="291" r:id="rId32"/>
-    <p:sldId id="281" r:id="rId33"/>
-    <p:sldId id="282" r:id="rId34"/>
-    <p:sldId id="283" r:id="rId35"/>
-    <p:sldId id="285" r:id="rId36"/>
-    <p:sldId id="277" r:id="rId37"/>
-    <p:sldId id="267" r:id="rId38"/>
-    <p:sldId id="268" r:id="rId39"/>
-    <p:sldId id="264" r:id="rId40"/>
-    <p:sldId id="288" r:id="rId41"/>
+    <p:sldId id="292" r:id="rId15"/>
+    <p:sldId id="266" r:id="rId16"/>
+    <p:sldId id="258" r:id="rId17"/>
+    <p:sldId id="259" r:id="rId18"/>
+    <p:sldId id="290" r:id="rId19"/>
+    <p:sldId id="269" r:id="rId20"/>
+    <p:sldId id="286" r:id="rId21"/>
+    <p:sldId id="287" r:id="rId22"/>
+    <p:sldId id="270" r:id="rId23"/>
+    <p:sldId id="271" r:id="rId24"/>
+    <p:sldId id="272" r:id="rId25"/>
+    <p:sldId id="275" r:id="rId26"/>
+    <p:sldId id="274" r:id="rId27"/>
+    <p:sldId id="276" r:id="rId28"/>
+    <p:sldId id="278" r:id="rId29"/>
+    <p:sldId id="280" r:id="rId30"/>
+    <p:sldId id="279" r:id="rId31"/>
+    <p:sldId id="289" r:id="rId32"/>
+    <p:sldId id="291" r:id="rId33"/>
+    <p:sldId id="281" r:id="rId34"/>
+    <p:sldId id="282" r:id="rId35"/>
+    <p:sldId id="283" r:id="rId36"/>
+    <p:sldId id="285" r:id="rId37"/>
+    <p:sldId id="277" r:id="rId38"/>
+    <p:sldId id="267" r:id="rId39"/>
+    <p:sldId id="268" r:id="rId40"/>
+    <p:sldId id="264" r:id="rId41"/>
+    <p:sldId id="288" r:id="rId42"/>
   </p:sldIdLst>
   <p:sldSz cx="9144000" cy="6858000"/>
   <p:notesSz cx="6858000" cy="9144000"/>
@@ -2662,7 +2663,7 @@
 </file>
 
 <file path=ppt/slides/slide10.xml><?xml version="1.0" encoding="utf-8"?>
-<p:sld xmlns:a="http://schemas.openxmlformats.org/drawingml/2006/main" xmlns:r="http://schemas.openxmlformats.org/officeDocument/2006/relationships" xmlns:p="http://schemas.openxmlformats.org/presentationml/2006/main">
+<p:sld xmlns:a="http://schemas.openxmlformats.org/drawingml/2006/main" xmlns:r="http://schemas.openxmlformats.org/officeDocument/2006/relationships" xmlns:p="http://schemas.openxmlformats.org/presentationml/2006/main" xmlns:p14="http://schemas.microsoft.com/office/powerpoint/2010/main">
   <p:cSld>
     <p:spTree>
       <p:nvGrpSpPr>
@@ -2754,7 +2755,7 @@
       </p:sp>
       <p:pic>
         <p:nvPicPr>
-          <p:cNvPr id="4" name="그림 3" descr="C:/Users/user/AppData/Roaming/PolarisOffice/ETemp/11364_1539040/fImage498563536500.jpeg"/>
+          <p:cNvPr id="4" name="그림 3"/>
           <p:cNvPicPr>
             <a:picLocks noChangeAspect="1"/>
           </p:cNvPicPr>
@@ -2774,8 +2775,8 @@
         </p:blipFill>
         <p:spPr>
           <a:xfrm rot="0">
-            <a:off x="64770" y="1847215"/>
-            <a:ext cx="9015095" cy="4905375"/>
+            <a:off x="60960" y="1781175"/>
+            <a:ext cx="9022715" cy="4950460"/>
           </a:xfrm>
           <a:prstGeom prst="rect"/>
           <a:noFill/>
@@ -2834,7 +2835,7 @@
         <p:spPr>
           <a:xfrm rot="0">
             <a:off x="685800" y="307340"/>
-            <a:ext cx="7773035" cy="1470660"/>
+            <a:ext cx="7774305" cy="1471930"/>
           </a:xfrm>
           <a:prstGeom prst="rect"/>
         </p:spPr>
@@ -2917,8 +2918,8 @@
         </p:blipFill>
         <p:spPr>
           <a:xfrm rot="0">
-            <a:off x="80010" y="1960880"/>
-            <a:ext cx="8984615" cy="4749165"/>
+            <a:off x="64770" y="1847215"/>
+            <a:ext cx="9015095" cy="4905375"/>
           </a:xfrm>
           <a:prstGeom prst="rect"/>
           <a:noFill/>
@@ -2977,7 +2978,7 @@
         <p:spPr>
           <a:xfrm rot="0">
             <a:off x="685800" y="307340"/>
-            <a:ext cx="7773670" cy="1471295"/>
+            <a:ext cx="7773035" cy="1470660"/>
           </a:xfrm>
           <a:prstGeom prst="rect"/>
         </p:spPr>
@@ -3040,14 +3041,14 @@
       </p:sp>
       <p:pic>
         <p:nvPicPr>
-          <p:cNvPr id="4" name="그림 3" descr="C:/Users/user/AppData/Roaming/PolarisOffice/ETemp/11364_1539040/fImage617192989169.jpeg"/>
+          <p:cNvPr id="4" name="그림 3"/>
           <p:cNvPicPr>
             <a:picLocks noChangeAspect="1"/>
           </p:cNvPicPr>
           <p:nvPr/>
         </p:nvPicPr>
         <p:blipFill rotWithShape="1">
-          <a:blip r:embed="rId3" cstate="print">
+          <a:blip r:embed="rId2" cstate="print">
             <a:extLst>
               <a:ext uri="{28A0092B-C50C-407E-A947-70E740481C1C}">
                 <a14:useLocalDpi xmlns:a14="http://schemas.microsoft.com/office/drawing/2010/main" val="0"/>
@@ -3060,8 +3061,8 @@
         </p:blipFill>
         <p:spPr>
           <a:xfrm rot="0">
-            <a:off x="87630" y="1876425"/>
-            <a:ext cx="8969375" cy="4876165"/>
+            <a:off x="80010" y="1960880"/>
+            <a:ext cx="8984615" cy="4749165"/>
           </a:xfrm>
           <a:prstGeom prst="rect"/>
           <a:noFill/>
@@ -3183,7 +3184,7 @@
       </p:sp>
       <p:pic>
         <p:nvPicPr>
-          <p:cNvPr id="4" name="그림 3" descr="C:/Users/user/AppData/Roaming/PolarisOffice/ETemp/11364_1539040/fImage590883475724.jpeg"/>
+          <p:cNvPr id="4" name="그림 3"/>
           <p:cNvPicPr>
             <a:picLocks noChangeAspect="1"/>
           </p:cNvPicPr>
@@ -3203,8 +3204,8 @@
         </p:blipFill>
         <p:spPr>
           <a:xfrm rot="0">
-            <a:off x="72390" y="1774825"/>
-            <a:ext cx="8999855" cy="4967605"/>
+            <a:off x="87630" y="1876425"/>
+            <a:ext cx="8969375" cy="4876165"/>
           </a:xfrm>
           <a:prstGeom prst="rect"/>
           <a:noFill/>
@@ -3326,7 +3327,7 @@
       </p:sp>
       <p:pic>
         <p:nvPicPr>
-          <p:cNvPr id="4" name="그림 3" descr="C:/Users/user/AppData/Roaming/PolarisOffice/ETemp/11364_1539040/fImage643662941478.jpeg"/>
+          <p:cNvPr id="4" name="그림 3"/>
           <p:cNvPicPr>
             <a:picLocks noChangeAspect="1"/>
           </p:cNvPicPr>
@@ -3346,8 +3347,8 @@
         </p:blipFill>
         <p:spPr>
           <a:xfrm rot="0">
-            <a:off x="53340" y="1861185"/>
-            <a:ext cx="9037955" cy="4861560"/>
+            <a:off x="72390" y="1774825"/>
+            <a:ext cx="8999855" cy="4967605"/>
           </a:xfrm>
           <a:prstGeom prst="rect"/>
           <a:noFill/>
@@ -3469,7 +3470,7 @@
       </p:sp>
       <p:pic>
         <p:nvPicPr>
-          <p:cNvPr id="4" name="그림 3" descr="C:/Users/user/AppData/Roaming/PolarisOffice/ETemp/11364_1539040/fImage588792959358.jpeg"/>
+          <p:cNvPr id="4" name="그림 3"/>
           <p:cNvPicPr>
             <a:picLocks noChangeAspect="1"/>
           </p:cNvPicPr>
@@ -3489,8 +3490,8 @@
         </p:blipFill>
         <p:spPr>
           <a:xfrm rot="0">
-            <a:off x="53340" y="1848485"/>
-            <a:ext cx="9037955" cy="4886325"/>
+            <a:off x="53340" y="1861185"/>
+            <a:ext cx="9037955" cy="4861560"/>
           </a:xfrm>
           <a:prstGeom prst="rect"/>
           <a:noFill/>
@@ -3619,7 +3620,7 @@
           <p:nvPr/>
         </p:nvPicPr>
         <p:blipFill rotWithShape="1">
-          <a:blip r:embed="rId2" cstate="print">
+          <a:blip r:embed="rId3" cstate="print">
             <a:extLst>
               <a:ext uri="{28A0092B-C50C-407E-A947-70E740481C1C}">
                 <a14:useLocalDpi xmlns:a14="http://schemas.microsoft.com/office/drawing/2010/main" val="0"/>
@@ -3632,8 +3633,8 @@
         </p:blipFill>
         <p:spPr>
           <a:xfrm rot="0">
-            <a:off x="67945" y="1778635"/>
-            <a:ext cx="9030335" cy="4984750"/>
+            <a:off x="53340" y="1848485"/>
+            <a:ext cx="9037955" cy="4886325"/>
           </a:xfrm>
           <a:prstGeom prst="rect"/>
           <a:noFill/>
@@ -3775,8 +3776,8 @@
         </p:blipFill>
         <p:spPr>
           <a:xfrm rot="0">
-            <a:off x="60960" y="1889125"/>
-            <a:ext cx="9022715" cy="4916805"/>
+            <a:off x="67945" y="1778635"/>
+            <a:ext cx="9030335" cy="4984750"/>
           </a:xfrm>
           <a:prstGeom prst="rect"/>
           <a:noFill/>
@@ -3898,14 +3899,14 @@
       </p:sp>
       <p:pic>
         <p:nvPicPr>
-          <p:cNvPr id="4" name="그림 3" descr="C:/Users/user/AppData/Roaming/PolarisOffice/ETemp/11364_1539040/fImage581592966962.jpeg"/>
+          <p:cNvPr id="4" name="그림 3"/>
           <p:cNvPicPr>
             <a:picLocks noChangeAspect="1"/>
           </p:cNvPicPr>
           <p:nvPr/>
         </p:nvPicPr>
         <p:blipFill rotWithShape="1">
-          <a:blip r:embed="rId3" cstate="print">
+          <a:blip r:embed="rId2" cstate="print">
             <a:extLst>
               <a:ext uri="{28A0092B-C50C-407E-A947-70E740481C1C}">
                 <a14:useLocalDpi xmlns:a14="http://schemas.microsoft.com/office/drawing/2010/main" val="0"/>
@@ -3918,8 +3919,8 @@
         </p:blipFill>
         <p:spPr>
           <a:xfrm rot="0">
-            <a:off x="81280" y="1852930"/>
-            <a:ext cx="9007475" cy="4845050"/>
+            <a:off x="60960" y="1889125"/>
+            <a:ext cx="9022715" cy="4916805"/>
           </a:xfrm>
           <a:prstGeom prst="rect"/>
           <a:noFill/>
@@ -4041,7 +4042,7 @@
       </p:sp>
       <p:pic>
         <p:nvPicPr>
-          <p:cNvPr id="4" name="그림 3" descr="C:/Users/user/AppData/Roaming/PolarisOffice/ETemp/11364_1539040/fImage638022934464.jpeg"/>
+          <p:cNvPr id="4" name="그림 3"/>
           <p:cNvPicPr>
             <a:picLocks noChangeAspect="1"/>
           </p:cNvPicPr>
@@ -4061,8 +4062,8 @@
         </p:blipFill>
         <p:spPr>
           <a:xfrm rot="0">
-            <a:off x="57150" y="1773555"/>
-            <a:ext cx="9030335" cy="4949190"/>
+            <a:off x="81280" y="1852930"/>
+            <a:ext cx="9007475" cy="4845050"/>
           </a:xfrm>
           <a:prstGeom prst="rect"/>
           <a:noFill/>
@@ -4170,7 +4171,7 @@
         <p:spPr>
           <a:xfrm>
             <a:off x="161925" y="1863725"/>
-            <a:ext cx="8712200" cy="4798695"/>
+            <a:ext cx="8712835" cy="4799330"/>
           </a:xfrm>
           <a:prstGeom prst="rect"/>
         </p:spPr>
@@ -4393,18 +4394,654 @@
               <a:buNone/>
             </a:pPr>
             <a:r>
-              <a:rPr sz="1600" b="1">
-                <a:solidFill>
-                  <a:schemeClr val="tx1">
-                    <a:tint val="75000"/>
-                  </a:schemeClr>
-                </a:solidFill>
-                <a:latin typeface="나눔고딕" charset="0"/>
-                <a:ea typeface="나눔고딕" charset="0"/>
-              </a:rPr>
-              <a:t>- picarmember 테이블은 회원번호, 아이디, 비밀번호, 이름, 전화번호, 면허번호, 면허유효기간, 회원등급(FK) 이 필요하다.</a:t>
-            </a:r>
-            <a:endParaRPr lang="ko-KR" altLang="en-US" sz="1600" b="1">
+              <a:rPr lang="en-US" altLang="ko-KR" sz="1800" b="1">
+                <a:solidFill>
+                  <a:schemeClr val="tx1">
+                    <a:tint val="75000"/>
+                  </a:schemeClr>
+                </a:solidFill>
+                <a:latin typeface="나눔고딕" charset="0"/>
+                <a:ea typeface="나눔고딕" charset="0"/>
+              </a:rPr>
+              <a:t>-</a:t>
+            </a:r>
+            <a:r>
+              <a:rPr lang="en-US" altLang="ko-KR" sz="1800" b="1">
+                <a:solidFill>
+                  <a:schemeClr val="tx1">
+                    <a:tint val="75000"/>
+                  </a:schemeClr>
+                </a:solidFill>
+                <a:latin typeface="나눔고딕" charset="0"/>
+                <a:ea typeface="나눔고딕" charset="0"/>
+              </a:rPr>
+              <a:t> </a:t>
+            </a:r>
+            <a:r>
+              <a:rPr lang="en-US" altLang="ko-KR" sz="1800" b="1">
+                <a:solidFill>
+                  <a:schemeClr val="tx1">
+                    <a:tint val="75000"/>
+                  </a:schemeClr>
+                </a:solidFill>
+                <a:latin typeface="나눔고딕" charset="0"/>
+                <a:ea typeface="나눔고딕" charset="0"/>
+              </a:rPr>
+              <a:t>p</a:t>
+            </a:r>
+            <a:r>
+              <a:rPr lang="en-US" altLang="ko-KR" sz="1800" b="1">
+                <a:solidFill>
+                  <a:schemeClr val="tx1">
+                    <a:tint val="75000"/>
+                  </a:schemeClr>
+                </a:solidFill>
+                <a:latin typeface="나눔고딕" charset="0"/>
+                <a:ea typeface="나눔고딕" charset="0"/>
+              </a:rPr>
+              <a:t>i</a:t>
+            </a:r>
+            <a:r>
+              <a:rPr lang="en-US" altLang="ko-KR" sz="1800" b="1">
+                <a:solidFill>
+                  <a:schemeClr val="tx1">
+                    <a:tint val="75000"/>
+                  </a:schemeClr>
+                </a:solidFill>
+                <a:latin typeface="나눔고딕" charset="0"/>
+                <a:ea typeface="나눔고딕" charset="0"/>
+              </a:rPr>
+              <a:t>c</a:t>
+            </a:r>
+            <a:r>
+              <a:rPr lang="en-US" altLang="ko-KR" sz="1800" b="1">
+                <a:solidFill>
+                  <a:schemeClr val="tx1">
+                    <a:tint val="75000"/>
+                  </a:schemeClr>
+                </a:solidFill>
+                <a:latin typeface="나눔고딕" charset="0"/>
+                <a:ea typeface="나눔고딕" charset="0"/>
+              </a:rPr>
+              <a:t>a</a:t>
+            </a:r>
+            <a:r>
+              <a:rPr lang="en-US" altLang="ko-KR" sz="1800" b="1">
+                <a:solidFill>
+                  <a:schemeClr val="tx1">
+                    <a:tint val="75000"/>
+                  </a:schemeClr>
+                </a:solidFill>
+                <a:latin typeface="나눔고딕" charset="0"/>
+                <a:ea typeface="나눔고딕" charset="0"/>
+              </a:rPr>
+              <a:t>rmemb</a:t>
+            </a:r>
+            <a:r>
+              <a:rPr lang="en-US" altLang="ko-KR" sz="1800" b="1">
+                <a:solidFill>
+                  <a:schemeClr val="tx1">
+                    <a:tint val="75000"/>
+                  </a:schemeClr>
+                </a:solidFill>
+                <a:latin typeface="나눔고딕" charset="0"/>
+                <a:ea typeface="나눔고딕" charset="0"/>
+              </a:rPr>
+              <a:t>e</a:t>
+            </a:r>
+            <a:r>
+              <a:rPr lang="en-US" altLang="ko-KR" sz="1800" b="1">
+                <a:solidFill>
+                  <a:schemeClr val="tx1">
+                    <a:tint val="75000"/>
+                  </a:schemeClr>
+                </a:solidFill>
+                <a:latin typeface="나눔고딕" charset="0"/>
+                <a:ea typeface="나눔고딕" charset="0"/>
+              </a:rPr>
+              <a:t>r</a:t>
+            </a:r>
+            <a:r>
+              <a:rPr lang="en-US" altLang="ko-KR" sz="1800" b="1">
+                <a:solidFill>
+                  <a:schemeClr val="tx1">
+                    <a:tint val="75000"/>
+                  </a:schemeClr>
+                </a:solidFill>
+                <a:latin typeface="나눔고딕" charset="0"/>
+                <a:ea typeface="나눔고딕" charset="0"/>
+              </a:rPr>
+              <a:t> </a:t>
+            </a:r>
+            <a:r>
+              <a:rPr lang="en-US" altLang="ko-KR" sz="1800" b="1">
+                <a:solidFill>
+                  <a:schemeClr val="tx1">
+                    <a:tint val="75000"/>
+                  </a:schemeClr>
+                </a:solidFill>
+                <a:latin typeface="나눔고딕" charset="0"/>
+                <a:ea typeface="나눔고딕" charset="0"/>
+              </a:rPr>
+              <a:t>테이블</a:t>
+            </a:r>
+            <a:r>
+              <a:rPr lang="en-US" altLang="ko-KR" sz="1800" b="1">
+                <a:solidFill>
+                  <a:schemeClr val="tx1">
+                    <a:tint val="75000"/>
+                  </a:schemeClr>
+                </a:solidFill>
+                <a:latin typeface="나눔고딕" charset="0"/>
+                <a:ea typeface="나눔고딕" charset="0"/>
+              </a:rPr>
+              <a:t>은</a:t>
+            </a:r>
+            <a:r>
+              <a:rPr lang="en-US" altLang="ko-KR" sz="1800" b="1">
+                <a:solidFill>
+                  <a:schemeClr val="tx1">
+                    <a:tint val="75000"/>
+                  </a:schemeClr>
+                </a:solidFill>
+                <a:latin typeface="나눔고딕" charset="0"/>
+                <a:ea typeface="나눔고딕" charset="0"/>
+              </a:rPr>
+              <a:t> </a:t>
+            </a:r>
+            <a:r>
+              <a:rPr lang="en-US" altLang="ko-KR" sz="1800" b="1">
+                <a:solidFill>
+                  <a:schemeClr val="tx1">
+                    <a:tint val="75000"/>
+                  </a:schemeClr>
+                </a:solidFill>
+                <a:latin typeface="나눔고딕" charset="0"/>
+                <a:ea typeface="나눔고딕" charset="0"/>
+              </a:rPr>
+              <a:t>회</a:t>
+            </a:r>
+            <a:r>
+              <a:rPr lang="en-US" altLang="ko-KR" sz="1800" b="1">
+                <a:solidFill>
+                  <a:schemeClr val="tx1">
+                    <a:tint val="75000"/>
+                  </a:schemeClr>
+                </a:solidFill>
+                <a:latin typeface="나눔고딕" charset="0"/>
+                <a:ea typeface="나눔고딕" charset="0"/>
+              </a:rPr>
+              <a:t>원</a:t>
+            </a:r>
+            <a:r>
+              <a:rPr lang="en-US" altLang="ko-KR" sz="1800" b="1">
+                <a:solidFill>
+                  <a:schemeClr val="tx1">
+                    <a:tint val="75000"/>
+                  </a:schemeClr>
+                </a:solidFill>
+                <a:latin typeface="나눔고딕" charset="0"/>
+                <a:ea typeface="나눔고딕" charset="0"/>
+              </a:rPr>
+              <a:t>번</a:t>
+            </a:r>
+            <a:r>
+              <a:rPr lang="en-US" altLang="ko-KR" sz="1800" b="1">
+                <a:solidFill>
+                  <a:schemeClr val="tx1">
+                    <a:tint val="75000"/>
+                  </a:schemeClr>
+                </a:solidFill>
+                <a:latin typeface="나눔고딕" charset="0"/>
+                <a:ea typeface="나눔고딕" charset="0"/>
+              </a:rPr>
+              <a:t>호</a:t>
+            </a:r>
+            <a:r>
+              <a:rPr lang="en-US" altLang="ko-KR" sz="1800" b="1">
+                <a:solidFill>
+                  <a:schemeClr val="tx1">
+                    <a:tint val="75000"/>
+                  </a:schemeClr>
+                </a:solidFill>
+                <a:latin typeface="나눔고딕" charset="0"/>
+                <a:ea typeface="나눔고딕" charset="0"/>
+              </a:rPr>
+              <a:t>,</a:t>
+            </a:r>
+            <a:r>
+              <a:rPr lang="en-US" altLang="ko-KR" sz="1800" b="1">
+                <a:solidFill>
+                  <a:schemeClr val="tx1">
+                    <a:tint val="75000"/>
+                  </a:schemeClr>
+                </a:solidFill>
+                <a:latin typeface="나눔고딕" charset="0"/>
+                <a:ea typeface="나눔고딕" charset="0"/>
+              </a:rPr>
+              <a:t> </a:t>
+            </a:r>
+            <a:r>
+              <a:rPr lang="en-US" altLang="ko-KR" sz="1800" b="1">
+                <a:solidFill>
+                  <a:schemeClr val="tx1">
+                    <a:tint val="75000"/>
+                  </a:schemeClr>
+                </a:solidFill>
+                <a:latin typeface="나눔고딕" charset="0"/>
+                <a:ea typeface="나눔고딕" charset="0"/>
+              </a:rPr>
+              <a:t>아</a:t>
+            </a:r>
+            <a:r>
+              <a:rPr lang="en-US" altLang="ko-KR" sz="1800" b="1">
+                <a:solidFill>
+                  <a:schemeClr val="tx1">
+                    <a:tint val="75000"/>
+                  </a:schemeClr>
+                </a:solidFill>
+                <a:latin typeface="나눔고딕" charset="0"/>
+                <a:ea typeface="나눔고딕" charset="0"/>
+              </a:rPr>
+              <a:t>이디</a:t>
+            </a:r>
+            <a:r>
+              <a:rPr lang="en-US" altLang="ko-KR" sz="1800" b="1">
+                <a:solidFill>
+                  <a:schemeClr val="tx1">
+                    <a:tint val="75000"/>
+                  </a:schemeClr>
+                </a:solidFill>
+                <a:latin typeface="나눔고딕" charset="0"/>
+                <a:ea typeface="나눔고딕" charset="0"/>
+              </a:rPr>
+              <a:t>,</a:t>
+            </a:r>
+            <a:r>
+              <a:rPr lang="en-US" altLang="ko-KR" sz="1800" b="1">
+                <a:solidFill>
+                  <a:schemeClr val="tx1">
+                    <a:tint val="75000"/>
+                  </a:schemeClr>
+                </a:solidFill>
+                <a:latin typeface="나눔고딕" charset="0"/>
+                <a:ea typeface="나눔고딕" charset="0"/>
+              </a:rPr>
+              <a:t> </a:t>
+            </a:r>
+            <a:r>
+              <a:rPr lang="en-US" altLang="ko-KR" sz="1800" b="1">
+                <a:solidFill>
+                  <a:schemeClr val="tx1">
+                    <a:tint val="75000"/>
+                  </a:schemeClr>
+                </a:solidFill>
+                <a:latin typeface="나눔고딕" charset="0"/>
+                <a:ea typeface="나눔고딕" charset="0"/>
+              </a:rPr>
+              <a:t>비</a:t>
+            </a:r>
+            <a:r>
+              <a:rPr lang="en-US" altLang="ko-KR" sz="1800" b="1">
+                <a:solidFill>
+                  <a:schemeClr val="tx1">
+                    <a:tint val="75000"/>
+                  </a:schemeClr>
+                </a:solidFill>
+                <a:latin typeface="나눔고딕" charset="0"/>
+                <a:ea typeface="나눔고딕" charset="0"/>
+              </a:rPr>
+              <a:t>밀</a:t>
+            </a:r>
+            <a:r>
+              <a:rPr lang="en-US" altLang="ko-KR" sz="1800" b="1">
+                <a:solidFill>
+                  <a:schemeClr val="tx1">
+                    <a:tint val="75000"/>
+                  </a:schemeClr>
+                </a:solidFill>
+                <a:latin typeface="나눔고딕" charset="0"/>
+                <a:ea typeface="나눔고딕" charset="0"/>
+              </a:rPr>
+              <a:t>번호,</a:t>
+            </a:r>
+            <a:r>
+              <a:rPr lang="en-US" altLang="ko-KR" sz="1800" b="1">
+                <a:solidFill>
+                  <a:schemeClr val="tx1">
+                    <a:tint val="75000"/>
+                  </a:schemeClr>
+                </a:solidFill>
+                <a:latin typeface="나눔고딕" charset="0"/>
+                <a:ea typeface="나눔고딕" charset="0"/>
+              </a:rPr>
+              <a:t> </a:t>
+            </a:r>
+            <a:r>
+              <a:rPr lang="en-US" altLang="ko-KR" sz="1800" b="1">
+                <a:solidFill>
+                  <a:schemeClr val="tx1">
+                    <a:tint val="75000"/>
+                  </a:schemeClr>
+                </a:solidFill>
+                <a:latin typeface="나눔고딕" charset="0"/>
+                <a:ea typeface="나눔고딕" charset="0"/>
+              </a:rPr>
+              <a:t>이</a:t>
+            </a:r>
+            <a:r>
+              <a:rPr lang="en-US" altLang="ko-KR" sz="1800" b="1">
+                <a:solidFill>
+                  <a:schemeClr val="tx1">
+                    <a:tint val="75000"/>
+                  </a:schemeClr>
+                </a:solidFill>
+                <a:latin typeface="나눔고딕" charset="0"/>
+                <a:ea typeface="나눔고딕" charset="0"/>
+              </a:rPr>
+              <a:t>름, </a:t>
+            </a:r>
+            <a:r>
+              <a:rPr lang="en-US" altLang="ko-KR" sz="1800" b="1">
+                <a:solidFill>
+                  <a:schemeClr val="tx1">
+                    <a:tint val="75000"/>
+                  </a:schemeClr>
+                </a:solidFill>
+                <a:latin typeface="나눔고딕" charset="0"/>
+                <a:ea typeface="나눔고딕" charset="0"/>
+              </a:rPr>
+              <a:t>전</a:t>
+            </a:r>
+            <a:r>
+              <a:rPr lang="en-US" altLang="ko-KR" sz="1800" b="1">
+                <a:solidFill>
+                  <a:schemeClr val="tx1">
+                    <a:tint val="75000"/>
+                  </a:schemeClr>
+                </a:solidFill>
+                <a:latin typeface="나눔고딕" charset="0"/>
+                <a:ea typeface="나눔고딕" charset="0"/>
+              </a:rPr>
+              <a:t>화번호</a:t>
+            </a:r>
+            <a:r>
+              <a:rPr lang="en-US" altLang="ko-KR" sz="1800" b="1">
+                <a:solidFill>
+                  <a:schemeClr val="tx1">
+                    <a:tint val="75000"/>
+                  </a:schemeClr>
+                </a:solidFill>
+                <a:latin typeface="나눔고딕" charset="0"/>
+                <a:ea typeface="나눔고딕" charset="0"/>
+              </a:rPr>
+              <a:t>,</a:t>
+            </a:r>
+            <a:r>
+              <a:rPr lang="en-US" altLang="ko-KR" sz="1800" b="1">
+                <a:solidFill>
+                  <a:schemeClr val="tx1">
+                    <a:tint val="75000"/>
+                  </a:schemeClr>
+                </a:solidFill>
+                <a:latin typeface="나눔고딕" charset="0"/>
+                <a:ea typeface="나눔고딕" charset="0"/>
+              </a:rPr>
+              <a:t> </a:t>
+            </a:r>
+            <a:r>
+              <a:rPr lang="en-US" altLang="ko-KR" sz="1800" b="1">
+                <a:solidFill>
+                  <a:schemeClr val="tx1">
+                    <a:tint val="75000"/>
+                  </a:schemeClr>
+                </a:solidFill>
+                <a:latin typeface="나눔고딕" charset="0"/>
+                <a:ea typeface="나눔고딕" charset="0"/>
+              </a:rPr>
+              <a:t>면</a:t>
+            </a:r>
+            <a:r>
+              <a:rPr lang="en-US" altLang="ko-KR" sz="1800" b="1">
+                <a:solidFill>
+                  <a:schemeClr val="tx1">
+                    <a:tint val="75000"/>
+                  </a:schemeClr>
+                </a:solidFill>
+                <a:latin typeface="나눔고딕" charset="0"/>
+                <a:ea typeface="나눔고딕" charset="0"/>
+              </a:rPr>
+              <a:t>허번호</a:t>
+            </a:r>
+            <a:r>
+              <a:rPr lang="en-US" altLang="ko-KR" sz="1800" b="1">
+                <a:solidFill>
+                  <a:schemeClr val="tx1">
+                    <a:tint val="75000"/>
+                  </a:schemeClr>
+                </a:solidFill>
+                <a:latin typeface="나눔고딕" charset="0"/>
+                <a:ea typeface="나눔고딕" charset="0"/>
+              </a:rPr>
+              <a:t>,</a:t>
+            </a:r>
+            <a:r>
+              <a:rPr lang="en-US" altLang="ko-KR" sz="1800" b="1">
+                <a:solidFill>
+                  <a:schemeClr val="tx1">
+                    <a:tint val="75000"/>
+                  </a:schemeClr>
+                </a:solidFill>
+                <a:latin typeface="나눔고딕" charset="0"/>
+                <a:ea typeface="나눔고딕" charset="0"/>
+              </a:rPr>
+              <a:t> </a:t>
+            </a:r>
+            <a:r>
+              <a:rPr lang="en-US" altLang="ko-KR" sz="1800" b="1">
+                <a:solidFill>
+                  <a:schemeClr val="tx1">
+                    <a:tint val="75000"/>
+                  </a:schemeClr>
+                </a:solidFill>
+                <a:latin typeface="나눔고딕" charset="0"/>
+                <a:ea typeface="나눔고딕" charset="0"/>
+              </a:rPr>
+              <a:t>면</a:t>
+            </a:r>
+            <a:r>
+              <a:rPr lang="en-US" altLang="ko-KR" sz="1800" b="1">
+                <a:solidFill>
+                  <a:schemeClr val="tx1">
+                    <a:tint val="75000"/>
+                  </a:schemeClr>
+                </a:solidFill>
+                <a:latin typeface="나눔고딕" charset="0"/>
+                <a:ea typeface="나눔고딕" charset="0"/>
+              </a:rPr>
+              <a:t>허</a:t>
+            </a:r>
+            <a:r>
+              <a:rPr lang="en-US" altLang="ko-KR" sz="1800" b="1">
+                <a:solidFill>
+                  <a:schemeClr val="tx1">
+                    <a:tint val="75000"/>
+                  </a:schemeClr>
+                </a:solidFill>
+                <a:latin typeface="나눔고딕" charset="0"/>
+                <a:ea typeface="나눔고딕" charset="0"/>
+              </a:rPr>
+              <a:t>유효기</a:t>
+            </a:r>
+            <a:r>
+              <a:rPr lang="en-US" altLang="ko-KR" sz="1800" b="1">
+                <a:solidFill>
+                  <a:schemeClr val="tx1">
+                    <a:tint val="75000"/>
+                  </a:schemeClr>
+                </a:solidFill>
+                <a:latin typeface="나눔고딕" charset="0"/>
+                <a:ea typeface="나눔고딕" charset="0"/>
+              </a:rPr>
+              <a:t>간</a:t>
+            </a:r>
+            <a:r>
+              <a:rPr lang="en-US" altLang="ko-KR" sz="1800" b="1">
+                <a:solidFill>
+                  <a:schemeClr val="tx1">
+                    <a:tint val="75000"/>
+                  </a:schemeClr>
+                </a:solidFill>
+                <a:latin typeface="나눔고딕" charset="0"/>
+                <a:ea typeface="나눔고딕" charset="0"/>
+              </a:rPr>
+              <a:t>,</a:t>
+            </a:r>
+            <a:r>
+              <a:rPr lang="en-US" altLang="ko-KR" sz="1800" b="1">
+                <a:solidFill>
+                  <a:schemeClr val="tx1">
+                    <a:tint val="75000"/>
+                  </a:schemeClr>
+                </a:solidFill>
+                <a:latin typeface="나눔고딕" charset="0"/>
+                <a:ea typeface="나눔고딕" charset="0"/>
+              </a:rPr>
+              <a:t> </a:t>
+            </a:r>
+            <a:r>
+              <a:rPr lang="en-US" altLang="ko-KR" sz="1800" b="1">
+                <a:solidFill>
+                  <a:schemeClr val="tx1">
+                    <a:tint val="75000"/>
+                  </a:schemeClr>
+                </a:solidFill>
+                <a:latin typeface="나눔고딕" charset="0"/>
+                <a:ea typeface="나눔고딕" charset="0"/>
+              </a:rPr>
+              <a:t>회원등</a:t>
+            </a:r>
+            <a:r>
+              <a:rPr lang="en-US" altLang="ko-KR" sz="1800" b="1">
+                <a:solidFill>
+                  <a:schemeClr val="tx1">
+                    <a:tint val="75000"/>
+                  </a:schemeClr>
+                </a:solidFill>
+                <a:latin typeface="나눔고딕" charset="0"/>
+                <a:ea typeface="나눔고딕" charset="0"/>
+              </a:rPr>
+              <a:t>급</a:t>
+            </a:r>
+            <a:r>
+              <a:rPr lang="en-US" altLang="ko-KR" sz="1800" b="1">
+                <a:solidFill>
+                  <a:schemeClr val="tx1">
+                    <a:tint val="75000"/>
+                  </a:schemeClr>
+                </a:solidFill>
+                <a:latin typeface="나눔고딕" charset="0"/>
+                <a:ea typeface="나눔고딕" charset="0"/>
+              </a:rPr>
+              <a:t>(</a:t>
+            </a:r>
+            <a:r>
+              <a:rPr lang="en-US" altLang="ko-KR" sz="1800" b="1">
+                <a:solidFill>
+                  <a:schemeClr val="tx1">
+                    <a:tint val="75000"/>
+                  </a:schemeClr>
+                </a:solidFill>
+                <a:latin typeface="나눔고딕" charset="0"/>
+                <a:ea typeface="나눔고딕" charset="0"/>
+              </a:rPr>
+              <a:t>F</a:t>
+            </a:r>
+            <a:r>
+              <a:rPr lang="en-US" altLang="ko-KR" sz="1800" b="1">
+                <a:solidFill>
+                  <a:schemeClr val="tx1">
+                    <a:tint val="75000"/>
+                  </a:schemeClr>
+                </a:solidFill>
+                <a:latin typeface="나눔고딕" charset="0"/>
+                <a:ea typeface="나눔고딕" charset="0"/>
+              </a:rPr>
+              <a:t>K</a:t>
+            </a:r>
+            <a:r>
+              <a:rPr lang="en-US" altLang="ko-KR" sz="1800" b="1">
+                <a:solidFill>
+                  <a:schemeClr val="tx1">
+                    <a:tint val="75000"/>
+                  </a:schemeClr>
+                </a:solidFill>
+                <a:latin typeface="나눔고딕" charset="0"/>
+                <a:ea typeface="나눔고딕" charset="0"/>
+              </a:rPr>
+              <a:t>) </a:t>
+            </a:r>
+            <a:r>
+              <a:rPr lang="en-US" altLang="ko-KR" sz="1800" b="1">
+                <a:solidFill>
+                  <a:schemeClr val="tx1">
+                    <a:tint val="75000"/>
+                  </a:schemeClr>
+                </a:solidFill>
+                <a:latin typeface="나눔고딕" charset="0"/>
+                <a:ea typeface="나눔고딕" charset="0"/>
+              </a:rPr>
+              <a:t>이</a:t>
+            </a:r>
+            <a:r>
+              <a:rPr lang="en-US" altLang="ko-KR" sz="1800" b="1">
+                <a:solidFill>
+                  <a:schemeClr val="tx1">
+                    <a:tint val="75000"/>
+                  </a:schemeClr>
+                </a:solidFill>
+                <a:latin typeface="나눔고딕" charset="0"/>
+                <a:ea typeface="나눔고딕" charset="0"/>
+              </a:rPr>
+              <a:t> </a:t>
+            </a:r>
+            <a:r>
+              <a:rPr lang="en-US" altLang="ko-KR" sz="1800" b="1">
+                <a:solidFill>
+                  <a:schemeClr val="tx1">
+                    <a:tint val="75000"/>
+                  </a:schemeClr>
+                </a:solidFill>
+                <a:latin typeface="나눔고딕" charset="0"/>
+                <a:ea typeface="나눔고딕" charset="0"/>
+              </a:rPr>
+              <a:t>필</a:t>
+            </a:r>
+            <a:r>
+              <a:rPr lang="en-US" altLang="ko-KR" sz="1800" b="1">
+                <a:solidFill>
+                  <a:schemeClr val="tx1">
+                    <a:tint val="75000"/>
+                  </a:schemeClr>
+                </a:solidFill>
+                <a:latin typeface="나눔고딕" charset="0"/>
+                <a:ea typeface="나눔고딕" charset="0"/>
+              </a:rPr>
+              <a:t>요</a:t>
+            </a:r>
+            <a:r>
+              <a:rPr lang="en-US" altLang="ko-KR" sz="1800" b="1">
+                <a:solidFill>
+                  <a:schemeClr val="tx1">
+                    <a:tint val="75000"/>
+                  </a:schemeClr>
+                </a:solidFill>
+                <a:latin typeface="나눔고딕" charset="0"/>
+                <a:ea typeface="나눔고딕" charset="0"/>
+              </a:rPr>
+              <a:t>하다.</a:t>
+            </a:r>
+            <a:endParaRPr lang="ko-KR" altLang="en-US" sz="1800" b="1">
               <a:solidFill>
                 <a:schemeClr val="tx1">
                   <a:tint val="75000"/>
@@ -4429,18 +5066,438 @@
               <a:buNone/>
             </a:pPr>
             <a:r>
-              <a:rPr sz="1600" b="1">
-                <a:solidFill>
-                  <a:schemeClr val="tx1">
-                    <a:tint val="75000"/>
-                  </a:schemeClr>
-                </a:solidFill>
-                <a:latin typeface="나눔고딕" charset="0"/>
-                <a:ea typeface="나눔고딕" charset="0"/>
-              </a:rPr>
-              <a:t>- picarmember 테이블의 면허유효기간은 갱신일로부터 6개월 이상인 경우에만 가능하다.</a:t>
-            </a:r>
-            <a:endParaRPr lang="ko-KR" altLang="en-US" sz="1600" b="1">
+              <a:rPr lang="en-US" altLang="ko-KR" sz="1800" b="1">
+                <a:solidFill>
+                  <a:schemeClr val="tx1">
+                    <a:tint val="75000"/>
+                  </a:schemeClr>
+                </a:solidFill>
+                <a:latin typeface="나눔고딕" charset="0"/>
+                <a:ea typeface="나눔고딕" charset="0"/>
+              </a:rPr>
+              <a:t>-</a:t>
+            </a:r>
+            <a:r>
+              <a:rPr lang="en-US" altLang="ko-KR" sz="1800" b="1">
+                <a:solidFill>
+                  <a:schemeClr val="tx1">
+                    <a:tint val="75000"/>
+                  </a:schemeClr>
+                </a:solidFill>
+                <a:latin typeface="나눔고딕" charset="0"/>
+                <a:ea typeface="나눔고딕" charset="0"/>
+              </a:rPr>
+              <a:t> </a:t>
+            </a:r>
+            <a:r>
+              <a:rPr lang="en-US" altLang="ko-KR" sz="1800" b="1">
+                <a:solidFill>
+                  <a:schemeClr val="tx1">
+                    <a:tint val="75000"/>
+                  </a:schemeClr>
+                </a:solidFill>
+                <a:latin typeface="나눔고딕" charset="0"/>
+                <a:ea typeface="나눔고딕" charset="0"/>
+              </a:rPr>
+              <a:t>p</a:t>
+            </a:r>
+            <a:r>
+              <a:rPr lang="en-US" altLang="ko-KR" sz="1800" b="1">
+                <a:solidFill>
+                  <a:schemeClr val="tx1">
+                    <a:tint val="75000"/>
+                  </a:schemeClr>
+                </a:solidFill>
+                <a:latin typeface="나눔고딕" charset="0"/>
+                <a:ea typeface="나눔고딕" charset="0"/>
+              </a:rPr>
+              <a:t>i</a:t>
+            </a:r>
+            <a:r>
+              <a:rPr lang="en-US" altLang="ko-KR" sz="1800" b="1">
+                <a:solidFill>
+                  <a:schemeClr val="tx1">
+                    <a:tint val="75000"/>
+                  </a:schemeClr>
+                </a:solidFill>
+                <a:latin typeface="나눔고딕" charset="0"/>
+                <a:ea typeface="나눔고딕" charset="0"/>
+              </a:rPr>
+              <a:t>c</a:t>
+            </a:r>
+            <a:r>
+              <a:rPr lang="en-US" altLang="ko-KR" sz="1800" b="1">
+                <a:solidFill>
+                  <a:schemeClr val="tx1">
+                    <a:tint val="75000"/>
+                  </a:schemeClr>
+                </a:solidFill>
+                <a:latin typeface="나눔고딕" charset="0"/>
+                <a:ea typeface="나눔고딕" charset="0"/>
+              </a:rPr>
+              <a:t>a</a:t>
+            </a:r>
+            <a:r>
+              <a:rPr lang="en-US" altLang="ko-KR" sz="1800" b="1">
+                <a:solidFill>
+                  <a:schemeClr val="tx1">
+                    <a:tint val="75000"/>
+                  </a:schemeClr>
+                </a:solidFill>
+                <a:latin typeface="나눔고딕" charset="0"/>
+                <a:ea typeface="나눔고딕" charset="0"/>
+              </a:rPr>
+              <a:t>r</a:t>
+            </a:r>
+            <a:r>
+              <a:rPr lang="en-US" altLang="ko-KR" sz="1800" b="1">
+                <a:solidFill>
+                  <a:schemeClr val="tx1">
+                    <a:tint val="75000"/>
+                  </a:schemeClr>
+                </a:solidFill>
+                <a:latin typeface="나눔고딕" charset="0"/>
+                <a:ea typeface="나눔고딕" charset="0"/>
+              </a:rPr>
+              <a:t>me</a:t>
+            </a:r>
+            <a:r>
+              <a:rPr lang="en-US" altLang="ko-KR" sz="1800" b="1">
+                <a:solidFill>
+                  <a:schemeClr val="tx1">
+                    <a:tint val="75000"/>
+                  </a:schemeClr>
+                </a:solidFill>
+                <a:latin typeface="나눔고딕" charset="0"/>
+                <a:ea typeface="나눔고딕" charset="0"/>
+              </a:rPr>
+              <a:t>m</a:t>
+            </a:r>
+            <a:r>
+              <a:rPr lang="en-US" altLang="ko-KR" sz="1800" b="1">
+                <a:solidFill>
+                  <a:schemeClr val="tx1">
+                    <a:tint val="75000"/>
+                  </a:schemeClr>
+                </a:solidFill>
+                <a:latin typeface="나눔고딕" charset="0"/>
+                <a:ea typeface="나눔고딕" charset="0"/>
+              </a:rPr>
+              <a:t>b</a:t>
+            </a:r>
+            <a:r>
+              <a:rPr lang="en-US" altLang="ko-KR" sz="1800" b="1">
+                <a:solidFill>
+                  <a:schemeClr val="tx1">
+                    <a:tint val="75000"/>
+                  </a:schemeClr>
+                </a:solidFill>
+                <a:latin typeface="나눔고딕" charset="0"/>
+                <a:ea typeface="나눔고딕" charset="0"/>
+              </a:rPr>
+              <a:t>er 테</a:t>
+            </a:r>
+            <a:r>
+              <a:rPr lang="en-US" altLang="ko-KR" sz="1800" b="1">
+                <a:solidFill>
+                  <a:schemeClr val="tx1">
+                    <a:tint val="75000"/>
+                  </a:schemeClr>
+                </a:solidFill>
+                <a:latin typeface="나눔고딕" charset="0"/>
+                <a:ea typeface="나눔고딕" charset="0"/>
+              </a:rPr>
+              <a:t>이</a:t>
+            </a:r>
+            <a:r>
+              <a:rPr lang="en-US" altLang="ko-KR" sz="1800" b="1">
+                <a:solidFill>
+                  <a:schemeClr val="tx1">
+                    <a:tint val="75000"/>
+                  </a:schemeClr>
+                </a:solidFill>
+                <a:latin typeface="나눔고딕" charset="0"/>
+                <a:ea typeface="나눔고딕" charset="0"/>
+              </a:rPr>
+              <a:t>블의</a:t>
+            </a:r>
+            <a:r>
+              <a:rPr lang="en-US" altLang="ko-KR" sz="1800" b="1">
+                <a:solidFill>
+                  <a:schemeClr val="tx1">
+                    <a:tint val="75000"/>
+                  </a:schemeClr>
+                </a:solidFill>
+                <a:latin typeface="나눔고딕" charset="0"/>
+                <a:ea typeface="나눔고딕" charset="0"/>
+              </a:rPr>
+              <a:t> </a:t>
+            </a:r>
+            <a:r>
+              <a:rPr lang="en-US" altLang="ko-KR" sz="1800" b="1">
+                <a:solidFill>
+                  <a:schemeClr val="tx1">
+                    <a:tint val="75000"/>
+                  </a:schemeClr>
+                </a:solidFill>
+                <a:latin typeface="나눔고딕" charset="0"/>
+                <a:ea typeface="나눔고딕" charset="0"/>
+              </a:rPr>
+              <a:t>면허유</a:t>
+            </a:r>
+            <a:r>
+              <a:rPr lang="en-US" altLang="ko-KR" sz="1800" b="1">
+                <a:solidFill>
+                  <a:schemeClr val="tx1">
+                    <a:tint val="75000"/>
+                  </a:schemeClr>
+                </a:solidFill>
+                <a:latin typeface="나눔고딕" charset="0"/>
+                <a:ea typeface="나눔고딕" charset="0"/>
+              </a:rPr>
+              <a:t>효</a:t>
+            </a:r>
+            <a:r>
+              <a:rPr lang="en-US" altLang="ko-KR" sz="1800" b="1">
+                <a:solidFill>
+                  <a:schemeClr val="tx1">
+                    <a:tint val="75000"/>
+                  </a:schemeClr>
+                </a:solidFill>
+                <a:latin typeface="나눔고딕" charset="0"/>
+                <a:ea typeface="나눔고딕" charset="0"/>
+              </a:rPr>
+              <a:t>기</a:t>
+            </a:r>
+            <a:r>
+              <a:rPr lang="en-US" altLang="ko-KR" sz="1800" b="1">
+                <a:solidFill>
+                  <a:schemeClr val="tx1">
+                    <a:tint val="75000"/>
+                  </a:schemeClr>
+                </a:solidFill>
+                <a:latin typeface="나눔고딕" charset="0"/>
+                <a:ea typeface="나눔고딕" charset="0"/>
+              </a:rPr>
+              <a:t>간</a:t>
+            </a:r>
+            <a:r>
+              <a:rPr lang="en-US" altLang="ko-KR" sz="1800" b="1">
+                <a:solidFill>
+                  <a:schemeClr val="tx1">
+                    <a:tint val="75000"/>
+                  </a:schemeClr>
+                </a:solidFill>
+                <a:latin typeface="나눔고딕" charset="0"/>
+                <a:ea typeface="나눔고딕" charset="0"/>
+              </a:rPr>
+              <a:t>은 갱</a:t>
+            </a:r>
+            <a:r>
+              <a:rPr lang="en-US" altLang="ko-KR" sz="1800" b="1">
+                <a:solidFill>
+                  <a:schemeClr val="tx1">
+                    <a:tint val="75000"/>
+                  </a:schemeClr>
+                </a:solidFill>
+                <a:latin typeface="나눔고딕" charset="0"/>
+                <a:ea typeface="나눔고딕" charset="0"/>
+              </a:rPr>
+              <a:t>신</a:t>
+            </a:r>
+            <a:r>
+              <a:rPr lang="en-US" altLang="ko-KR" sz="1800" b="1">
+                <a:solidFill>
+                  <a:schemeClr val="tx1">
+                    <a:tint val="75000"/>
+                  </a:schemeClr>
+                </a:solidFill>
+                <a:latin typeface="나눔고딕" charset="0"/>
+                <a:ea typeface="나눔고딕" charset="0"/>
+              </a:rPr>
+              <a:t>일로</a:t>
+            </a:r>
+            <a:r>
+              <a:rPr lang="en-US" altLang="ko-KR" sz="1800" b="1">
+                <a:solidFill>
+                  <a:schemeClr val="tx1">
+                    <a:tint val="75000"/>
+                  </a:schemeClr>
+                </a:solidFill>
+                <a:latin typeface="나눔고딕" charset="0"/>
+                <a:ea typeface="나눔고딕" charset="0"/>
+              </a:rPr>
+              <a:t>부</a:t>
+            </a:r>
+            <a:r>
+              <a:rPr lang="en-US" altLang="ko-KR" sz="1800" b="1">
+                <a:solidFill>
+                  <a:schemeClr val="tx1">
+                    <a:tint val="75000"/>
+                  </a:schemeClr>
+                </a:solidFill>
+                <a:latin typeface="나눔고딕" charset="0"/>
+                <a:ea typeface="나눔고딕" charset="0"/>
+              </a:rPr>
+              <a:t>터 6</a:t>
+            </a:r>
+            <a:r>
+              <a:rPr lang="en-US" altLang="ko-KR" sz="1800" b="1">
+                <a:solidFill>
+                  <a:schemeClr val="tx1">
+                    <a:tint val="75000"/>
+                  </a:schemeClr>
+                </a:solidFill>
+                <a:latin typeface="나눔고딕" charset="0"/>
+                <a:ea typeface="나눔고딕" charset="0"/>
+              </a:rPr>
+              <a:t>개</a:t>
+            </a:r>
+            <a:r>
+              <a:rPr lang="en-US" altLang="ko-KR" sz="1800" b="1">
+                <a:solidFill>
+                  <a:schemeClr val="tx1">
+                    <a:tint val="75000"/>
+                  </a:schemeClr>
+                </a:solidFill>
+                <a:latin typeface="나눔고딕" charset="0"/>
+                <a:ea typeface="나눔고딕" charset="0"/>
+              </a:rPr>
+              <a:t>월</a:t>
+            </a:r>
+            <a:r>
+              <a:rPr lang="en-US" altLang="ko-KR" sz="1800" b="1">
+                <a:solidFill>
+                  <a:schemeClr val="tx1">
+                    <a:tint val="75000"/>
+                  </a:schemeClr>
+                </a:solidFill>
+                <a:latin typeface="나눔고딕" charset="0"/>
+                <a:ea typeface="나눔고딕" charset="0"/>
+              </a:rPr>
+              <a:t> </a:t>
+            </a:r>
+            <a:r>
+              <a:rPr lang="en-US" altLang="ko-KR" sz="1800" b="1">
+                <a:solidFill>
+                  <a:schemeClr val="tx1">
+                    <a:tint val="75000"/>
+                  </a:schemeClr>
+                </a:solidFill>
+                <a:latin typeface="나눔고딕" charset="0"/>
+                <a:ea typeface="나눔고딕" charset="0"/>
+              </a:rPr>
+              <a:t>이상인</a:t>
+            </a:r>
+            <a:r>
+              <a:rPr lang="en-US" altLang="ko-KR" sz="1800" b="1">
+                <a:solidFill>
+                  <a:schemeClr val="tx1">
+                    <a:tint val="75000"/>
+                  </a:schemeClr>
+                </a:solidFill>
+                <a:latin typeface="나눔고딕" charset="0"/>
+                <a:ea typeface="나눔고딕" charset="0"/>
+              </a:rPr>
+              <a:t> </a:t>
+            </a:r>
+            <a:r>
+              <a:rPr lang="en-US" altLang="ko-KR" sz="1800" b="1">
+                <a:solidFill>
+                  <a:schemeClr val="tx1">
+                    <a:tint val="75000"/>
+                  </a:schemeClr>
+                </a:solidFill>
+                <a:latin typeface="나눔고딕" charset="0"/>
+                <a:ea typeface="나눔고딕" charset="0"/>
+              </a:rPr>
+              <a:t>경</a:t>
+            </a:r>
+            <a:r>
+              <a:rPr lang="en-US" altLang="ko-KR" sz="1800" b="1">
+                <a:solidFill>
+                  <a:schemeClr val="tx1">
+                    <a:tint val="75000"/>
+                  </a:schemeClr>
+                </a:solidFill>
+                <a:latin typeface="나눔고딕" charset="0"/>
+                <a:ea typeface="나눔고딕" charset="0"/>
+              </a:rPr>
+              <a:t>우에</a:t>
+            </a:r>
+            <a:r>
+              <a:rPr lang="en-US" altLang="ko-KR" sz="1800" b="1">
+                <a:solidFill>
+                  <a:schemeClr val="tx1">
+                    <a:tint val="75000"/>
+                  </a:schemeClr>
+                </a:solidFill>
+                <a:latin typeface="나눔고딕" charset="0"/>
+                <a:ea typeface="나눔고딕" charset="0"/>
+              </a:rPr>
+              <a:t>만</a:t>
+            </a:r>
+            <a:r>
+              <a:rPr lang="en-US" altLang="ko-KR" sz="1800" b="1">
+                <a:solidFill>
+                  <a:schemeClr val="tx1">
+                    <a:tint val="75000"/>
+                  </a:schemeClr>
+                </a:solidFill>
+                <a:latin typeface="나눔고딕" charset="0"/>
+                <a:ea typeface="나눔고딕" charset="0"/>
+              </a:rPr>
+              <a:t> </a:t>
+            </a:r>
+            <a:r>
+              <a:rPr lang="en-US" altLang="ko-KR" sz="1800" b="1">
+                <a:solidFill>
+                  <a:schemeClr val="tx1">
+                    <a:tint val="75000"/>
+                  </a:schemeClr>
+                </a:solidFill>
+                <a:latin typeface="나눔고딕" charset="0"/>
+                <a:ea typeface="나눔고딕" charset="0"/>
+              </a:rPr>
+              <a:t>가</a:t>
+            </a:r>
+            <a:r>
+              <a:rPr lang="en-US" altLang="ko-KR" sz="1800" b="1">
+                <a:solidFill>
+                  <a:schemeClr val="tx1">
+                    <a:tint val="75000"/>
+                  </a:schemeClr>
+                </a:solidFill>
+                <a:latin typeface="나눔고딕" charset="0"/>
+                <a:ea typeface="나눔고딕" charset="0"/>
+              </a:rPr>
+              <a:t>능</a:t>
+            </a:r>
+            <a:r>
+              <a:rPr lang="en-US" altLang="ko-KR" sz="1800" b="1">
+                <a:solidFill>
+                  <a:schemeClr val="tx1">
+                    <a:tint val="75000"/>
+                  </a:schemeClr>
+                </a:solidFill>
+                <a:latin typeface="나눔고딕" charset="0"/>
+                <a:ea typeface="나눔고딕" charset="0"/>
+              </a:rPr>
+              <a:t>하다</a:t>
+            </a:r>
+            <a:r>
+              <a:rPr lang="en-US" altLang="ko-KR" sz="1800" b="1">
+                <a:solidFill>
+                  <a:schemeClr val="tx1">
+                    <a:tint val="75000"/>
+                  </a:schemeClr>
+                </a:solidFill>
+                <a:latin typeface="나눔고딕" charset="0"/>
+                <a:ea typeface="나눔고딕" charset="0"/>
+              </a:rPr>
+              <a:t>.</a:t>
+            </a:r>
+            <a:endParaRPr lang="ko-KR" altLang="en-US" sz="1800" b="1">
               <a:solidFill>
                 <a:schemeClr val="tx1">
                   <a:tint val="75000"/>
@@ -4465,18 +5522,210 @@
               <a:buNone/>
             </a:pPr>
             <a:r>
-              <a:rPr sz="1600" b="1">
-                <a:solidFill>
-                  <a:schemeClr val="tx1">
-                    <a:tint val="75000"/>
-                  </a:schemeClr>
-                </a:solidFill>
-                <a:latin typeface="나눔고딕" charset="0"/>
-                <a:ea typeface="나눔고딕" charset="0"/>
-              </a:rPr>
-              <a:t>- picarmember 테이블은 회원번호로 식별한다.</a:t>
-            </a:r>
-            <a:endParaRPr lang="ko-KR" altLang="en-US" sz="1600" b="1">
+              <a:rPr lang="en-US" altLang="ko-KR" sz="1800" b="1">
+                <a:solidFill>
+                  <a:schemeClr val="tx1">
+                    <a:tint val="75000"/>
+                  </a:schemeClr>
+                </a:solidFill>
+                <a:latin typeface="나눔고딕" charset="0"/>
+                <a:ea typeface="나눔고딕" charset="0"/>
+              </a:rPr>
+              <a:t>-</a:t>
+            </a:r>
+            <a:r>
+              <a:rPr lang="en-US" altLang="ko-KR" sz="1800" b="1">
+                <a:solidFill>
+                  <a:schemeClr val="tx1">
+                    <a:tint val="75000"/>
+                  </a:schemeClr>
+                </a:solidFill>
+                <a:latin typeface="나눔고딕" charset="0"/>
+                <a:ea typeface="나눔고딕" charset="0"/>
+              </a:rPr>
+              <a:t> </a:t>
+            </a:r>
+            <a:r>
+              <a:rPr lang="en-US" altLang="ko-KR" sz="1800" b="1">
+                <a:solidFill>
+                  <a:schemeClr val="tx1">
+                    <a:tint val="75000"/>
+                  </a:schemeClr>
+                </a:solidFill>
+                <a:latin typeface="나눔고딕" charset="0"/>
+                <a:ea typeface="나눔고딕" charset="0"/>
+              </a:rPr>
+              <a:t>picar</a:t>
+            </a:r>
+            <a:r>
+              <a:rPr lang="en-US" altLang="ko-KR" sz="1800" b="1">
+                <a:solidFill>
+                  <a:schemeClr val="tx1">
+                    <a:tint val="75000"/>
+                  </a:schemeClr>
+                </a:solidFill>
+                <a:latin typeface="나눔고딕" charset="0"/>
+                <a:ea typeface="나눔고딕" charset="0"/>
+              </a:rPr>
+              <a:t>m</a:t>
+            </a:r>
+            <a:r>
+              <a:rPr lang="en-US" altLang="ko-KR" sz="1800" b="1">
+                <a:solidFill>
+                  <a:schemeClr val="tx1">
+                    <a:tint val="75000"/>
+                  </a:schemeClr>
+                </a:solidFill>
+                <a:latin typeface="나눔고딕" charset="0"/>
+                <a:ea typeface="나눔고딕" charset="0"/>
+              </a:rPr>
+              <a:t>e</a:t>
+            </a:r>
+            <a:r>
+              <a:rPr lang="en-US" altLang="ko-KR" sz="1800" b="1">
+                <a:solidFill>
+                  <a:schemeClr val="tx1">
+                    <a:tint val="75000"/>
+                  </a:schemeClr>
+                </a:solidFill>
+                <a:latin typeface="나눔고딕" charset="0"/>
+                <a:ea typeface="나눔고딕" charset="0"/>
+              </a:rPr>
+              <a:t>m</a:t>
+            </a:r>
+            <a:r>
+              <a:rPr lang="en-US" altLang="ko-KR" sz="1800" b="1">
+                <a:solidFill>
+                  <a:schemeClr val="tx1">
+                    <a:tint val="75000"/>
+                  </a:schemeClr>
+                </a:solidFill>
+                <a:latin typeface="나눔고딕" charset="0"/>
+                <a:ea typeface="나눔고딕" charset="0"/>
+              </a:rPr>
+              <a:t>be</a:t>
+            </a:r>
+            <a:r>
+              <a:rPr lang="en-US" altLang="ko-KR" sz="1800" b="1">
+                <a:solidFill>
+                  <a:schemeClr val="tx1">
+                    <a:tint val="75000"/>
+                  </a:schemeClr>
+                </a:solidFill>
+                <a:latin typeface="나눔고딕" charset="0"/>
+                <a:ea typeface="나눔고딕" charset="0"/>
+              </a:rPr>
+              <a:t>r</a:t>
+            </a:r>
+            <a:r>
+              <a:rPr lang="en-US" altLang="ko-KR" sz="1800" b="1">
+                <a:solidFill>
+                  <a:schemeClr val="tx1">
+                    <a:tint val="75000"/>
+                  </a:schemeClr>
+                </a:solidFill>
+                <a:latin typeface="나눔고딕" charset="0"/>
+                <a:ea typeface="나눔고딕" charset="0"/>
+              </a:rPr>
+              <a:t> </a:t>
+            </a:r>
+            <a:r>
+              <a:rPr lang="en-US" altLang="ko-KR" sz="1800" b="1">
+                <a:solidFill>
+                  <a:schemeClr val="tx1">
+                    <a:tint val="75000"/>
+                  </a:schemeClr>
+                </a:solidFill>
+                <a:latin typeface="나눔고딕" charset="0"/>
+                <a:ea typeface="나눔고딕" charset="0"/>
+              </a:rPr>
+              <a:t>테</a:t>
+            </a:r>
+            <a:r>
+              <a:rPr lang="en-US" altLang="ko-KR" sz="1800" b="1">
+                <a:solidFill>
+                  <a:schemeClr val="tx1">
+                    <a:tint val="75000"/>
+                  </a:schemeClr>
+                </a:solidFill>
+                <a:latin typeface="나눔고딕" charset="0"/>
+                <a:ea typeface="나눔고딕" charset="0"/>
+              </a:rPr>
+              <a:t>이블</a:t>
+            </a:r>
+            <a:r>
+              <a:rPr lang="en-US" altLang="ko-KR" sz="1800" b="1">
+                <a:solidFill>
+                  <a:schemeClr val="tx1">
+                    <a:tint val="75000"/>
+                  </a:schemeClr>
+                </a:solidFill>
+                <a:latin typeface="나눔고딕" charset="0"/>
+                <a:ea typeface="나눔고딕" charset="0"/>
+              </a:rPr>
+              <a:t>은</a:t>
+            </a:r>
+            <a:r>
+              <a:rPr lang="en-US" altLang="ko-KR" sz="1800" b="1">
+                <a:solidFill>
+                  <a:schemeClr val="tx1">
+                    <a:tint val="75000"/>
+                  </a:schemeClr>
+                </a:solidFill>
+                <a:latin typeface="나눔고딕" charset="0"/>
+                <a:ea typeface="나눔고딕" charset="0"/>
+              </a:rPr>
+              <a:t> 회원번호</a:t>
+            </a:r>
+            <a:r>
+              <a:rPr lang="en-US" altLang="ko-KR" sz="1800" b="1">
+                <a:solidFill>
+                  <a:schemeClr val="tx1">
+                    <a:tint val="75000"/>
+                  </a:schemeClr>
+                </a:solidFill>
+                <a:latin typeface="나눔고딕" charset="0"/>
+                <a:ea typeface="나눔고딕" charset="0"/>
+              </a:rPr>
+              <a:t>로</a:t>
+            </a:r>
+            <a:r>
+              <a:rPr lang="en-US" altLang="ko-KR" sz="1800" b="1">
+                <a:solidFill>
+                  <a:schemeClr val="tx1">
+                    <a:tint val="75000"/>
+                  </a:schemeClr>
+                </a:solidFill>
+                <a:latin typeface="나눔고딕" charset="0"/>
+                <a:ea typeface="나눔고딕" charset="0"/>
+              </a:rPr>
+              <a:t> </a:t>
+            </a:r>
+            <a:r>
+              <a:rPr lang="en-US" altLang="ko-KR" sz="1800" b="1">
+                <a:solidFill>
+                  <a:schemeClr val="tx1">
+                    <a:tint val="75000"/>
+                  </a:schemeClr>
+                </a:solidFill>
+                <a:latin typeface="나눔고딕" charset="0"/>
+                <a:ea typeface="나눔고딕" charset="0"/>
+              </a:rPr>
+              <a:t>식</a:t>
+            </a:r>
+            <a:r>
+              <a:rPr lang="en-US" altLang="ko-KR" sz="1800" b="1">
+                <a:solidFill>
+                  <a:schemeClr val="tx1">
+                    <a:tint val="75000"/>
+                  </a:schemeClr>
+                </a:solidFill>
+                <a:latin typeface="나눔고딕" charset="0"/>
+                <a:ea typeface="나눔고딕" charset="0"/>
+              </a:rPr>
+              <a:t>별한다.</a:t>
+            </a:r>
+            <a:endParaRPr lang="ko-KR" altLang="en-US" sz="1800" b="1">
               <a:solidFill>
                 <a:schemeClr val="tx1">
                   <a:tint val="75000"/>
@@ -4501,18 +5750,330 @@
               <a:buNone/>
             </a:pPr>
             <a:r>
-              <a:rPr sz="1600" b="1">
-                <a:solidFill>
-                  <a:schemeClr val="tx1">
-                    <a:tint val="75000"/>
-                  </a:schemeClr>
-                </a:solidFill>
-                <a:latin typeface="나눔고딕" charset="0"/>
-                <a:ea typeface="나눔고딕" charset="0"/>
-              </a:rPr>
-              <a:t>- membergrade 테이블은 인덱스, 회원등급 을 가지고 있다.</a:t>
-            </a:r>
-            <a:endParaRPr lang="ko-KR" altLang="en-US" sz="1600" b="1">
+              <a:rPr lang="en-US" altLang="ko-KR" sz="1800" b="1">
+                <a:solidFill>
+                  <a:schemeClr val="tx1">
+                    <a:tint val="75000"/>
+                  </a:schemeClr>
+                </a:solidFill>
+                <a:latin typeface="나눔고딕" charset="0"/>
+                <a:ea typeface="나눔고딕" charset="0"/>
+              </a:rPr>
+              <a:t>- m</a:t>
+            </a:r>
+            <a:r>
+              <a:rPr lang="en-US" altLang="ko-KR" sz="1800" b="1">
+                <a:solidFill>
+                  <a:schemeClr val="tx1">
+                    <a:tint val="75000"/>
+                  </a:schemeClr>
+                </a:solidFill>
+                <a:latin typeface="나눔고딕" charset="0"/>
+                <a:ea typeface="나눔고딕" charset="0"/>
+              </a:rPr>
+              <a:t>e</a:t>
+            </a:r>
+            <a:r>
+              <a:rPr lang="en-US" altLang="ko-KR" sz="1800" b="1">
+                <a:solidFill>
+                  <a:schemeClr val="tx1">
+                    <a:tint val="75000"/>
+                  </a:schemeClr>
+                </a:solidFill>
+                <a:latin typeface="나눔고딕" charset="0"/>
+                <a:ea typeface="나눔고딕" charset="0"/>
+              </a:rPr>
+              <a:t>m</a:t>
+            </a:r>
+            <a:r>
+              <a:rPr lang="en-US" altLang="ko-KR" sz="1800" b="1">
+                <a:solidFill>
+                  <a:schemeClr val="tx1">
+                    <a:tint val="75000"/>
+                  </a:schemeClr>
+                </a:solidFill>
+                <a:latin typeface="나눔고딕" charset="0"/>
+                <a:ea typeface="나눔고딕" charset="0"/>
+              </a:rPr>
+              <a:t>b</a:t>
+            </a:r>
+            <a:r>
+              <a:rPr lang="en-US" altLang="ko-KR" sz="1800" b="1">
+                <a:solidFill>
+                  <a:schemeClr val="tx1">
+                    <a:tint val="75000"/>
+                  </a:schemeClr>
+                </a:solidFill>
+                <a:latin typeface="나눔고딕" charset="0"/>
+                <a:ea typeface="나눔고딕" charset="0"/>
+              </a:rPr>
+              <a:t>e</a:t>
+            </a:r>
+            <a:r>
+              <a:rPr lang="en-US" altLang="ko-KR" sz="1800" b="1">
+                <a:solidFill>
+                  <a:schemeClr val="tx1">
+                    <a:tint val="75000"/>
+                  </a:schemeClr>
+                </a:solidFill>
+                <a:latin typeface="나눔고딕" charset="0"/>
+                <a:ea typeface="나눔고딕" charset="0"/>
+              </a:rPr>
+              <a:t>rgra</a:t>
+            </a:r>
+            <a:r>
+              <a:rPr lang="en-US" altLang="ko-KR" sz="1800" b="1">
+                <a:solidFill>
+                  <a:schemeClr val="tx1">
+                    <a:tint val="75000"/>
+                  </a:schemeClr>
+                </a:solidFill>
+                <a:latin typeface="나눔고딕" charset="0"/>
+                <a:ea typeface="나눔고딕" charset="0"/>
+              </a:rPr>
+              <a:t>d</a:t>
+            </a:r>
+            <a:r>
+              <a:rPr lang="en-US" altLang="ko-KR" sz="1800" b="1">
+                <a:solidFill>
+                  <a:schemeClr val="tx1">
+                    <a:tint val="75000"/>
+                  </a:schemeClr>
+                </a:solidFill>
+                <a:latin typeface="나눔고딕" charset="0"/>
+                <a:ea typeface="나눔고딕" charset="0"/>
+              </a:rPr>
+              <a:t>e</a:t>
+            </a:r>
+            <a:r>
+              <a:rPr lang="en-US" altLang="ko-KR" sz="1800" b="1">
+                <a:solidFill>
+                  <a:schemeClr val="tx1">
+                    <a:tint val="75000"/>
+                  </a:schemeClr>
+                </a:solidFill>
+                <a:latin typeface="나눔고딕" charset="0"/>
+                <a:ea typeface="나눔고딕" charset="0"/>
+              </a:rPr>
+              <a:t> </a:t>
+            </a:r>
+            <a:r>
+              <a:rPr lang="en-US" altLang="ko-KR" sz="1800" b="1">
+                <a:solidFill>
+                  <a:schemeClr val="tx1">
+                    <a:tint val="75000"/>
+                  </a:schemeClr>
+                </a:solidFill>
+                <a:latin typeface="나눔고딕" charset="0"/>
+                <a:ea typeface="나눔고딕" charset="0"/>
+              </a:rPr>
+              <a:t>테이</a:t>
+            </a:r>
+            <a:r>
+              <a:rPr lang="en-US" altLang="ko-KR" sz="1800" b="1">
+                <a:solidFill>
+                  <a:schemeClr val="tx1">
+                    <a:tint val="75000"/>
+                  </a:schemeClr>
+                </a:solidFill>
+                <a:latin typeface="나눔고딕" charset="0"/>
+                <a:ea typeface="나눔고딕" charset="0"/>
+              </a:rPr>
+              <a:t>블</a:t>
+            </a:r>
+            <a:r>
+              <a:rPr lang="en-US" altLang="ko-KR" sz="1800" b="1">
+                <a:solidFill>
+                  <a:schemeClr val="tx1">
+                    <a:tint val="75000"/>
+                  </a:schemeClr>
+                </a:solidFill>
+                <a:latin typeface="나눔고딕" charset="0"/>
+                <a:ea typeface="나눔고딕" charset="0"/>
+              </a:rPr>
+              <a:t>은 </a:t>
+            </a:r>
+            <a:r>
+              <a:rPr lang="en-US" altLang="ko-KR" sz="1800" b="1">
+                <a:solidFill>
+                  <a:schemeClr val="tx1">
+                    <a:tint val="75000"/>
+                  </a:schemeClr>
+                </a:solidFill>
+                <a:latin typeface="나눔고딕" charset="0"/>
+                <a:ea typeface="나눔고딕" charset="0"/>
+              </a:rPr>
+              <a:t>인</a:t>
+            </a:r>
+            <a:r>
+              <a:rPr lang="en-US" altLang="ko-KR" sz="1800" b="1">
+                <a:solidFill>
+                  <a:schemeClr val="tx1">
+                    <a:tint val="75000"/>
+                  </a:schemeClr>
+                </a:solidFill>
+                <a:latin typeface="나눔고딕" charset="0"/>
+                <a:ea typeface="나눔고딕" charset="0"/>
+              </a:rPr>
+              <a:t>덱</a:t>
+            </a:r>
+            <a:r>
+              <a:rPr lang="en-US" altLang="ko-KR" sz="1800" b="1">
+                <a:solidFill>
+                  <a:schemeClr val="tx1">
+                    <a:tint val="75000"/>
+                  </a:schemeClr>
+                </a:solidFill>
+                <a:latin typeface="나눔고딕" charset="0"/>
+                <a:ea typeface="나눔고딕" charset="0"/>
+              </a:rPr>
+              <a:t>스</a:t>
+            </a:r>
+            <a:r>
+              <a:rPr lang="en-US" altLang="ko-KR" sz="1800" b="1">
+                <a:solidFill>
+                  <a:schemeClr val="tx1">
+                    <a:tint val="75000"/>
+                  </a:schemeClr>
+                </a:solidFill>
+                <a:latin typeface="나눔고딕" charset="0"/>
+                <a:ea typeface="나눔고딕" charset="0"/>
+              </a:rPr>
+              <a:t>,</a:t>
+            </a:r>
+            <a:r>
+              <a:rPr lang="en-US" altLang="ko-KR" sz="1800" b="1">
+                <a:solidFill>
+                  <a:schemeClr val="tx1">
+                    <a:tint val="75000"/>
+                  </a:schemeClr>
+                </a:solidFill>
+                <a:latin typeface="나눔고딕" charset="0"/>
+                <a:ea typeface="나눔고딕" charset="0"/>
+              </a:rPr>
+              <a:t> 회원등</a:t>
+            </a:r>
+            <a:r>
+              <a:rPr lang="en-US" altLang="ko-KR" sz="1800" b="1">
+                <a:solidFill>
+                  <a:schemeClr val="tx1">
+                    <a:tint val="75000"/>
+                  </a:schemeClr>
+                </a:solidFill>
+                <a:latin typeface="나눔고딕" charset="0"/>
+                <a:ea typeface="나눔고딕" charset="0"/>
+              </a:rPr>
+              <a:t>급</a:t>
+            </a:r>
+            <a:r>
+              <a:rPr lang="en-US" altLang="ko-KR" sz="1800" b="1">
+                <a:solidFill>
+                  <a:schemeClr val="tx1">
+                    <a:tint val="75000"/>
+                  </a:schemeClr>
+                </a:solidFill>
+                <a:latin typeface="나눔고딕" charset="0"/>
+                <a:ea typeface="나눔고딕" charset="0"/>
+              </a:rPr>
+              <a:t> </a:t>
+            </a:r>
+            <a:r>
+              <a:rPr lang="en-US" altLang="ko-KR" sz="1800" b="1">
+                <a:solidFill>
+                  <a:schemeClr val="tx1">
+                    <a:tint val="75000"/>
+                  </a:schemeClr>
+                </a:solidFill>
+                <a:latin typeface="나눔고딕" charset="0"/>
+                <a:ea typeface="나눔고딕" charset="0"/>
+              </a:rPr>
+              <a:t>을</a:t>
+            </a:r>
+            <a:r>
+              <a:rPr lang="en-US" altLang="ko-KR" sz="1800" b="1">
+                <a:solidFill>
+                  <a:schemeClr val="tx1">
+                    <a:tint val="75000"/>
+                  </a:schemeClr>
+                </a:solidFill>
+                <a:latin typeface="나눔고딕" charset="0"/>
+                <a:ea typeface="나눔고딕" charset="0"/>
+              </a:rPr>
+              <a:t> </a:t>
+            </a:r>
+            <a:r>
+              <a:rPr lang="en-US" altLang="ko-KR" sz="1800" b="1">
+                <a:solidFill>
+                  <a:schemeClr val="tx1">
+                    <a:tint val="75000"/>
+                  </a:schemeClr>
+                </a:solidFill>
+                <a:latin typeface="나눔고딕" charset="0"/>
+                <a:ea typeface="나눔고딕" charset="0"/>
+              </a:rPr>
+              <a:t>가</a:t>
+            </a:r>
+            <a:r>
+              <a:rPr lang="en-US" altLang="ko-KR" sz="1800" b="1">
+                <a:solidFill>
+                  <a:schemeClr val="tx1">
+                    <a:tint val="75000"/>
+                  </a:schemeClr>
+                </a:solidFill>
+                <a:latin typeface="나눔고딕" charset="0"/>
+                <a:ea typeface="나눔고딕" charset="0"/>
+              </a:rPr>
+              <a:t>지고</a:t>
+            </a:r>
+            <a:r>
+              <a:rPr lang="en-US" altLang="ko-KR" sz="1800" b="1">
+                <a:solidFill>
+                  <a:schemeClr val="tx1">
+                    <a:tint val="75000"/>
+                  </a:schemeClr>
+                </a:solidFill>
+                <a:latin typeface="나눔고딕" charset="0"/>
+                <a:ea typeface="나눔고딕" charset="0"/>
+              </a:rPr>
+              <a:t> </a:t>
+            </a:r>
+            <a:r>
+              <a:rPr lang="en-US" altLang="ko-KR" sz="1800" b="1">
+                <a:solidFill>
+                  <a:schemeClr val="tx1">
+                    <a:tint val="75000"/>
+                  </a:schemeClr>
+                </a:solidFill>
+                <a:latin typeface="나눔고딕" charset="0"/>
+                <a:ea typeface="나눔고딕" charset="0"/>
+              </a:rPr>
+              <a:t>있</a:t>
+            </a:r>
+            <a:r>
+              <a:rPr lang="en-US" altLang="ko-KR" sz="1800" b="1">
+                <a:solidFill>
+                  <a:schemeClr val="tx1">
+                    <a:tint val="75000"/>
+                  </a:schemeClr>
+                </a:solidFill>
+                <a:latin typeface="나눔고딕" charset="0"/>
+                <a:ea typeface="나눔고딕" charset="0"/>
+              </a:rPr>
+              <a:t>다</a:t>
+            </a:r>
+            <a:r>
+              <a:rPr lang="en-US" altLang="ko-KR" sz="1800" b="1">
+                <a:solidFill>
+                  <a:schemeClr val="tx1">
+                    <a:tint val="75000"/>
+                  </a:schemeClr>
+                </a:solidFill>
+                <a:latin typeface="나눔고딕" charset="0"/>
+                <a:ea typeface="나눔고딕" charset="0"/>
+              </a:rPr>
+              <a:t>.</a:t>
+            </a:r>
+            <a:endParaRPr lang="ko-KR" altLang="en-US" sz="1800" b="1">
               <a:solidFill>
                 <a:schemeClr val="tx1">
                   <a:tint val="75000"/>
@@ -4537,18 +6098,198 @@
               <a:buNone/>
             </a:pPr>
             <a:r>
-              <a:rPr sz="1600" b="1">
-                <a:solidFill>
-                  <a:schemeClr val="tx1">
-                    <a:tint val="75000"/>
-                  </a:schemeClr>
-                </a:solidFill>
-                <a:latin typeface="나눔고딕" charset="0"/>
-                <a:ea typeface="나눔고딕" charset="0"/>
-              </a:rPr>
-              <a:t>- membergrade 테이블은 인덱스로 식별한다.</a:t>
-            </a:r>
-            <a:endParaRPr lang="ko-KR" altLang="en-US" sz="1600" b="1">
+              <a:rPr lang="en-US" altLang="ko-KR" sz="1800" b="1">
+                <a:solidFill>
+                  <a:schemeClr val="tx1">
+                    <a:tint val="75000"/>
+                  </a:schemeClr>
+                </a:solidFill>
+                <a:latin typeface="나눔고딕" charset="0"/>
+                <a:ea typeface="나눔고딕" charset="0"/>
+              </a:rPr>
+              <a:t>-</a:t>
+            </a:r>
+            <a:r>
+              <a:rPr lang="en-US" altLang="ko-KR" sz="1800" b="1">
+                <a:solidFill>
+                  <a:schemeClr val="tx1">
+                    <a:tint val="75000"/>
+                  </a:schemeClr>
+                </a:solidFill>
+                <a:latin typeface="나눔고딕" charset="0"/>
+                <a:ea typeface="나눔고딕" charset="0"/>
+              </a:rPr>
+              <a:t> </a:t>
+            </a:r>
+            <a:r>
+              <a:rPr lang="en-US" altLang="ko-KR" sz="1800" b="1">
+                <a:solidFill>
+                  <a:schemeClr val="tx1">
+                    <a:tint val="75000"/>
+                  </a:schemeClr>
+                </a:solidFill>
+                <a:latin typeface="나눔고딕" charset="0"/>
+                <a:ea typeface="나눔고딕" charset="0"/>
+              </a:rPr>
+              <a:t>m</a:t>
+            </a:r>
+            <a:r>
+              <a:rPr lang="en-US" altLang="ko-KR" sz="1800" b="1">
+                <a:solidFill>
+                  <a:schemeClr val="tx1">
+                    <a:tint val="75000"/>
+                  </a:schemeClr>
+                </a:solidFill>
+                <a:latin typeface="나눔고딕" charset="0"/>
+                <a:ea typeface="나눔고딕" charset="0"/>
+              </a:rPr>
+              <a:t>e</a:t>
+            </a:r>
+            <a:r>
+              <a:rPr lang="en-US" altLang="ko-KR" sz="1800" b="1">
+                <a:solidFill>
+                  <a:schemeClr val="tx1">
+                    <a:tint val="75000"/>
+                  </a:schemeClr>
+                </a:solidFill>
+                <a:latin typeface="나눔고딕" charset="0"/>
+                <a:ea typeface="나눔고딕" charset="0"/>
+              </a:rPr>
+              <a:t>mber</a:t>
+            </a:r>
+            <a:r>
+              <a:rPr lang="en-US" altLang="ko-KR" sz="1800" b="1">
+                <a:solidFill>
+                  <a:schemeClr val="tx1">
+                    <a:tint val="75000"/>
+                  </a:schemeClr>
+                </a:solidFill>
+                <a:latin typeface="나눔고딕" charset="0"/>
+                <a:ea typeface="나눔고딕" charset="0"/>
+              </a:rPr>
+              <a:t>g</a:t>
+            </a:r>
+            <a:r>
+              <a:rPr lang="en-US" altLang="ko-KR" sz="1800" b="1">
+                <a:solidFill>
+                  <a:schemeClr val="tx1">
+                    <a:tint val="75000"/>
+                  </a:schemeClr>
+                </a:solidFill>
+                <a:latin typeface="나눔고딕" charset="0"/>
+                <a:ea typeface="나눔고딕" charset="0"/>
+              </a:rPr>
+              <a:t>r</a:t>
+            </a:r>
+            <a:r>
+              <a:rPr lang="en-US" altLang="ko-KR" sz="1800" b="1">
+                <a:solidFill>
+                  <a:schemeClr val="tx1">
+                    <a:tint val="75000"/>
+                  </a:schemeClr>
+                </a:solidFill>
+                <a:latin typeface="나눔고딕" charset="0"/>
+                <a:ea typeface="나눔고딕" charset="0"/>
+              </a:rPr>
+              <a:t>ade </a:t>
+            </a:r>
+            <a:r>
+              <a:rPr lang="en-US" altLang="ko-KR" sz="1800" b="1">
+                <a:solidFill>
+                  <a:schemeClr val="tx1">
+                    <a:tint val="75000"/>
+                  </a:schemeClr>
+                </a:solidFill>
+                <a:latin typeface="나눔고딕" charset="0"/>
+                <a:ea typeface="나눔고딕" charset="0"/>
+              </a:rPr>
+              <a:t>테</a:t>
+            </a:r>
+            <a:r>
+              <a:rPr lang="en-US" altLang="ko-KR" sz="1800" b="1">
+                <a:solidFill>
+                  <a:schemeClr val="tx1">
+                    <a:tint val="75000"/>
+                  </a:schemeClr>
+                </a:solidFill>
+                <a:latin typeface="나눔고딕" charset="0"/>
+                <a:ea typeface="나눔고딕" charset="0"/>
+              </a:rPr>
+              <a:t>이</a:t>
+            </a:r>
+            <a:r>
+              <a:rPr lang="en-US" altLang="ko-KR" sz="1800" b="1">
+                <a:solidFill>
+                  <a:schemeClr val="tx1">
+                    <a:tint val="75000"/>
+                  </a:schemeClr>
+                </a:solidFill>
+                <a:latin typeface="나눔고딕" charset="0"/>
+                <a:ea typeface="나눔고딕" charset="0"/>
+              </a:rPr>
+              <a:t>블은 인</a:t>
+            </a:r>
+            <a:r>
+              <a:rPr lang="en-US" altLang="ko-KR" sz="1800" b="1">
+                <a:solidFill>
+                  <a:schemeClr val="tx1">
+                    <a:tint val="75000"/>
+                  </a:schemeClr>
+                </a:solidFill>
+                <a:latin typeface="나눔고딕" charset="0"/>
+                <a:ea typeface="나눔고딕" charset="0"/>
+              </a:rPr>
+              <a:t>덱</a:t>
+            </a:r>
+            <a:r>
+              <a:rPr lang="en-US" altLang="ko-KR" sz="1800" b="1">
+                <a:solidFill>
+                  <a:schemeClr val="tx1">
+                    <a:tint val="75000"/>
+                  </a:schemeClr>
+                </a:solidFill>
+                <a:latin typeface="나눔고딕" charset="0"/>
+                <a:ea typeface="나눔고딕" charset="0"/>
+              </a:rPr>
+              <a:t>스</a:t>
+            </a:r>
+            <a:r>
+              <a:rPr lang="en-US" altLang="ko-KR" sz="1800" b="1">
+                <a:solidFill>
+                  <a:schemeClr val="tx1">
+                    <a:tint val="75000"/>
+                  </a:schemeClr>
+                </a:solidFill>
+                <a:latin typeface="나눔고딕" charset="0"/>
+                <a:ea typeface="나눔고딕" charset="0"/>
+              </a:rPr>
+              <a:t>로 식별한</a:t>
+            </a:r>
+            <a:r>
+              <a:rPr lang="en-US" altLang="ko-KR" sz="1800" b="1">
+                <a:solidFill>
+                  <a:schemeClr val="tx1">
+                    <a:tint val="75000"/>
+                  </a:schemeClr>
+                </a:solidFill>
+                <a:latin typeface="나눔고딕" charset="0"/>
+                <a:ea typeface="나눔고딕" charset="0"/>
+              </a:rPr>
+              <a:t>다</a:t>
+            </a:r>
+            <a:r>
+              <a:rPr lang="en-US" altLang="ko-KR" sz="1800" b="1">
+                <a:solidFill>
+                  <a:schemeClr val="tx1">
+                    <a:tint val="75000"/>
+                  </a:schemeClr>
+                </a:solidFill>
+                <a:latin typeface="나눔고딕" charset="0"/>
+                <a:ea typeface="나눔고딕" charset="0"/>
+              </a:rPr>
+              <a:t>.</a:t>
+            </a:r>
+            <a:endParaRPr lang="ko-KR" altLang="en-US" sz="1800" b="1">
               <a:solidFill>
                 <a:schemeClr val="tx1">
                   <a:tint val="75000"/>
@@ -4573,18 +6314,330 @@
               <a:buNone/>
             </a:pPr>
             <a:r>
-              <a:rPr sz="1600" b="1">
-                <a:solidFill>
-                  <a:schemeClr val="tx1">
-                    <a:tint val="75000"/>
-                  </a:schemeClr>
-                </a:solidFill>
-                <a:latin typeface="나눔고딕" charset="0"/>
-                <a:ea typeface="나눔고딕" charset="0"/>
-              </a:rPr>
-              <a:t>- carlist 테이블은 차량번호, 차량종류(FK), 대여비용, 현재위치, 대여가능여부, 주행거리, 사용된시간 을 가지고 있다.</a:t>
-            </a:r>
-            <a:endParaRPr lang="ko-KR" altLang="en-US" sz="1600" b="1">
+              <a:rPr lang="en-US" altLang="ko-KR" sz="1800" b="1">
+                <a:solidFill>
+                  <a:schemeClr val="tx1">
+                    <a:tint val="75000"/>
+                  </a:schemeClr>
+                </a:solidFill>
+                <a:latin typeface="나눔고딕" charset="0"/>
+                <a:ea typeface="나눔고딕" charset="0"/>
+              </a:rPr>
+              <a:t>- ca</a:t>
+            </a:r>
+            <a:r>
+              <a:rPr lang="en-US" altLang="ko-KR" sz="1800" b="1">
+                <a:solidFill>
+                  <a:schemeClr val="tx1">
+                    <a:tint val="75000"/>
+                  </a:schemeClr>
+                </a:solidFill>
+                <a:latin typeface="나눔고딕" charset="0"/>
+                <a:ea typeface="나눔고딕" charset="0"/>
+              </a:rPr>
+              <a:t>r</a:t>
+            </a:r>
+            <a:r>
+              <a:rPr lang="en-US" altLang="ko-KR" sz="1800" b="1">
+                <a:solidFill>
+                  <a:schemeClr val="tx1">
+                    <a:tint val="75000"/>
+                  </a:schemeClr>
+                </a:solidFill>
+                <a:latin typeface="나눔고딕" charset="0"/>
+                <a:ea typeface="나눔고딕" charset="0"/>
+              </a:rPr>
+              <a:t>list 테이블은 </a:t>
+            </a:r>
+            <a:r>
+              <a:rPr lang="en-US" altLang="ko-KR" sz="1800" b="1">
+                <a:solidFill>
+                  <a:schemeClr val="tx1">
+                    <a:tint val="75000"/>
+                  </a:schemeClr>
+                </a:solidFill>
+                <a:latin typeface="나눔고딕" charset="0"/>
+                <a:ea typeface="나눔고딕" charset="0"/>
+              </a:rPr>
+              <a:t>차</a:t>
+            </a:r>
+            <a:r>
+              <a:rPr lang="en-US" altLang="ko-KR" sz="1800" b="1">
+                <a:solidFill>
+                  <a:schemeClr val="tx1">
+                    <a:tint val="75000"/>
+                  </a:schemeClr>
+                </a:solidFill>
+                <a:latin typeface="나눔고딕" charset="0"/>
+                <a:ea typeface="나눔고딕" charset="0"/>
+              </a:rPr>
+              <a:t>량번호,</a:t>
+            </a:r>
+            <a:r>
+              <a:rPr lang="en-US" altLang="ko-KR" sz="1800" b="1">
+                <a:solidFill>
+                  <a:schemeClr val="tx1">
+                    <a:tint val="75000"/>
+                  </a:schemeClr>
+                </a:solidFill>
+                <a:latin typeface="나눔고딕" charset="0"/>
+                <a:ea typeface="나눔고딕" charset="0"/>
+              </a:rPr>
+              <a:t> </a:t>
+            </a:r>
+            <a:r>
+              <a:rPr lang="en-US" altLang="ko-KR" sz="1800" b="1">
+                <a:solidFill>
+                  <a:schemeClr val="tx1">
+                    <a:tint val="75000"/>
+                  </a:schemeClr>
+                </a:solidFill>
+                <a:latin typeface="나눔고딕" charset="0"/>
+                <a:ea typeface="나눔고딕" charset="0"/>
+              </a:rPr>
+              <a:t>차량종류(F</a:t>
+            </a:r>
+            <a:r>
+              <a:rPr lang="en-US" altLang="ko-KR" sz="1800" b="1">
+                <a:solidFill>
+                  <a:schemeClr val="tx1">
+                    <a:tint val="75000"/>
+                  </a:schemeClr>
+                </a:solidFill>
+                <a:latin typeface="나눔고딕" charset="0"/>
+                <a:ea typeface="나눔고딕" charset="0"/>
+              </a:rPr>
+              <a:t>K</a:t>
+            </a:r>
+            <a:r>
+              <a:rPr lang="en-US" altLang="ko-KR" sz="1800" b="1">
+                <a:solidFill>
+                  <a:schemeClr val="tx1">
+                    <a:tint val="75000"/>
+                  </a:schemeClr>
+                </a:solidFill>
+                <a:latin typeface="나눔고딕" charset="0"/>
+                <a:ea typeface="나눔고딕" charset="0"/>
+              </a:rPr>
+              <a:t>), </a:t>
+            </a:r>
+            <a:r>
+              <a:rPr lang="en-US" altLang="ko-KR" sz="1800" b="1">
+                <a:solidFill>
+                  <a:schemeClr val="tx1">
+                    <a:tint val="75000"/>
+                  </a:schemeClr>
+                </a:solidFill>
+                <a:latin typeface="나눔고딕" charset="0"/>
+                <a:ea typeface="나눔고딕" charset="0"/>
+              </a:rPr>
+              <a:t>대</a:t>
+            </a:r>
+            <a:r>
+              <a:rPr lang="en-US" altLang="ko-KR" sz="1800" b="1">
+                <a:solidFill>
+                  <a:schemeClr val="tx1">
+                    <a:tint val="75000"/>
+                  </a:schemeClr>
+                </a:solidFill>
+                <a:latin typeface="나눔고딕" charset="0"/>
+                <a:ea typeface="나눔고딕" charset="0"/>
+              </a:rPr>
+              <a:t>여비용, 현</a:t>
+            </a:r>
+            <a:r>
+              <a:rPr lang="en-US" altLang="ko-KR" sz="1800" b="1">
+                <a:solidFill>
+                  <a:schemeClr val="tx1">
+                    <a:tint val="75000"/>
+                  </a:schemeClr>
+                </a:solidFill>
+                <a:latin typeface="나눔고딕" charset="0"/>
+                <a:ea typeface="나눔고딕" charset="0"/>
+              </a:rPr>
+              <a:t>재</a:t>
+            </a:r>
+            <a:r>
+              <a:rPr lang="en-US" altLang="ko-KR" sz="1800" b="1">
+                <a:solidFill>
+                  <a:schemeClr val="tx1">
+                    <a:tint val="75000"/>
+                  </a:schemeClr>
+                </a:solidFill>
+                <a:latin typeface="나눔고딕" charset="0"/>
+                <a:ea typeface="나눔고딕" charset="0"/>
+              </a:rPr>
+              <a:t>위치, </a:t>
+            </a:r>
+            <a:r>
+              <a:rPr lang="en-US" altLang="ko-KR" sz="1800" b="1">
+                <a:solidFill>
+                  <a:schemeClr val="tx1">
+                    <a:tint val="75000"/>
+                  </a:schemeClr>
+                </a:solidFill>
+                <a:latin typeface="나눔고딕" charset="0"/>
+                <a:ea typeface="나눔고딕" charset="0"/>
+              </a:rPr>
+              <a:t>대</a:t>
+            </a:r>
+            <a:r>
+              <a:rPr lang="en-US" altLang="ko-KR" sz="1800" b="1">
+                <a:solidFill>
+                  <a:schemeClr val="tx1">
+                    <a:tint val="75000"/>
+                  </a:schemeClr>
+                </a:solidFill>
+                <a:latin typeface="나눔고딕" charset="0"/>
+                <a:ea typeface="나눔고딕" charset="0"/>
+              </a:rPr>
+              <a:t>여가능</a:t>
+            </a:r>
+            <a:r>
+              <a:rPr lang="en-US" altLang="ko-KR" sz="1800" b="1">
+                <a:solidFill>
+                  <a:schemeClr val="tx1">
+                    <a:tint val="75000"/>
+                  </a:schemeClr>
+                </a:solidFill>
+                <a:latin typeface="나눔고딕" charset="0"/>
+                <a:ea typeface="나눔고딕" charset="0"/>
+              </a:rPr>
+              <a:t>여</a:t>
+            </a:r>
+            <a:r>
+              <a:rPr lang="en-US" altLang="ko-KR" sz="1800" b="1">
+                <a:solidFill>
+                  <a:schemeClr val="tx1">
+                    <a:tint val="75000"/>
+                  </a:schemeClr>
+                </a:solidFill>
+                <a:latin typeface="나눔고딕" charset="0"/>
+                <a:ea typeface="나눔고딕" charset="0"/>
+              </a:rPr>
+              <a:t>부, 주행거</a:t>
+            </a:r>
+            <a:r>
+              <a:rPr lang="en-US" altLang="ko-KR" sz="1800" b="1">
+                <a:solidFill>
+                  <a:schemeClr val="tx1">
+                    <a:tint val="75000"/>
+                  </a:schemeClr>
+                </a:solidFill>
+                <a:latin typeface="나눔고딕" charset="0"/>
+                <a:ea typeface="나눔고딕" charset="0"/>
+              </a:rPr>
+              <a:t>리</a:t>
+            </a:r>
+            <a:r>
+              <a:rPr lang="en-US" altLang="ko-KR" sz="1800" b="1">
+                <a:solidFill>
+                  <a:schemeClr val="tx1">
+                    <a:tint val="75000"/>
+                  </a:schemeClr>
+                </a:solidFill>
+                <a:latin typeface="나눔고딕" charset="0"/>
+                <a:ea typeface="나눔고딕" charset="0"/>
+              </a:rPr>
+              <a:t>, </a:t>
+            </a:r>
+            <a:r>
+              <a:rPr lang="en-US" altLang="ko-KR" sz="1800" b="1">
+                <a:solidFill>
+                  <a:schemeClr val="tx1">
+                    <a:tint val="75000"/>
+                  </a:schemeClr>
+                </a:solidFill>
+                <a:latin typeface="나눔고딕" charset="0"/>
+                <a:ea typeface="나눔고딕" charset="0"/>
+              </a:rPr>
+              <a:t>사</a:t>
+            </a:r>
+            <a:r>
+              <a:rPr lang="en-US" altLang="ko-KR" sz="1800" b="1">
+                <a:solidFill>
+                  <a:schemeClr val="tx1">
+                    <a:tint val="75000"/>
+                  </a:schemeClr>
+                </a:solidFill>
+                <a:latin typeface="나눔고딕" charset="0"/>
+                <a:ea typeface="나눔고딕" charset="0"/>
+              </a:rPr>
+              <a:t>용된시</a:t>
+            </a:r>
+            <a:r>
+              <a:rPr lang="en-US" altLang="ko-KR" sz="1800" b="1">
+                <a:solidFill>
+                  <a:schemeClr val="tx1">
+                    <a:tint val="75000"/>
+                  </a:schemeClr>
+                </a:solidFill>
+                <a:latin typeface="나눔고딕" charset="0"/>
+                <a:ea typeface="나눔고딕" charset="0"/>
+              </a:rPr>
+              <a:t>간</a:t>
+            </a:r>
+            <a:r>
+              <a:rPr lang="en-US" altLang="ko-KR" sz="1800" b="1">
+                <a:solidFill>
+                  <a:schemeClr val="tx1">
+                    <a:tint val="75000"/>
+                  </a:schemeClr>
+                </a:solidFill>
+                <a:latin typeface="나눔고딕" charset="0"/>
+                <a:ea typeface="나눔고딕" charset="0"/>
+              </a:rPr>
+              <a:t> 을 가</a:t>
+            </a:r>
+            <a:r>
+              <a:rPr lang="en-US" altLang="ko-KR" sz="1800" b="1">
+                <a:solidFill>
+                  <a:schemeClr val="tx1">
+                    <a:tint val="75000"/>
+                  </a:schemeClr>
+                </a:solidFill>
+                <a:latin typeface="나눔고딕" charset="0"/>
+                <a:ea typeface="나눔고딕" charset="0"/>
+              </a:rPr>
+              <a:t>지</a:t>
+            </a:r>
+            <a:r>
+              <a:rPr lang="en-US" altLang="ko-KR" sz="1800" b="1">
+                <a:solidFill>
+                  <a:schemeClr val="tx1">
+                    <a:tint val="75000"/>
+                  </a:schemeClr>
+                </a:solidFill>
+                <a:latin typeface="나눔고딕" charset="0"/>
+                <a:ea typeface="나눔고딕" charset="0"/>
+              </a:rPr>
+              <a:t>고 있</a:t>
+            </a:r>
+            <a:r>
+              <a:rPr lang="en-US" altLang="ko-KR" sz="1800" b="1">
+                <a:solidFill>
+                  <a:schemeClr val="tx1">
+                    <a:tint val="75000"/>
+                  </a:schemeClr>
+                </a:solidFill>
+                <a:latin typeface="나눔고딕" charset="0"/>
+                <a:ea typeface="나눔고딕" charset="0"/>
+              </a:rPr>
+              <a:t>다</a:t>
+            </a:r>
+            <a:r>
+              <a:rPr lang="en-US" altLang="ko-KR" sz="1800" b="1">
+                <a:solidFill>
+                  <a:schemeClr val="tx1">
+                    <a:tint val="75000"/>
+                  </a:schemeClr>
+                </a:solidFill>
+                <a:latin typeface="나눔고딕" charset="0"/>
+                <a:ea typeface="나눔고딕" charset="0"/>
+              </a:rPr>
+              <a:t>.</a:t>
+            </a:r>
+            <a:endParaRPr lang="ko-KR" altLang="en-US" sz="1800" b="1">
               <a:solidFill>
                 <a:schemeClr val="tx1">
                   <a:tint val="75000"/>
@@ -4609,18 +6662,174 @@
               <a:buNone/>
             </a:pPr>
             <a:r>
-              <a:rPr sz="1600" b="1">
-                <a:solidFill>
-                  <a:schemeClr val="tx1">
-                    <a:tint val="75000"/>
-                  </a:schemeClr>
-                </a:solidFill>
-                <a:latin typeface="나눔고딕" charset="0"/>
-                <a:ea typeface="나눔고딕" charset="0"/>
-              </a:rPr>
-              <a:t>- carlist 테이블은 차량번호로 식별한다.</a:t>
-            </a:r>
-            <a:endParaRPr lang="ko-KR" altLang="en-US" sz="1600" b="1">
+              <a:rPr lang="en-US" altLang="ko-KR" sz="1800" b="1">
+                <a:solidFill>
+                  <a:schemeClr val="tx1">
+                    <a:tint val="75000"/>
+                  </a:schemeClr>
+                </a:solidFill>
+                <a:latin typeface="나눔고딕" charset="0"/>
+                <a:ea typeface="나눔고딕" charset="0"/>
+              </a:rPr>
+              <a:t>-</a:t>
+            </a:r>
+            <a:r>
+              <a:rPr lang="en-US" altLang="ko-KR" sz="1800" b="1">
+                <a:solidFill>
+                  <a:schemeClr val="tx1">
+                    <a:tint val="75000"/>
+                  </a:schemeClr>
+                </a:solidFill>
+                <a:latin typeface="나눔고딕" charset="0"/>
+                <a:ea typeface="나눔고딕" charset="0"/>
+              </a:rPr>
+              <a:t> </a:t>
+            </a:r>
+            <a:r>
+              <a:rPr lang="en-US" altLang="ko-KR" sz="1800" b="1">
+                <a:solidFill>
+                  <a:schemeClr val="tx1">
+                    <a:tint val="75000"/>
+                  </a:schemeClr>
+                </a:solidFill>
+                <a:latin typeface="나눔고딕" charset="0"/>
+                <a:ea typeface="나눔고딕" charset="0"/>
+              </a:rPr>
+              <a:t>carli</a:t>
+            </a:r>
+            <a:r>
+              <a:rPr lang="en-US" altLang="ko-KR" sz="1800" b="1">
+                <a:solidFill>
+                  <a:schemeClr val="tx1">
+                    <a:tint val="75000"/>
+                  </a:schemeClr>
+                </a:solidFill>
+                <a:latin typeface="나눔고딕" charset="0"/>
+                <a:ea typeface="나눔고딕" charset="0"/>
+              </a:rPr>
+              <a:t>s</a:t>
+            </a:r>
+            <a:r>
+              <a:rPr lang="en-US" altLang="ko-KR" sz="1800" b="1">
+                <a:solidFill>
+                  <a:schemeClr val="tx1">
+                    <a:tint val="75000"/>
+                  </a:schemeClr>
+                </a:solidFill>
+                <a:latin typeface="나눔고딕" charset="0"/>
+                <a:ea typeface="나눔고딕" charset="0"/>
+              </a:rPr>
+              <a:t>t</a:t>
+            </a:r>
+            <a:r>
+              <a:rPr lang="en-US" altLang="ko-KR" sz="1800" b="1">
+                <a:solidFill>
+                  <a:schemeClr val="tx1">
+                    <a:tint val="75000"/>
+                  </a:schemeClr>
+                </a:solidFill>
+                <a:latin typeface="나눔고딕" charset="0"/>
+                <a:ea typeface="나눔고딕" charset="0"/>
+              </a:rPr>
+              <a:t> 테</a:t>
+            </a:r>
+            <a:r>
+              <a:rPr lang="en-US" altLang="ko-KR" sz="1800" b="1">
+                <a:solidFill>
+                  <a:schemeClr val="tx1">
+                    <a:tint val="75000"/>
+                  </a:schemeClr>
+                </a:solidFill>
+                <a:latin typeface="나눔고딕" charset="0"/>
+                <a:ea typeface="나눔고딕" charset="0"/>
+              </a:rPr>
+              <a:t>이</a:t>
+            </a:r>
+            <a:r>
+              <a:rPr lang="en-US" altLang="ko-KR" sz="1800" b="1">
+                <a:solidFill>
+                  <a:schemeClr val="tx1">
+                    <a:tint val="75000"/>
+                  </a:schemeClr>
+                </a:solidFill>
+                <a:latin typeface="나눔고딕" charset="0"/>
+                <a:ea typeface="나눔고딕" charset="0"/>
+              </a:rPr>
+              <a:t>블은 차</a:t>
+            </a:r>
+            <a:r>
+              <a:rPr lang="en-US" altLang="ko-KR" sz="1800" b="1">
+                <a:solidFill>
+                  <a:schemeClr val="tx1">
+                    <a:tint val="75000"/>
+                  </a:schemeClr>
+                </a:solidFill>
+                <a:latin typeface="나눔고딕" charset="0"/>
+                <a:ea typeface="나눔고딕" charset="0"/>
+              </a:rPr>
+              <a:t>량</a:t>
+            </a:r>
+            <a:r>
+              <a:rPr lang="en-US" altLang="ko-KR" sz="1800" b="1">
+                <a:solidFill>
+                  <a:schemeClr val="tx1">
+                    <a:tint val="75000"/>
+                  </a:schemeClr>
+                </a:solidFill>
+                <a:latin typeface="나눔고딕" charset="0"/>
+                <a:ea typeface="나눔고딕" charset="0"/>
+              </a:rPr>
+              <a:t>번</a:t>
+            </a:r>
+            <a:r>
+              <a:rPr lang="en-US" altLang="ko-KR" sz="1800" b="1">
+                <a:solidFill>
+                  <a:schemeClr val="tx1">
+                    <a:tint val="75000"/>
+                  </a:schemeClr>
+                </a:solidFill>
+                <a:latin typeface="나눔고딕" charset="0"/>
+                <a:ea typeface="나눔고딕" charset="0"/>
+              </a:rPr>
+              <a:t>호로 식별</a:t>
+            </a:r>
+            <a:r>
+              <a:rPr lang="en-US" altLang="ko-KR" sz="1800" b="1">
+                <a:solidFill>
+                  <a:schemeClr val="tx1">
+                    <a:tint val="75000"/>
+                  </a:schemeClr>
+                </a:solidFill>
+                <a:latin typeface="나눔고딕" charset="0"/>
+                <a:ea typeface="나눔고딕" charset="0"/>
+              </a:rPr>
+              <a:t>한</a:t>
+            </a:r>
+            <a:r>
+              <a:rPr lang="en-US" altLang="ko-KR" sz="1800" b="1">
+                <a:solidFill>
+                  <a:schemeClr val="tx1">
+                    <a:tint val="75000"/>
+                  </a:schemeClr>
+                </a:solidFill>
+                <a:latin typeface="나눔고딕" charset="0"/>
+                <a:ea typeface="나눔고딕" charset="0"/>
+              </a:rPr>
+              <a:t>다</a:t>
+            </a:r>
+            <a:r>
+              <a:rPr lang="en-US" altLang="ko-KR" sz="1800" b="1">
+                <a:solidFill>
+                  <a:schemeClr val="tx1">
+                    <a:tint val="75000"/>
+                  </a:schemeClr>
+                </a:solidFill>
+                <a:latin typeface="나눔고딕" charset="0"/>
+                <a:ea typeface="나눔고딕" charset="0"/>
+              </a:rPr>
+              <a:t>.</a:t>
+            </a:r>
+            <a:endParaRPr lang="ko-KR" altLang="en-US" sz="1800" b="1">
               <a:solidFill>
                 <a:schemeClr val="tx1">
                   <a:tint val="75000"/>
@@ -4645,18 +6854,414 @@
               <a:buNone/>
             </a:pPr>
             <a:r>
-              <a:rPr sz="1600" b="1">
-                <a:solidFill>
-                  <a:schemeClr val="tx1">
-                    <a:tint val="75000"/>
-                  </a:schemeClr>
-                </a:solidFill>
-                <a:latin typeface="나눔고딕" charset="0"/>
-                <a:ea typeface="나눔고딕" charset="0"/>
-              </a:rPr>
-              <a:t>- car 테이블은 인덱스, 차량종류, 연료타입, 차량색상, 탑승인원, 차량이미지 를 가지고 있다,</a:t>
-            </a:r>
-            <a:endParaRPr lang="ko-KR" altLang="en-US" sz="1600" b="1">
+              <a:rPr lang="en-US" altLang="ko-KR" sz="1800" b="1">
+                <a:solidFill>
+                  <a:schemeClr val="tx1">
+                    <a:tint val="75000"/>
+                  </a:schemeClr>
+                </a:solidFill>
+                <a:latin typeface="나눔고딕" charset="0"/>
+                <a:ea typeface="나눔고딕" charset="0"/>
+              </a:rPr>
+              <a:t>- c</a:t>
+            </a:r>
+            <a:r>
+              <a:rPr lang="en-US" altLang="ko-KR" sz="1800" b="1">
+                <a:solidFill>
+                  <a:schemeClr val="tx1">
+                    <a:tint val="75000"/>
+                  </a:schemeClr>
+                </a:solidFill>
+                <a:latin typeface="나눔고딕" charset="0"/>
+                <a:ea typeface="나눔고딕" charset="0"/>
+              </a:rPr>
+              <a:t>a</a:t>
+            </a:r>
+            <a:r>
+              <a:rPr lang="en-US" altLang="ko-KR" sz="1800" b="1">
+                <a:solidFill>
+                  <a:schemeClr val="tx1">
+                    <a:tint val="75000"/>
+                  </a:schemeClr>
+                </a:solidFill>
+                <a:latin typeface="나눔고딕" charset="0"/>
+                <a:ea typeface="나눔고딕" charset="0"/>
+              </a:rPr>
+              <a:t>r</a:t>
+            </a:r>
+            <a:r>
+              <a:rPr lang="en-US" altLang="ko-KR" sz="1800" b="1">
+                <a:solidFill>
+                  <a:schemeClr val="tx1">
+                    <a:tint val="75000"/>
+                  </a:schemeClr>
+                </a:solidFill>
+                <a:latin typeface="나눔고딕" charset="0"/>
+                <a:ea typeface="나눔고딕" charset="0"/>
+              </a:rPr>
+              <a:t> 테이블은</a:t>
+            </a:r>
+            <a:r>
+              <a:rPr lang="en-US" altLang="ko-KR" sz="1800" b="1">
+                <a:solidFill>
+                  <a:schemeClr val="tx1">
+                    <a:tint val="75000"/>
+                  </a:schemeClr>
+                </a:solidFill>
+                <a:latin typeface="나눔고딕" charset="0"/>
+                <a:ea typeface="나눔고딕" charset="0"/>
+              </a:rPr>
+              <a:t> </a:t>
+            </a:r>
+            <a:r>
+              <a:rPr lang="en-US" altLang="ko-KR" sz="1800" b="1">
+                <a:solidFill>
+                  <a:schemeClr val="tx1">
+                    <a:tint val="75000"/>
+                  </a:schemeClr>
+                </a:solidFill>
+                <a:latin typeface="나눔고딕" charset="0"/>
+                <a:ea typeface="나눔고딕" charset="0"/>
+              </a:rPr>
+              <a:t>인</a:t>
+            </a:r>
+            <a:r>
+              <a:rPr lang="en-US" altLang="ko-KR" sz="1800" b="1">
+                <a:solidFill>
+                  <a:schemeClr val="tx1">
+                    <a:tint val="75000"/>
+                  </a:schemeClr>
+                </a:solidFill>
+                <a:latin typeface="나눔고딕" charset="0"/>
+                <a:ea typeface="나눔고딕" charset="0"/>
+              </a:rPr>
+              <a:t>덱스</a:t>
+            </a:r>
+            <a:r>
+              <a:rPr lang="en-US" altLang="ko-KR" sz="1800" b="1">
+                <a:solidFill>
+                  <a:schemeClr val="tx1">
+                    <a:tint val="75000"/>
+                  </a:schemeClr>
+                </a:solidFill>
+                <a:latin typeface="나눔고딕" charset="0"/>
+                <a:ea typeface="나눔고딕" charset="0"/>
+              </a:rPr>
+              <a:t>,</a:t>
+            </a:r>
+            <a:r>
+              <a:rPr lang="en-US" altLang="ko-KR" sz="1800" b="1">
+                <a:solidFill>
+                  <a:schemeClr val="tx1">
+                    <a:tint val="75000"/>
+                  </a:schemeClr>
+                </a:solidFill>
+                <a:latin typeface="나눔고딕" charset="0"/>
+                <a:ea typeface="나눔고딕" charset="0"/>
+              </a:rPr>
+              <a:t> 차량종</a:t>
+            </a:r>
+            <a:r>
+              <a:rPr lang="en-US" altLang="ko-KR" sz="1800" b="1">
+                <a:solidFill>
+                  <a:schemeClr val="tx1">
+                    <a:tint val="75000"/>
+                  </a:schemeClr>
+                </a:solidFill>
+                <a:latin typeface="나눔고딕" charset="0"/>
+                <a:ea typeface="나눔고딕" charset="0"/>
+              </a:rPr>
+              <a:t>류</a:t>
+            </a:r>
+            <a:r>
+              <a:rPr lang="en-US" altLang="ko-KR" sz="1800" b="1">
+                <a:solidFill>
+                  <a:schemeClr val="tx1">
+                    <a:tint val="75000"/>
+                  </a:schemeClr>
+                </a:solidFill>
+                <a:latin typeface="나눔고딕" charset="0"/>
+                <a:ea typeface="나눔고딕" charset="0"/>
+              </a:rPr>
+              <a:t>,</a:t>
+            </a:r>
+            <a:r>
+              <a:rPr lang="en-US" altLang="ko-KR" sz="1800" b="1">
+                <a:solidFill>
+                  <a:schemeClr val="tx1">
+                    <a:tint val="75000"/>
+                  </a:schemeClr>
+                </a:solidFill>
+                <a:latin typeface="나눔고딕" charset="0"/>
+                <a:ea typeface="나눔고딕" charset="0"/>
+              </a:rPr>
+              <a:t> 연료타입</a:t>
+            </a:r>
+            <a:r>
+              <a:rPr lang="en-US" altLang="ko-KR" sz="1800" b="1">
+                <a:solidFill>
+                  <a:schemeClr val="tx1">
+                    <a:tint val="75000"/>
+                  </a:schemeClr>
+                </a:solidFill>
+                <a:latin typeface="나눔고딕" charset="0"/>
+                <a:ea typeface="나눔고딕" charset="0"/>
+              </a:rPr>
+              <a:t>,</a:t>
+            </a:r>
+            <a:r>
+              <a:rPr lang="en-US" altLang="ko-KR" sz="1800" b="1">
+                <a:solidFill>
+                  <a:schemeClr val="tx1">
+                    <a:tint val="75000"/>
+                  </a:schemeClr>
+                </a:solidFill>
+                <a:latin typeface="나눔고딕" charset="0"/>
+                <a:ea typeface="나눔고딕" charset="0"/>
+              </a:rPr>
+              <a:t> </a:t>
+            </a:r>
+            <a:r>
+              <a:rPr lang="en-US" altLang="ko-KR" sz="1800" b="1">
+                <a:solidFill>
+                  <a:schemeClr val="tx1">
+                    <a:tint val="75000"/>
+                  </a:schemeClr>
+                </a:solidFill>
+                <a:latin typeface="나눔고딕" charset="0"/>
+                <a:ea typeface="나눔고딕" charset="0"/>
+              </a:rPr>
+              <a:t>차량색</a:t>
+            </a:r>
+            <a:r>
+              <a:rPr lang="en-US" altLang="ko-KR" sz="1800" b="1">
+                <a:solidFill>
+                  <a:schemeClr val="tx1">
+                    <a:tint val="75000"/>
+                  </a:schemeClr>
+                </a:solidFill>
+                <a:latin typeface="나눔고딕" charset="0"/>
+                <a:ea typeface="나눔고딕" charset="0"/>
+              </a:rPr>
+              <a:t>상</a:t>
+            </a:r>
+            <a:r>
+              <a:rPr lang="en-US" altLang="ko-KR" sz="1800" b="1">
+                <a:solidFill>
+                  <a:schemeClr val="tx1">
+                    <a:tint val="75000"/>
+                  </a:schemeClr>
+                </a:solidFill>
+                <a:latin typeface="나눔고딕" charset="0"/>
+                <a:ea typeface="나눔고딕" charset="0"/>
+              </a:rPr>
+              <a:t>,</a:t>
+            </a:r>
+            <a:r>
+              <a:rPr lang="en-US" altLang="ko-KR" sz="1800" b="1">
+                <a:solidFill>
+                  <a:schemeClr val="tx1">
+                    <a:tint val="75000"/>
+                  </a:schemeClr>
+                </a:solidFill>
+                <a:latin typeface="나눔고딕" charset="0"/>
+                <a:ea typeface="나눔고딕" charset="0"/>
+              </a:rPr>
+              <a:t> </a:t>
+            </a:r>
+            <a:r>
+              <a:rPr lang="en-US" altLang="ko-KR" sz="1800" b="1">
+                <a:solidFill>
+                  <a:schemeClr val="tx1">
+                    <a:tint val="75000"/>
+                  </a:schemeClr>
+                </a:solidFill>
+                <a:latin typeface="나눔고딕" charset="0"/>
+                <a:ea typeface="나눔고딕" charset="0"/>
+              </a:rPr>
+              <a:t>탑</a:t>
+            </a:r>
+            <a:r>
+              <a:rPr lang="en-US" altLang="ko-KR" sz="1800" b="1">
+                <a:solidFill>
+                  <a:schemeClr val="tx1">
+                    <a:tint val="75000"/>
+                  </a:schemeClr>
+                </a:solidFill>
+                <a:latin typeface="나눔고딕" charset="0"/>
+                <a:ea typeface="나눔고딕" charset="0"/>
+              </a:rPr>
+              <a:t>승인</a:t>
+            </a:r>
+            <a:r>
+              <a:rPr lang="en-US" altLang="ko-KR" sz="1800" b="1">
+                <a:solidFill>
+                  <a:schemeClr val="tx1">
+                    <a:tint val="75000"/>
+                  </a:schemeClr>
+                </a:solidFill>
+                <a:latin typeface="나눔고딕" charset="0"/>
+                <a:ea typeface="나눔고딕" charset="0"/>
+              </a:rPr>
+              <a:t>원</a:t>
+            </a:r>
+            <a:r>
+              <a:rPr lang="en-US" altLang="ko-KR" sz="1800" b="1">
+                <a:solidFill>
+                  <a:schemeClr val="tx1">
+                    <a:tint val="75000"/>
+                  </a:schemeClr>
+                </a:solidFill>
+                <a:latin typeface="나눔고딕" charset="0"/>
+                <a:ea typeface="나눔고딕" charset="0"/>
+              </a:rPr>
+              <a:t>,</a:t>
+            </a:r>
+            <a:r>
+              <a:rPr lang="en-US" altLang="ko-KR" sz="1800" b="1">
+                <a:solidFill>
+                  <a:schemeClr val="tx1">
+                    <a:tint val="75000"/>
+                  </a:schemeClr>
+                </a:solidFill>
+                <a:latin typeface="나눔고딕" charset="0"/>
+                <a:ea typeface="나눔고딕" charset="0"/>
+              </a:rPr>
+              <a:t> </a:t>
+            </a:r>
+            <a:r>
+              <a:rPr lang="en-US" altLang="ko-KR" sz="1800" b="1">
+                <a:solidFill>
+                  <a:schemeClr val="tx1">
+                    <a:tint val="75000"/>
+                  </a:schemeClr>
+                </a:solidFill>
+                <a:latin typeface="나눔고딕" charset="0"/>
+                <a:ea typeface="나눔고딕" charset="0"/>
+              </a:rPr>
+              <a:t>차</a:t>
+            </a:r>
+            <a:r>
+              <a:rPr lang="en-US" altLang="ko-KR" sz="1800" b="1">
+                <a:solidFill>
+                  <a:schemeClr val="tx1">
+                    <a:tint val="75000"/>
+                  </a:schemeClr>
+                </a:solidFill>
+                <a:latin typeface="나눔고딕" charset="0"/>
+                <a:ea typeface="나눔고딕" charset="0"/>
+              </a:rPr>
+              <a:t>량이</a:t>
+            </a:r>
+            <a:r>
+              <a:rPr lang="en-US" altLang="ko-KR" sz="1800" b="1">
+                <a:solidFill>
+                  <a:schemeClr val="tx1">
+                    <a:tint val="75000"/>
+                  </a:schemeClr>
+                </a:solidFill>
+                <a:latin typeface="나눔고딕" charset="0"/>
+                <a:ea typeface="나눔고딕" charset="0"/>
+              </a:rPr>
+              <a:t>미</a:t>
+            </a:r>
+            <a:r>
+              <a:rPr lang="en-US" altLang="ko-KR" sz="1800" b="1">
+                <a:solidFill>
+                  <a:schemeClr val="tx1">
+                    <a:tint val="75000"/>
+                  </a:schemeClr>
+                </a:solidFill>
+                <a:latin typeface="나눔고딕" charset="0"/>
+                <a:ea typeface="나눔고딕" charset="0"/>
+              </a:rPr>
+              <a:t>지</a:t>
+            </a:r>
+            <a:r>
+              <a:rPr lang="en-US" altLang="ko-KR" sz="1800" b="1">
+                <a:solidFill>
+                  <a:schemeClr val="tx1">
+                    <a:tint val="75000"/>
+                  </a:schemeClr>
+                </a:solidFill>
+                <a:latin typeface="나눔고딕" charset="0"/>
+                <a:ea typeface="나눔고딕" charset="0"/>
+              </a:rPr>
+              <a:t> </a:t>
+            </a:r>
+            <a:r>
+              <a:rPr lang="en-US" altLang="ko-KR" sz="1800" b="1">
+                <a:solidFill>
+                  <a:schemeClr val="tx1">
+                    <a:tint val="75000"/>
+                  </a:schemeClr>
+                </a:solidFill>
+                <a:latin typeface="나눔고딕" charset="0"/>
+                <a:ea typeface="나눔고딕" charset="0"/>
+              </a:rPr>
+              <a:t>를</a:t>
+            </a:r>
+            <a:r>
+              <a:rPr lang="en-US" altLang="ko-KR" sz="1800" b="1">
+                <a:solidFill>
+                  <a:schemeClr val="tx1">
+                    <a:tint val="75000"/>
+                  </a:schemeClr>
+                </a:solidFill>
+                <a:latin typeface="나눔고딕" charset="0"/>
+                <a:ea typeface="나눔고딕" charset="0"/>
+              </a:rPr>
+              <a:t> 가</a:t>
+            </a:r>
+            <a:r>
+              <a:rPr lang="en-US" altLang="ko-KR" sz="1800" b="1">
+                <a:solidFill>
+                  <a:schemeClr val="tx1">
+                    <a:tint val="75000"/>
+                  </a:schemeClr>
+                </a:solidFill>
+                <a:latin typeface="나눔고딕" charset="0"/>
+                <a:ea typeface="나눔고딕" charset="0"/>
+              </a:rPr>
+              <a:t>지</a:t>
+            </a:r>
+            <a:r>
+              <a:rPr lang="en-US" altLang="ko-KR" sz="1800" b="1">
+                <a:solidFill>
+                  <a:schemeClr val="tx1">
+                    <a:tint val="75000"/>
+                  </a:schemeClr>
+                </a:solidFill>
+                <a:latin typeface="나눔고딕" charset="0"/>
+                <a:ea typeface="나눔고딕" charset="0"/>
+              </a:rPr>
+              <a:t>고 있</a:t>
+            </a:r>
+            <a:r>
+              <a:rPr lang="en-US" altLang="ko-KR" sz="1800" b="1">
+                <a:solidFill>
+                  <a:schemeClr val="tx1">
+                    <a:tint val="75000"/>
+                  </a:schemeClr>
+                </a:solidFill>
+                <a:latin typeface="나눔고딕" charset="0"/>
+                <a:ea typeface="나눔고딕" charset="0"/>
+              </a:rPr>
+              <a:t>다</a:t>
+            </a:r>
+            <a:r>
+              <a:rPr lang="en-US" altLang="ko-KR" sz="1800" b="1">
+                <a:solidFill>
+                  <a:schemeClr val="tx1">
+                    <a:tint val="75000"/>
+                  </a:schemeClr>
+                </a:solidFill>
+                <a:latin typeface="나눔고딕" charset="0"/>
+                <a:ea typeface="나눔고딕" charset="0"/>
+              </a:rPr>
+              <a:t>,</a:t>
+            </a:r>
+            <a:endParaRPr lang="ko-KR" altLang="en-US" sz="1800" b="1">
               <a:solidFill>
                 <a:schemeClr val="tx1">
                   <a:tint val="75000"/>
@@ -4681,18 +7286,150 @@
               <a:buNone/>
             </a:pPr>
             <a:r>
-              <a:rPr sz="1600" b="1">
-                <a:solidFill>
-                  <a:schemeClr val="tx1">
-                    <a:tint val="75000"/>
-                  </a:schemeClr>
-                </a:solidFill>
-                <a:latin typeface="나눔고딕" charset="0"/>
-                <a:ea typeface="나눔고딕" charset="0"/>
-              </a:rPr>
-              <a:t>- car 테이블은 인덱스로 식별한다.</a:t>
-            </a:r>
-            <a:endParaRPr lang="ko-KR" altLang="en-US" sz="1600" b="1">
+              <a:rPr lang="en-US" altLang="ko-KR" sz="1800" b="1">
+                <a:solidFill>
+                  <a:schemeClr val="tx1">
+                    <a:tint val="75000"/>
+                  </a:schemeClr>
+                </a:solidFill>
+                <a:latin typeface="나눔고딕" charset="0"/>
+                <a:ea typeface="나눔고딕" charset="0"/>
+              </a:rPr>
+              <a:t>-</a:t>
+            </a:r>
+            <a:r>
+              <a:rPr lang="en-US" altLang="ko-KR" sz="1800" b="1">
+                <a:solidFill>
+                  <a:schemeClr val="tx1">
+                    <a:tint val="75000"/>
+                  </a:schemeClr>
+                </a:solidFill>
+                <a:latin typeface="나눔고딕" charset="0"/>
+                <a:ea typeface="나눔고딕" charset="0"/>
+              </a:rPr>
+              <a:t> </a:t>
+            </a:r>
+            <a:r>
+              <a:rPr lang="en-US" altLang="ko-KR" sz="1800" b="1">
+                <a:solidFill>
+                  <a:schemeClr val="tx1">
+                    <a:tint val="75000"/>
+                  </a:schemeClr>
+                </a:solidFill>
+                <a:latin typeface="나눔고딕" charset="0"/>
+                <a:ea typeface="나눔고딕" charset="0"/>
+              </a:rPr>
+              <a:t>c</a:t>
+            </a:r>
+            <a:r>
+              <a:rPr lang="en-US" altLang="ko-KR" sz="1800" b="1">
+                <a:solidFill>
+                  <a:schemeClr val="tx1">
+                    <a:tint val="75000"/>
+                  </a:schemeClr>
+                </a:solidFill>
+                <a:latin typeface="나눔고딕" charset="0"/>
+                <a:ea typeface="나눔고딕" charset="0"/>
+              </a:rPr>
+              <a:t>ar 테이블</a:t>
+            </a:r>
+            <a:r>
+              <a:rPr lang="en-US" altLang="ko-KR" sz="1800" b="1">
+                <a:solidFill>
+                  <a:schemeClr val="tx1">
+                    <a:tint val="75000"/>
+                  </a:schemeClr>
+                </a:solidFill>
+                <a:latin typeface="나눔고딕" charset="0"/>
+                <a:ea typeface="나눔고딕" charset="0"/>
+              </a:rPr>
+              <a:t>은 </a:t>
+            </a:r>
+            <a:r>
+              <a:rPr lang="en-US" altLang="ko-KR" sz="1800" b="1">
+                <a:solidFill>
+                  <a:schemeClr val="tx1">
+                    <a:tint val="75000"/>
+                  </a:schemeClr>
+                </a:solidFill>
+                <a:latin typeface="나눔고딕" charset="0"/>
+                <a:ea typeface="나눔고딕" charset="0"/>
+              </a:rPr>
+              <a:t>인</a:t>
+            </a:r>
+            <a:r>
+              <a:rPr lang="en-US" altLang="ko-KR" sz="1800" b="1">
+                <a:solidFill>
+                  <a:schemeClr val="tx1">
+                    <a:tint val="75000"/>
+                  </a:schemeClr>
+                </a:solidFill>
+                <a:latin typeface="나눔고딕" charset="0"/>
+                <a:ea typeface="나눔고딕" charset="0"/>
+              </a:rPr>
+              <a:t>덱스로</a:t>
+            </a:r>
+            <a:r>
+              <a:rPr lang="en-US" altLang="ko-KR" sz="1800" b="1">
+                <a:solidFill>
+                  <a:schemeClr val="tx1">
+                    <a:tint val="75000"/>
+                  </a:schemeClr>
+                </a:solidFill>
+                <a:latin typeface="나눔고딕" charset="0"/>
+                <a:ea typeface="나눔고딕" charset="0"/>
+              </a:rPr>
+              <a:t> 식</a:t>
+            </a:r>
+            <a:r>
+              <a:rPr lang="en-US" altLang="ko-KR" sz="1800" b="1">
+                <a:solidFill>
+                  <a:schemeClr val="tx1">
+                    <a:tint val="75000"/>
+                  </a:schemeClr>
+                </a:solidFill>
+                <a:latin typeface="나눔고딕" charset="0"/>
+                <a:ea typeface="나눔고딕" charset="0"/>
+              </a:rPr>
+              <a:t>별</a:t>
+            </a:r>
+            <a:r>
+              <a:rPr lang="en-US" altLang="ko-KR" sz="1800" b="1">
+                <a:solidFill>
+                  <a:schemeClr val="tx1">
+                    <a:tint val="75000"/>
+                  </a:schemeClr>
+                </a:solidFill>
+                <a:latin typeface="나눔고딕" charset="0"/>
+                <a:ea typeface="나눔고딕" charset="0"/>
+              </a:rPr>
+              <a:t>한</a:t>
+            </a:r>
+            <a:r>
+              <a:rPr lang="en-US" altLang="ko-KR" sz="1800" b="1">
+                <a:solidFill>
+                  <a:schemeClr val="tx1">
+                    <a:tint val="75000"/>
+                  </a:schemeClr>
+                </a:solidFill>
+                <a:latin typeface="나눔고딕" charset="0"/>
+                <a:ea typeface="나눔고딕" charset="0"/>
+              </a:rPr>
+              <a:t>다</a:t>
+            </a:r>
+            <a:r>
+              <a:rPr lang="en-US" altLang="ko-KR" sz="1800" b="1">
+                <a:solidFill>
+                  <a:schemeClr val="tx1">
+                    <a:tint val="75000"/>
+                  </a:schemeClr>
+                </a:solidFill>
+                <a:latin typeface="나눔고딕" charset="0"/>
+                <a:ea typeface="나눔고딕" charset="0"/>
+              </a:rPr>
+              <a:t>.</a:t>
+            </a:r>
+            <a:endParaRPr lang="ko-KR" altLang="en-US" sz="1800" b="1">
               <a:solidFill>
                 <a:schemeClr val="tx1">
                   <a:tint val="75000"/>
@@ -4716,115 +7453,7 @@
               <a:buFontTx/>
               <a:buNone/>
             </a:pPr>
-            <a:r>
-              <a:rPr sz="1600" b="1">
-                <a:solidFill>
-                  <a:schemeClr val="tx1">
-                    <a:tint val="75000"/>
-                  </a:schemeClr>
-                </a:solidFill>
-                <a:latin typeface="나눔고딕" charset="0"/>
-                <a:ea typeface="나눔고딕" charset="0"/>
-              </a:rPr>
-              <a:t>- rentinfo 테이블은 대여번호, 대여시작일, 대여기간, 반납기한, 청구요금, 회원번호(FK), 차량번호(FK) 를 가지고 있다.</a:t>
-            </a:r>
-            <a:endParaRPr lang="ko-KR" altLang="en-US" sz="1600" b="1">
-              <a:solidFill>
-                <a:schemeClr val="tx1">
-                  <a:tint val="75000"/>
-                </a:schemeClr>
-              </a:solidFill>
-              <a:latin typeface="나눔고딕" charset="0"/>
-              <a:ea typeface="나눔고딕" charset="0"/>
-            </a:endParaRPr>
-          </a:p>
-          <a:p>
-            <a:pPr marL="0" indent="0" algn="l" defTabSz="914400" latinLnBrk="1">
-              <a:lnSpc>
-                <a:spcPct val="100000"/>
-              </a:lnSpc>
-              <a:spcBef>
-                <a:spcPts val="700"/>
-              </a:spcBef>
-              <a:spcAft>
-                <a:spcPts val="0"/>
-              </a:spcAft>
-              <a:buFontTx/>
-              <a:buNone/>
-            </a:pPr>
-            <a:r>
-              <a:rPr sz="1600" b="1">
-                <a:solidFill>
-                  <a:schemeClr val="tx1">
-                    <a:tint val="75000"/>
-                  </a:schemeClr>
-                </a:solidFill>
-                <a:latin typeface="나눔고딕" charset="0"/>
-                <a:ea typeface="나눔고딕" charset="0"/>
-              </a:rPr>
-              <a:t>- rentinfo 테이블은 대여번호로 식별한다.</a:t>
-            </a:r>
-            <a:endParaRPr lang="ko-KR" altLang="en-US" sz="1600" b="1">
-              <a:solidFill>
-                <a:schemeClr val="tx1">
-                  <a:tint val="75000"/>
-                </a:schemeClr>
-              </a:solidFill>
-              <a:latin typeface="나눔고딕" charset="0"/>
-              <a:ea typeface="나눔고딕" charset="0"/>
-            </a:endParaRPr>
-          </a:p>
-          <a:p>
-            <a:pPr marL="0" indent="0" algn="l" defTabSz="914400" latinLnBrk="1">
-              <a:lnSpc>
-                <a:spcPct val="100000"/>
-              </a:lnSpc>
-              <a:spcBef>
-                <a:spcPts val="700"/>
-              </a:spcBef>
-              <a:spcAft>
-                <a:spcPts val="0"/>
-              </a:spcAft>
-              <a:buFontTx/>
-              <a:buNone/>
-            </a:pPr>
-            <a:r>
-              <a:rPr sz="1600" b="1">
-                <a:solidFill>
-                  <a:schemeClr val="tx1">
-                    <a:tint val="75000"/>
-                  </a:schemeClr>
-                </a:solidFill>
-                <a:latin typeface="나눔고딕" charset="0"/>
-                <a:ea typeface="나눔고딕" charset="0"/>
-              </a:rPr>
-              <a:t>- question 테이블은 게시번호, 제목, 내용, 작성시간, 답변여부, 회원번호(FK) 를 가지고 있다.</a:t>
-            </a:r>
-            <a:endParaRPr lang="ko-KR" altLang="en-US" sz="1600" b="1">
-              <a:solidFill>
-                <a:schemeClr val="tx1">
-                  <a:tint val="75000"/>
-                </a:schemeClr>
-              </a:solidFill>
-              <a:latin typeface="나눔고딕" charset="0"/>
-              <a:ea typeface="나눔고딕" charset="0"/>
-            </a:endParaRPr>
-          </a:p>
-          <a:p>
-            <a:pPr marL="0" indent="0" algn="l" defTabSz="914400" latinLnBrk="1">
-              <a:lnSpc>
-                <a:spcPct val="100000"/>
-              </a:lnSpc>
-              <a:spcBef>
-                <a:spcPts val="700"/>
-              </a:spcBef>
-              <a:spcAft>
-                <a:spcPts val="0"/>
-              </a:spcAft>
-              <a:buFontTx/>
-              <a:buNone/>
-            </a:pPr>
-            <a:endParaRPr lang="ko-KR" altLang="en-US" sz="1600" b="1">
+            <a:endParaRPr lang="ko-KR" altLang="en-US" sz="1800" b="1">
               <a:solidFill>
                 <a:schemeClr val="tx1">
                   <a:tint val="75000"/>
@@ -4860,7 +7489,150 @@
 </file>
 
 <file path=ppt/slides/slide20.xml><?xml version="1.0" encoding="utf-8"?>
-<p:sld xmlns:a="http://schemas.openxmlformats.org/drawingml/2006/main" xmlns:r="http://schemas.openxmlformats.org/officeDocument/2006/relationships" xmlns:p="http://schemas.openxmlformats.org/presentationml/2006/main">
+<p:sld xmlns:a="http://schemas.openxmlformats.org/drawingml/2006/main" xmlns:r="http://schemas.openxmlformats.org/officeDocument/2006/relationships" xmlns:p="http://schemas.openxmlformats.org/presentationml/2006/main" xmlns:p14="http://schemas.microsoft.com/office/powerpoint/2010/main">
+  <p:cSld>
+    <p:spTree>
+      <p:nvGrpSpPr>
+        <p:cNvPr id="1" name=""/>
+        <p:cNvGrpSpPr/>
+        <p:nvPr/>
+      </p:nvGrpSpPr>
+      <p:grpSpPr>
+        <a:xfrm>
+          <a:off x="0" y="0"/>
+          <a:ext cx="0" cy="0"/>
+          <a:chOff x="0" y="0"/>
+          <a:chExt cx="0" cy="0"/>
+        </a:xfrm>
+      </p:grpSpPr>
+      <p:sp>
+        <p:nvSpPr>
+          <p:cNvPr id="3" name="텍스트 개체 틀 2"/>
+          <p:cNvSpPr txBox="1">
+            <a:spLocks/>
+          </p:cNvSpPr>
+          <p:nvPr>
+            <p:ph type="ctrTitle"/>
+          </p:nvPr>
+        </p:nvSpPr>
+        <p:spPr>
+          <a:xfrm rot="0">
+            <a:off x="685800" y="307340"/>
+            <a:ext cx="7773670" cy="1471295"/>
+          </a:xfrm>
+          <a:prstGeom prst="rect"/>
+        </p:spPr>
+        <p:txBody>
+          <a:bodyPr wrap="square" lIns="91440" tIns="45720" rIns="91440" bIns="45720" numCol="1" vert="horz" anchor="ctr">
+            <a:noAutofit/>
+          </a:bodyPr>
+          <a:lstStyle>
+            <a:lvl1pPr marL="0" indent="0" defTabSz="508000">
+              <a:lnSpc>
+                <a:spcPct val="100000"/>
+              </a:lnSpc>
+              <a:spcBef>
+                <a:spcPts val="0"/>
+              </a:spcBef>
+              <a:spcAft>
+                <a:spcPts val="0"/>
+              </a:spcAft>
+              <a:buFontTx/>
+              <a:buNone/>
+              <a:defRPr lang="en-GB" altLang="en-US" sz="1800">
+                <a:latin typeface="나눔고딕" charset="0"/>
+                <a:ea typeface="나눔고딕" charset="0"/>
+              </a:defRPr>
+            </a:lvl1pPr>
+          </a:lstStyle>
+          <a:p>
+            <a:pPr marL="0" indent="0" algn="ctr" defTabSz="914400" latinLnBrk="1">
+              <a:lnSpc>
+                <a:spcPct val="100000"/>
+              </a:lnSpc>
+              <a:spcBef>
+                <a:spcPts val="0"/>
+              </a:spcBef>
+              <a:spcAft>
+                <a:spcPts val="0"/>
+              </a:spcAft>
+              <a:buFontTx/>
+              <a:buNone/>
+            </a:pPr>
+            <a:r>
+              <a:rPr lang="ko-KR" altLang="ko-KR" sz="4400" b="1">
+                <a:solidFill>
+                  <a:srgbClr val="716767"/>
+                </a:solidFill>
+                <a:latin typeface="나눔고딕" charset="0"/>
+                <a:ea typeface="나눔고딕" charset="0"/>
+              </a:rPr>
+              <a:t>화면설계</a:t>
+            </a:r>
+            <a:endParaRPr lang="ko-KR" altLang="en-US" sz="4400" b="1">
+              <a:solidFill>
+                <a:srgbClr val="716767"/>
+              </a:solidFill>
+              <a:latin typeface="나눔고딕" charset="0"/>
+              <a:ea typeface="나눔고딕" charset="0"/>
+            </a:endParaRPr>
+          </a:p>
+        </p:txBody>
+      </p:sp>
+      <p:pic>
+        <p:nvPicPr>
+          <p:cNvPr id="4" name="그림 3"/>
+          <p:cNvPicPr>
+            <a:picLocks noChangeAspect="1"/>
+          </p:cNvPicPr>
+          <p:nvPr/>
+        </p:nvPicPr>
+        <p:blipFill rotWithShape="1">
+          <a:blip r:embed="rId3" cstate="print">
+            <a:extLst>
+              <a:ext uri="{28A0092B-C50C-407E-A947-70E740481C1C}">
+                <a14:useLocalDpi xmlns:a14="http://schemas.microsoft.com/office/drawing/2010/main" val="0"/>
+              </a:ext>
+            </a:extLst>
+          </a:blip>
+          <a:stretch>
+            <a:fillRect/>
+          </a:stretch>
+        </p:blipFill>
+        <p:spPr>
+          <a:xfrm rot="0">
+            <a:off x="57150" y="1773555"/>
+            <a:ext cx="9030335" cy="4949190"/>
+          </a:xfrm>
+          <a:prstGeom prst="rect"/>
+          <a:noFill/>
+        </p:spPr>
+      </p:pic>
+    </p:spTree>
+  </p:cSld>
+  <p:clrMapOvr>
+    <a:masterClrMapping/>
+  </p:clrMapOvr>
+  <mc:AlternateContent xmlns:mc="http://schemas.openxmlformats.org/markup-compatibility/2006">
+    <mc:Choice xmlns:p14="http://schemas.microsoft.com/office/powerpoint/2010/main" Requires="p14">
+      <p:transition spd="slow" p14:dur="2000"/>
+    </mc:Choice>
+    <mc:Fallback>
+      <p:transition spd="slow"/>
+    </mc:Fallback>
+  </mc:AlternateContent>
+  <p:timing>
+    <p:tnLst>
+      <p:par>
+        <p:cTn id="1" dur="indefinite" restart="never" nodeType="tmRoot"/>
+      </p:par>
+    </p:tnLst>
+  </p:timing>
+</p:sld>
+</file>
+
+<file path=ppt/slides/slide21.xml><?xml version="1.0" encoding="utf-8"?>
+<p:sld xmlns:a="http://schemas.openxmlformats.org/drawingml/2006/main" xmlns:r="http://schemas.openxmlformats.org/officeDocument/2006/relationships" xmlns:p="http://schemas.openxmlformats.org/presentationml/2006/main" xmlns:p14="http://schemas.microsoft.com/office/powerpoint/2010/main">
   <p:cSld>
     <p:spTree>
       <p:nvGrpSpPr>
@@ -4993,8 +7765,8 @@
 </p:sld>
 </file>
 
-<file path=ppt/slides/slide21.xml><?xml version="1.0" encoding="utf-8"?>
-<p:sld xmlns:a="http://schemas.openxmlformats.org/drawingml/2006/main" xmlns:r="http://schemas.openxmlformats.org/officeDocument/2006/relationships" xmlns:p="http://schemas.openxmlformats.org/presentationml/2006/main">
+<file path=ppt/slides/slide22.xml><?xml version="1.0" encoding="utf-8"?>
+<p:sld xmlns:a="http://schemas.openxmlformats.org/drawingml/2006/main" xmlns:r="http://schemas.openxmlformats.org/officeDocument/2006/relationships" xmlns:p="http://schemas.openxmlformats.org/presentationml/2006/main" xmlns:p14="http://schemas.microsoft.com/office/powerpoint/2010/main">
   <p:cSld>
     <p:spTree>
       <p:nvGrpSpPr>
@@ -5086,7 +7858,7 @@
       </p:sp>
       <p:pic>
         <p:nvPicPr>
-          <p:cNvPr id="4" name="그림 3" descr="C:/Users/user/AppData/Roaming/PolarisOffice/ETemp/11364_1539040/fImage876783655705.jpeg"/>
+          <p:cNvPr id="4" name="그림 3"/>
           <p:cNvPicPr>
             <a:picLocks noChangeAspect="1"/>
           </p:cNvPicPr>
@@ -5136,8 +7908,8 @@
 </p:sld>
 </file>
 
-<file path=ppt/slides/slide22.xml><?xml version="1.0" encoding="utf-8"?>
-<p:sld xmlns:a="http://schemas.openxmlformats.org/drawingml/2006/main" xmlns:r="http://schemas.openxmlformats.org/officeDocument/2006/relationships" xmlns:p="http://schemas.openxmlformats.org/presentationml/2006/main">
+<file path=ppt/slides/slide23.xml><?xml version="1.0" encoding="utf-8"?>
+<p:sld xmlns:a="http://schemas.openxmlformats.org/drawingml/2006/main" xmlns:r="http://schemas.openxmlformats.org/officeDocument/2006/relationships" xmlns:p="http://schemas.openxmlformats.org/presentationml/2006/main" xmlns:p14="http://schemas.microsoft.com/office/powerpoint/2010/main">
   <p:cSld>
     <p:spTree>
       <p:nvGrpSpPr>
@@ -5229,7 +8001,7 @@
       </p:sp>
       <p:pic>
         <p:nvPicPr>
-          <p:cNvPr id="4" name="그림 3" descr="C:/Users/user/AppData/Roaming/PolarisOffice/ETemp/11364_1539040/fImage613083378145.jpeg"/>
+          <p:cNvPr id="4" name="그림 3"/>
           <p:cNvPicPr>
             <a:picLocks noChangeAspect="1"/>
           </p:cNvPicPr>
@@ -5279,8 +8051,8 @@
 </p:sld>
 </file>
 
-<file path=ppt/slides/slide23.xml><?xml version="1.0" encoding="utf-8"?>
-<p:sld xmlns:a="http://schemas.openxmlformats.org/drawingml/2006/main" xmlns:r="http://schemas.openxmlformats.org/officeDocument/2006/relationships" xmlns:p="http://schemas.openxmlformats.org/presentationml/2006/main">
+<file path=ppt/slides/slide24.xml><?xml version="1.0" encoding="utf-8"?>
+<p:sld xmlns:a="http://schemas.openxmlformats.org/drawingml/2006/main" xmlns:r="http://schemas.openxmlformats.org/officeDocument/2006/relationships" xmlns:p="http://schemas.openxmlformats.org/presentationml/2006/main" xmlns:p14="http://schemas.microsoft.com/office/powerpoint/2010/main">
   <p:cSld>
     <p:spTree>
       <p:nvGrpSpPr>
@@ -5372,7 +8144,7 @@
       </p:sp>
       <p:pic>
         <p:nvPicPr>
-          <p:cNvPr id="4" name="그림 3" descr="C:/Users/user/AppData/Roaming/PolarisOffice/ETemp/11364_1539040/fImage563223393281.jpeg"/>
+          <p:cNvPr id="4" name="그림 3"/>
           <p:cNvPicPr>
             <a:picLocks noChangeAspect="1"/>
           </p:cNvPicPr>
@@ -5422,8 +8194,8 @@
 </p:sld>
 </file>
 
-<file path=ppt/slides/slide24.xml><?xml version="1.0" encoding="utf-8"?>
-<p:sld xmlns:a="http://schemas.openxmlformats.org/drawingml/2006/main" xmlns:r="http://schemas.openxmlformats.org/officeDocument/2006/relationships" xmlns:p="http://schemas.openxmlformats.org/presentationml/2006/main">
+<file path=ppt/slides/slide25.xml><?xml version="1.0" encoding="utf-8"?>
+<p:sld xmlns:a="http://schemas.openxmlformats.org/drawingml/2006/main" xmlns:r="http://schemas.openxmlformats.org/officeDocument/2006/relationships" xmlns:p="http://schemas.openxmlformats.org/presentationml/2006/main" xmlns:p14="http://schemas.microsoft.com/office/powerpoint/2010/main">
   <p:cSld>
     <p:spTree>
       <p:nvGrpSpPr>
@@ -5515,7 +8287,7 @@
       </p:sp>
       <p:pic>
         <p:nvPicPr>
-          <p:cNvPr id="4" name="그림 3" descr="C:/Users/user/AppData/Roaming/PolarisOffice/ETemp/11364_1539040/fImage543673406827.jpeg"/>
+          <p:cNvPr id="4" name="그림 3"/>
           <p:cNvPicPr>
             <a:picLocks noChangeAspect="1"/>
           </p:cNvPicPr>
@@ -5537,149 +8309,6 @@
           <a:xfrm rot="0">
             <a:off x="64135" y="1818005"/>
             <a:ext cx="9037955" cy="4956175"/>
-          </a:xfrm>
-          <a:prstGeom prst="rect"/>
-          <a:noFill/>
-        </p:spPr>
-      </p:pic>
-    </p:spTree>
-  </p:cSld>
-  <p:clrMapOvr>
-    <a:masterClrMapping/>
-  </p:clrMapOvr>
-  <mc:AlternateContent xmlns:mc="http://schemas.openxmlformats.org/markup-compatibility/2006">
-    <mc:Choice xmlns:p14="http://schemas.microsoft.com/office/powerpoint/2010/main" Requires="p14">
-      <p:transition spd="slow" p14:dur="2000"/>
-    </mc:Choice>
-    <mc:Fallback>
-      <p:transition spd="slow"/>
-    </mc:Fallback>
-  </mc:AlternateContent>
-  <p:timing>
-    <p:tnLst>
-      <p:par>
-        <p:cTn id="1" dur="indefinite" restart="never" nodeType="tmRoot"/>
-      </p:par>
-    </p:tnLst>
-  </p:timing>
-</p:sld>
-</file>
-
-<file path=ppt/slides/slide25.xml><?xml version="1.0" encoding="utf-8"?>
-<p:sld xmlns:a="http://schemas.openxmlformats.org/drawingml/2006/main" xmlns:r="http://schemas.openxmlformats.org/officeDocument/2006/relationships" xmlns:p="http://schemas.openxmlformats.org/presentationml/2006/main">
-  <p:cSld>
-    <p:spTree>
-      <p:nvGrpSpPr>
-        <p:cNvPr id="1" name=""/>
-        <p:cNvGrpSpPr/>
-        <p:nvPr/>
-      </p:nvGrpSpPr>
-      <p:grpSpPr>
-        <a:xfrm>
-          <a:off x="0" y="0"/>
-          <a:ext cx="0" cy="0"/>
-          <a:chOff x="0" y="0"/>
-          <a:chExt cx="0" cy="0"/>
-        </a:xfrm>
-      </p:grpSpPr>
-      <p:sp>
-        <p:nvSpPr>
-          <p:cNvPr id="3" name="텍스트 개체 틀 2"/>
-          <p:cNvSpPr txBox="1">
-            <a:spLocks/>
-          </p:cNvSpPr>
-          <p:nvPr>
-            <p:ph type="ctrTitle"/>
-          </p:nvPr>
-        </p:nvSpPr>
-        <p:spPr>
-          <a:xfrm rot="0">
-            <a:off x="685800" y="307340"/>
-            <a:ext cx="7774305" cy="1471930"/>
-          </a:xfrm>
-          <a:prstGeom prst="rect"/>
-        </p:spPr>
-        <p:txBody>
-          <a:bodyPr wrap="square" lIns="91440" tIns="45720" rIns="91440" bIns="45720" numCol="1" vert="horz" anchor="ctr">
-            <a:noAutofit/>
-          </a:bodyPr>
-          <a:lstStyle>
-            <a:lvl1pPr marL="0" indent="0" defTabSz="508000">
-              <a:lnSpc>
-                <a:spcPct val="100000"/>
-              </a:lnSpc>
-              <a:spcBef>
-                <a:spcPts val="0"/>
-              </a:spcBef>
-              <a:spcAft>
-                <a:spcPts val="0"/>
-              </a:spcAft>
-              <a:buFontTx/>
-              <a:buNone/>
-              <a:defRPr lang="en-GB" altLang="en-US" sz="1800">
-                <a:latin typeface="나눔고딕" charset="0"/>
-                <a:ea typeface="나눔고딕" charset="0"/>
-              </a:defRPr>
-            </a:lvl1pPr>
-          </a:lstStyle>
-          <a:p>
-            <a:pPr marL="0" indent="0" algn="ctr" defTabSz="914400" latinLnBrk="1">
-              <a:lnSpc>
-                <a:spcPct val="100000"/>
-              </a:lnSpc>
-              <a:spcBef>
-                <a:spcPts val="0"/>
-              </a:spcBef>
-              <a:spcAft>
-                <a:spcPts val="0"/>
-              </a:spcAft>
-              <a:buFontTx/>
-              <a:buNone/>
-            </a:pPr>
-            <a:r>
-              <a:rPr lang="ko-KR" altLang="ko-KR" sz="4400" b="1">
-                <a:solidFill>
-                  <a:srgbClr val="716767"/>
-                </a:solidFill>
-                <a:latin typeface="나눔고딕" charset="0"/>
-                <a:ea typeface="나눔고딕" charset="0"/>
-              </a:rPr>
-              <a:t>화면설계</a:t>
-            </a:r>
-            <a:endParaRPr lang="ko-KR" altLang="en-US" sz="4400" b="1">
-              <a:solidFill>
-                <a:srgbClr val="716767"/>
-              </a:solidFill>
-              <a:latin typeface="나눔고딕" charset="0"/>
-              <a:ea typeface="나눔고딕" charset="0"/>
-            </a:endParaRPr>
-          </a:p>
-        </p:txBody>
-      </p:sp>
-      <p:pic>
-        <p:nvPicPr>
-          <p:cNvPr id="4" name="그림 3" descr="C:/Users/user/AppData/Roaming/PolarisOffice/ETemp/11364_1539040/fImage462943679961.jpeg"/>
-          <p:cNvPicPr>
-            <a:picLocks noChangeAspect="1"/>
-          </p:cNvPicPr>
-          <p:nvPr/>
-        </p:nvPicPr>
-        <p:blipFill rotWithShape="1">
-          <a:blip r:embed="rId2" cstate="print">
-            <a:extLst>
-              <a:ext uri="{28A0092B-C50C-407E-A947-70E740481C1C}">
-                <a14:useLocalDpi xmlns:a14="http://schemas.microsoft.com/office/drawing/2010/main" val="0"/>
-              </a:ext>
-            </a:extLst>
-          </a:blip>
-          <a:stretch>
-            <a:fillRect/>
-          </a:stretch>
-        </p:blipFill>
-        <p:spPr>
-          <a:xfrm rot="0">
-            <a:off x="53340" y="1828800"/>
-            <a:ext cx="9037955" cy="4961890"/>
           </a:xfrm>
           <a:prstGeom prst="rect"/>
           <a:noFill/>
@@ -5738,6 +8367,149 @@
         <p:spPr>
           <a:xfrm rot="0">
             <a:off x="685800" y="307340"/>
+            <a:ext cx="7774305" cy="1471930"/>
+          </a:xfrm>
+          <a:prstGeom prst="rect"/>
+        </p:spPr>
+        <p:txBody>
+          <a:bodyPr wrap="square" lIns="91440" tIns="45720" rIns="91440" bIns="45720" numCol="1" vert="horz" anchor="ctr">
+            <a:noAutofit/>
+          </a:bodyPr>
+          <a:lstStyle>
+            <a:lvl1pPr marL="0" indent="0" defTabSz="508000">
+              <a:lnSpc>
+                <a:spcPct val="100000"/>
+              </a:lnSpc>
+              <a:spcBef>
+                <a:spcPts val="0"/>
+              </a:spcBef>
+              <a:spcAft>
+                <a:spcPts val="0"/>
+              </a:spcAft>
+              <a:buFontTx/>
+              <a:buNone/>
+              <a:defRPr lang="en-GB" altLang="en-US" sz="1800">
+                <a:latin typeface="나눔고딕" charset="0"/>
+                <a:ea typeface="나눔고딕" charset="0"/>
+              </a:defRPr>
+            </a:lvl1pPr>
+          </a:lstStyle>
+          <a:p>
+            <a:pPr marL="0" indent="0" algn="ctr" defTabSz="914400" latinLnBrk="1">
+              <a:lnSpc>
+                <a:spcPct val="100000"/>
+              </a:lnSpc>
+              <a:spcBef>
+                <a:spcPts val="0"/>
+              </a:spcBef>
+              <a:spcAft>
+                <a:spcPts val="0"/>
+              </a:spcAft>
+              <a:buFontTx/>
+              <a:buNone/>
+            </a:pPr>
+            <a:r>
+              <a:rPr lang="ko-KR" altLang="ko-KR" sz="4400" b="1">
+                <a:solidFill>
+                  <a:srgbClr val="716767"/>
+                </a:solidFill>
+                <a:latin typeface="나눔고딕" charset="0"/>
+                <a:ea typeface="나눔고딕" charset="0"/>
+              </a:rPr>
+              <a:t>화면설계</a:t>
+            </a:r>
+            <a:endParaRPr lang="ko-KR" altLang="en-US" sz="4400" b="1">
+              <a:solidFill>
+                <a:srgbClr val="716767"/>
+              </a:solidFill>
+              <a:latin typeface="나눔고딕" charset="0"/>
+              <a:ea typeface="나눔고딕" charset="0"/>
+            </a:endParaRPr>
+          </a:p>
+        </p:txBody>
+      </p:sp>
+      <p:pic>
+        <p:nvPicPr>
+          <p:cNvPr id="4" name="그림 3"/>
+          <p:cNvPicPr>
+            <a:picLocks noChangeAspect="1"/>
+          </p:cNvPicPr>
+          <p:nvPr/>
+        </p:nvPicPr>
+        <p:blipFill rotWithShape="1">
+          <a:blip r:embed="rId2" cstate="print">
+            <a:extLst>
+              <a:ext uri="{28A0092B-C50C-407E-A947-70E740481C1C}">
+                <a14:useLocalDpi xmlns:a14="http://schemas.microsoft.com/office/drawing/2010/main" val="0"/>
+              </a:ext>
+            </a:extLst>
+          </a:blip>
+          <a:stretch>
+            <a:fillRect/>
+          </a:stretch>
+        </p:blipFill>
+        <p:spPr>
+          <a:xfrm rot="0">
+            <a:off x="53340" y="1828800"/>
+            <a:ext cx="9037955" cy="4961890"/>
+          </a:xfrm>
+          <a:prstGeom prst="rect"/>
+          <a:noFill/>
+        </p:spPr>
+      </p:pic>
+    </p:spTree>
+  </p:cSld>
+  <p:clrMapOvr>
+    <a:masterClrMapping/>
+  </p:clrMapOvr>
+  <mc:AlternateContent xmlns:mc="http://schemas.openxmlformats.org/markup-compatibility/2006">
+    <mc:Choice xmlns:p14="http://schemas.microsoft.com/office/powerpoint/2010/main" Requires="p14">
+      <p:transition spd="slow" p14:dur="2000"/>
+    </mc:Choice>
+    <mc:Fallback>
+      <p:transition spd="slow"/>
+    </mc:Fallback>
+  </mc:AlternateContent>
+  <p:timing>
+    <p:tnLst>
+      <p:par>
+        <p:cTn id="1" dur="indefinite" restart="never" nodeType="tmRoot"/>
+      </p:par>
+    </p:tnLst>
+  </p:timing>
+</p:sld>
+</file>
+
+<file path=ppt/slides/slide27.xml><?xml version="1.0" encoding="utf-8"?>
+<p:sld xmlns:a="http://schemas.openxmlformats.org/drawingml/2006/main" xmlns:r="http://schemas.openxmlformats.org/officeDocument/2006/relationships" xmlns:p="http://schemas.openxmlformats.org/presentationml/2006/main" xmlns:p14="http://schemas.microsoft.com/office/powerpoint/2010/main">
+  <p:cSld>
+    <p:spTree>
+      <p:nvGrpSpPr>
+        <p:cNvPr id="1" name=""/>
+        <p:cNvGrpSpPr/>
+        <p:nvPr/>
+      </p:nvGrpSpPr>
+      <p:grpSpPr>
+        <a:xfrm>
+          <a:off x="0" y="0"/>
+          <a:ext cx="0" cy="0"/>
+          <a:chOff x="0" y="0"/>
+          <a:chExt cx="0" cy="0"/>
+        </a:xfrm>
+      </p:grpSpPr>
+      <p:sp>
+        <p:nvSpPr>
+          <p:cNvPr id="3" name="텍스트 개체 틀 2"/>
+          <p:cNvSpPr txBox="1">
+            <a:spLocks/>
+          </p:cNvSpPr>
+          <p:nvPr>
+            <p:ph type="ctrTitle"/>
+          </p:nvPr>
+        </p:nvSpPr>
+        <p:spPr>
+          <a:xfrm rot="0">
+            <a:off x="685800" y="307340"/>
             <a:ext cx="7773670" cy="1471295"/>
           </a:xfrm>
           <a:prstGeom prst="rect"/>
@@ -5801,7 +8573,7 @@
       </p:sp>
       <p:pic>
         <p:nvPicPr>
-          <p:cNvPr id="4" name="그림 3" descr="C:/Users/user/AppData/Roaming/PolarisOffice/ETemp/11364_1539040/fImage61583354491.jpeg"/>
+          <p:cNvPr id="4" name="그림 3"/>
           <p:cNvPicPr>
             <a:picLocks noChangeAspect="1"/>
           </p:cNvPicPr>
@@ -5851,7 +8623,7 @@
 </p:sld>
 </file>
 
-<file path=ppt/slides/slide27.xml><?xml version="1.0" encoding="utf-8"?>
+<file path=ppt/slides/slide28.xml><?xml version="1.0" encoding="utf-8"?>
 <p:sld xmlns:a="http://schemas.openxmlformats.org/drawingml/2006/main" xmlns:r="http://schemas.openxmlformats.org/officeDocument/2006/relationships" xmlns:p="http://schemas.openxmlformats.org/presentationml/2006/main" xmlns:p14="http://schemas.microsoft.com/office/powerpoint/2010/main">
   <p:cSld>
     <p:spTree>
@@ -7245,7 +10017,7 @@
 </p:sld>
 </file>
 
-<file path=ppt/slides/slide28.xml><?xml version="1.0" encoding="utf-8"?>
+<file path=ppt/slides/slide29.xml><?xml version="1.0" encoding="utf-8"?>
 <p:sld xmlns:a="http://schemas.openxmlformats.org/drawingml/2006/main" xmlns:r="http://schemas.openxmlformats.org/officeDocument/2006/relationships" xmlns:p="http://schemas.openxmlformats.org/presentationml/2006/main" xmlns:p14="http://schemas.microsoft.com/office/powerpoint/2010/main">
   <p:cSld>
     <p:spTree>
@@ -8415,7 +11187,7 @@
         </p:nvCxnSpPr>
         <p:spPr>
           <a:xfrm rot="0" flipH="1" flipV="1">
-            <a:off x="3218180" y="3814444"/>
+            <a:off x="3218180" y="3814445"/>
             <a:ext cx="15240" cy="140970"/>
           </a:xfrm>
           <a:prstGeom prst="line"/>
@@ -8842,7 +11614,2108 @@
 </p:sld>
 </file>
 
-<file path=ppt/slides/slide29.xml><?xml version="1.0" encoding="utf-8"?>
+<file path=ppt/slides/slide3.xml><?xml version="1.0" encoding="utf-8"?>
+<p:sld xmlns:a="http://schemas.openxmlformats.org/drawingml/2006/main" xmlns:r="http://schemas.openxmlformats.org/officeDocument/2006/relationships" xmlns:p="http://schemas.openxmlformats.org/presentationml/2006/main" xmlns:p14="http://schemas.microsoft.com/office/powerpoint/2010/main">
+  <p:cSld>
+    <p:spTree>
+      <p:nvGrpSpPr>
+        <p:cNvPr id="1" name=""/>
+        <p:cNvGrpSpPr/>
+        <p:nvPr/>
+      </p:nvGrpSpPr>
+      <p:grpSpPr>
+        <a:xfrm>
+          <a:off x="0" y="0"/>
+          <a:ext cx="0" cy="0"/>
+          <a:chOff x="0" y="0"/>
+          <a:chExt cx="0" cy="0"/>
+        </a:xfrm>
+      </p:grpSpPr>
+      <p:sp>
+        <p:nvSpPr>
+          <p:cNvPr id="3" name="텍스트 개체 틀 2"/>
+          <p:cNvSpPr txBox="1">
+            <a:spLocks/>
+          </p:cNvSpPr>
+          <p:nvPr>
+            <p:ph type="ctrTitle"/>
+          </p:nvPr>
+        </p:nvSpPr>
+        <p:spPr>
+          <a:xfrm rot="0">
+            <a:off x="685800" y="307340"/>
+            <a:ext cx="7773035" cy="1470660"/>
+          </a:xfrm>
+          <a:prstGeom prst="rect"/>
+        </p:spPr>
+        <p:txBody>
+          <a:bodyPr wrap="square" lIns="91440" tIns="45720" rIns="91440" bIns="45720" numCol="1" vert="horz" anchor="ctr">
+            <a:noAutofit/>
+          </a:bodyPr>
+          <a:lstStyle>
+            <a:lvl1pPr marL="0" indent="0" defTabSz="508000">
+              <a:lnSpc>
+                <a:spcPct val="100000"/>
+              </a:lnSpc>
+              <a:spcBef>
+                <a:spcPts val="0"/>
+              </a:spcBef>
+              <a:spcAft>
+                <a:spcPts val="0"/>
+              </a:spcAft>
+              <a:buFontTx/>
+              <a:buNone/>
+              <a:defRPr lang="en-GB" altLang="en-US" sz="1800">
+                <a:latin typeface="나눔고딕" charset="0"/>
+                <a:ea typeface="나눔고딕" charset="0"/>
+              </a:defRPr>
+            </a:lvl1pPr>
+          </a:lstStyle>
+          <a:p>
+            <a:pPr marL="0" indent="0" algn="ctr" defTabSz="914400" latinLnBrk="1">
+              <a:lnSpc>
+                <a:spcPct val="100000"/>
+              </a:lnSpc>
+              <a:spcBef>
+                <a:spcPts val="0"/>
+              </a:spcBef>
+              <a:spcAft>
+                <a:spcPts val="0"/>
+              </a:spcAft>
+              <a:buFontTx/>
+              <a:buNone/>
+            </a:pPr>
+            <a:r>
+              <a:rPr lang="ko-KR" altLang="ko-KR" sz="4400" b="1">
+                <a:solidFill>
+                  <a:srgbClr val="716767"/>
+                </a:solidFill>
+                <a:latin typeface="나눔고딕" charset="0"/>
+                <a:ea typeface="나눔고딕" charset="0"/>
+                <a:cs typeface="+mj-cs"/>
+              </a:rPr>
+              <a:t>요구사항 분석</a:t>
+            </a:r>
+            <a:endParaRPr lang="ko-KR" altLang="en-US" sz="4400" b="1">
+              <a:solidFill>
+                <a:srgbClr val="716767"/>
+              </a:solidFill>
+              <a:latin typeface="나눔고딕" charset="0"/>
+              <a:ea typeface="나눔고딕" charset="0"/>
+              <a:cs typeface="+mj-cs"/>
+            </a:endParaRPr>
+          </a:p>
+        </p:txBody>
+      </p:sp>
+      <p:sp>
+        <p:nvSpPr>
+          <p:cNvPr id="5" name="텍스트 상자 4"/>
+          <p:cNvSpPr txBox="1">
+            <a:spLocks/>
+          </p:cNvSpPr>
+          <p:nvPr/>
+        </p:nvSpPr>
+        <p:spPr>
+          <a:xfrm>
+            <a:off x="195580" y="1701165"/>
+            <a:ext cx="8752840" cy="3789680"/>
+          </a:xfrm>
+          <a:prstGeom prst="rect"/>
+        </p:spPr>
+        <p:txBody>
+          <a:bodyPr wrap="square" lIns="91440" tIns="45720" rIns="91440" bIns="45720" numCol="1" vert="horz" anchor="t">
+            <a:noAutofit/>
+          </a:bodyPr>
+          <a:lstStyle>
+            <a:lvl1pPr marL="0" indent="0" algn="ctr" defTabSz="508000">
+              <a:lnSpc>
+                <a:spcPct val="100000"/>
+              </a:lnSpc>
+              <a:spcBef>
+                <a:spcPts val="0"/>
+              </a:spcBef>
+              <a:spcAft>
+                <a:spcPts val="0"/>
+              </a:spcAft>
+              <a:buFontTx/>
+              <a:buNone/>
+              <a:defRPr lang="en-GB" altLang="en-US" sz="1800">
+                <a:solidFill>
+                  <a:schemeClr val="tx1">
+                    <a:tint val="75000"/>
+                  </a:schemeClr>
+                </a:solidFill>
+                <a:latin typeface="나눔고딕" charset="0"/>
+                <a:ea typeface="나눔고딕" charset="0"/>
+              </a:defRPr>
+            </a:lvl1pPr>
+            <a:lvl2pPr marL="457200" indent="0" algn="ctr" defTabSz="508000">
+              <a:lnSpc>
+                <a:spcPct val="100000"/>
+              </a:lnSpc>
+              <a:spcBef>
+                <a:spcPts val="0"/>
+              </a:spcBef>
+              <a:spcAft>
+                <a:spcPts val="0"/>
+              </a:spcAft>
+              <a:buFontTx/>
+              <a:buNone/>
+              <a:defRPr lang="en-GB" altLang="en-US" sz="1800">
+                <a:solidFill>
+                  <a:schemeClr val="tx1">
+                    <a:tint val="75000"/>
+                  </a:schemeClr>
+                </a:solidFill>
+                <a:latin typeface="Arial" charset="0"/>
+                <a:ea typeface="Arial" charset="0"/>
+              </a:defRPr>
+            </a:lvl2pPr>
+            <a:lvl3pPr marL="914400" indent="0" algn="ctr" defTabSz="508000">
+              <a:lnSpc>
+                <a:spcPct val="100000"/>
+              </a:lnSpc>
+              <a:spcBef>
+                <a:spcPts val="0"/>
+              </a:spcBef>
+              <a:spcAft>
+                <a:spcPts val="0"/>
+              </a:spcAft>
+              <a:buFontTx/>
+              <a:buNone/>
+              <a:defRPr lang="en-GB" altLang="en-US" sz="1800">
+                <a:solidFill>
+                  <a:schemeClr val="tx1">
+                    <a:tint val="75000"/>
+                  </a:schemeClr>
+                </a:solidFill>
+                <a:latin typeface="Arial" charset="0"/>
+                <a:ea typeface="Arial" charset="0"/>
+              </a:defRPr>
+            </a:lvl3pPr>
+            <a:lvl4pPr marL="1371600" indent="0" algn="ctr" defTabSz="508000">
+              <a:lnSpc>
+                <a:spcPct val="100000"/>
+              </a:lnSpc>
+              <a:spcBef>
+                <a:spcPts val="0"/>
+              </a:spcBef>
+              <a:spcAft>
+                <a:spcPts val="0"/>
+              </a:spcAft>
+              <a:buFontTx/>
+              <a:buNone/>
+              <a:defRPr lang="en-GB" altLang="en-US" sz="1800">
+                <a:solidFill>
+                  <a:schemeClr val="tx1">
+                    <a:tint val="75000"/>
+                  </a:schemeClr>
+                </a:solidFill>
+                <a:latin typeface="Arial" charset="0"/>
+                <a:ea typeface="Arial" charset="0"/>
+              </a:defRPr>
+            </a:lvl4pPr>
+            <a:lvl5pPr marL="1828800" indent="0" algn="ctr" defTabSz="508000">
+              <a:lnSpc>
+                <a:spcPct val="100000"/>
+              </a:lnSpc>
+              <a:spcBef>
+                <a:spcPts val="0"/>
+              </a:spcBef>
+              <a:spcAft>
+                <a:spcPts val="0"/>
+              </a:spcAft>
+              <a:buFontTx/>
+              <a:buNone/>
+              <a:defRPr lang="en-GB" altLang="en-US" sz="1800">
+                <a:solidFill>
+                  <a:schemeClr val="tx1">
+                    <a:tint val="75000"/>
+                  </a:schemeClr>
+                </a:solidFill>
+                <a:latin typeface="Arial" charset="0"/>
+                <a:ea typeface="Arial" charset="0"/>
+              </a:defRPr>
+            </a:lvl5pPr>
+            <a:lvl6pPr marL="2286000" indent="0" algn="ctr" defTabSz="508000">
+              <a:lnSpc>
+                <a:spcPct val="100000"/>
+              </a:lnSpc>
+              <a:spcBef>
+                <a:spcPts val="0"/>
+              </a:spcBef>
+              <a:spcAft>
+                <a:spcPts val="0"/>
+              </a:spcAft>
+              <a:buFontTx/>
+              <a:buNone/>
+              <a:defRPr lang="en-GB" altLang="en-US" sz="1800">
+                <a:solidFill>
+                  <a:schemeClr val="tx1">
+                    <a:tint val="75000"/>
+                  </a:schemeClr>
+                </a:solidFill>
+                <a:latin typeface="Arial" charset="0"/>
+                <a:ea typeface="Arial" charset="0"/>
+              </a:defRPr>
+            </a:lvl6pPr>
+            <a:lvl7pPr marL="2743200" indent="0" algn="ctr" defTabSz="508000">
+              <a:lnSpc>
+                <a:spcPct val="100000"/>
+              </a:lnSpc>
+              <a:spcBef>
+                <a:spcPts val="0"/>
+              </a:spcBef>
+              <a:spcAft>
+                <a:spcPts val="0"/>
+              </a:spcAft>
+              <a:buFontTx/>
+              <a:buNone/>
+              <a:defRPr lang="en-GB" altLang="en-US" sz="1800">
+                <a:solidFill>
+                  <a:schemeClr val="tx1">
+                    <a:tint val="75000"/>
+                  </a:schemeClr>
+                </a:solidFill>
+                <a:latin typeface="Arial" charset="0"/>
+                <a:ea typeface="Arial" charset="0"/>
+              </a:defRPr>
+            </a:lvl7pPr>
+            <a:lvl8pPr marL="3200400" indent="0" algn="ctr" defTabSz="508000">
+              <a:lnSpc>
+                <a:spcPct val="100000"/>
+              </a:lnSpc>
+              <a:spcBef>
+                <a:spcPts val="0"/>
+              </a:spcBef>
+              <a:spcAft>
+                <a:spcPts val="0"/>
+              </a:spcAft>
+              <a:buFontTx/>
+              <a:buNone/>
+              <a:defRPr lang="en-GB" altLang="en-US" sz="1800">
+                <a:solidFill>
+                  <a:schemeClr val="tx1">
+                    <a:tint val="75000"/>
+                  </a:schemeClr>
+                </a:solidFill>
+                <a:latin typeface="Arial" charset="0"/>
+                <a:ea typeface="Arial" charset="0"/>
+              </a:defRPr>
+            </a:lvl8pPr>
+            <a:lvl9pPr marL="3657600" indent="0" algn="ctr" defTabSz="508000">
+              <a:lnSpc>
+                <a:spcPct val="100000"/>
+              </a:lnSpc>
+              <a:spcBef>
+                <a:spcPts val="0"/>
+              </a:spcBef>
+              <a:spcAft>
+                <a:spcPts val="0"/>
+              </a:spcAft>
+              <a:buFontTx/>
+              <a:buNone/>
+              <a:defRPr lang="en-GB" altLang="en-US" sz="1800">
+                <a:solidFill>
+                  <a:schemeClr val="tx1">
+                    <a:tint val="75000"/>
+                  </a:schemeClr>
+                </a:solidFill>
+                <a:latin typeface="Arial" charset="0"/>
+                <a:ea typeface="Arial" charset="0"/>
+              </a:defRPr>
+            </a:lvl9pPr>
+          </a:lstStyle>
+          <a:p>
+            <a:pPr marL="0" indent="0" algn="l" defTabSz="914400" latinLnBrk="1">
+              <a:lnSpc>
+                <a:spcPct val="100000"/>
+              </a:lnSpc>
+              <a:spcBef>
+                <a:spcPts val="700"/>
+              </a:spcBef>
+              <a:spcAft>
+                <a:spcPts val="0"/>
+              </a:spcAft>
+              <a:buFontTx/>
+              <a:buNone/>
+            </a:pPr>
+            <a:r>
+              <a:rPr lang="en-US" altLang="ko-KR" sz="1800" b="1">
+                <a:solidFill>
+                  <a:schemeClr val="tx1">
+                    <a:tint val="75000"/>
+                  </a:schemeClr>
+                </a:solidFill>
+                <a:latin typeface="나눔고딕" charset="0"/>
+                <a:ea typeface="나눔고딕" charset="0"/>
+              </a:rPr>
+              <a:t>-</a:t>
+            </a:r>
+            <a:r>
+              <a:rPr lang="en-US" altLang="ko-KR" sz="1800" b="1">
+                <a:solidFill>
+                  <a:schemeClr val="tx1">
+                    <a:tint val="75000"/>
+                  </a:schemeClr>
+                </a:solidFill>
+                <a:latin typeface="나눔고딕" charset="0"/>
+                <a:ea typeface="나눔고딕" charset="0"/>
+              </a:rPr>
+              <a:t> </a:t>
+            </a:r>
+            <a:r>
+              <a:rPr lang="en-US" altLang="ko-KR" sz="1800" b="1">
+                <a:solidFill>
+                  <a:schemeClr val="tx1">
+                    <a:tint val="75000"/>
+                  </a:schemeClr>
+                </a:solidFill>
+                <a:latin typeface="나눔고딕" charset="0"/>
+                <a:ea typeface="나눔고딕" charset="0"/>
+              </a:rPr>
+              <a:t>r</a:t>
+            </a:r>
+            <a:r>
+              <a:rPr lang="en-US" altLang="ko-KR" sz="1800" b="1">
+                <a:solidFill>
+                  <a:schemeClr val="tx1">
+                    <a:tint val="75000"/>
+                  </a:schemeClr>
+                </a:solidFill>
+                <a:latin typeface="나눔고딕" charset="0"/>
+                <a:ea typeface="나눔고딕" charset="0"/>
+              </a:rPr>
+              <a:t>entin</a:t>
+            </a:r>
+            <a:r>
+              <a:rPr lang="en-US" altLang="ko-KR" sz="1800" b="1">
+                <a:solidFill>
+                  <a:schemeClr val="tx1">
+                    <a:tint val="75000"/>
+                  </a:schemeClr>
+                </a:solidFill>
+                <a:latin typeface="나눔고딕" charset="0"/>
+                <a:ea typeface="나눔고딕" charset="0"/>
+              </a:rPr>
+              <a:t>f</a:t>
+            </a:r>
+            <a:r>
+              <a:rPr lang="en-US" altLang="ko-KR" sz="1800" b="1">
+                <a:solidFill>
+                  <a:schemeClr val="tx1">
+                    <a:tint val="75000"/>
+                  </a:schemeClr>
+                </a:solidFill>
+                <a:latin typeface="나눔고딕" charset="0"/>
+                <a:ea typeface="나눔고딕" charset="0"/>
+              </a:rPr>
+              <a:t>o 테</a:t>
+            </a:r>
+            <a:r>
+              <a:rPr lang="en-US" altLang="ko-KR" sz="1800" b="1">
+                <a:solidFill>
+                  <a:schemeClr val="tx1">
+                    <a:tint val="75000"/>
+                  </a:schemeClr>
+                </a:solidFill>
+                <a:latin typeface="나눔고딕" charset="0"/>
+                <a:ea typeface="나눔고딕" charset="0"/>
+              </a:rPr>
+              <a:t>이블</a:t>
+            </a:r>
+            <a:r>
+              <a:rPr lang="en-US" altLang="ko-KR" sz="1800" b="1">
+                <a:solidFill>
+                  <a:schemeClr val="tx1">
+                    <a:tint val="75000"/>
+                  </a:schemeClr>
+                </a:solidFill>
+                <a:latin typeface="나눔고딕" charset="0"/>
+                <a:ea typeface="나눔고딕" charset="0"/>
+              </a:rPr>
+              <a:t>은 </a:t>
+            </a:r>
+            <a:r>
+              <a:rPr lang="en-US" altLang="ko-KR" sz="1800" b="1">
+                <a:solidFill>
+                  <a:schemeClr val="tx1">
+                    <a:tint val="75000"/>
+                  </a:schemeClr>
+                </a:solidFill>
+                <a:latin typeface="나눔고딕" charset="0"/>
+                <a:ea typeface="나눔고딕" charset="0"/>
+              </a:rPr>
+              <a:t>대</a:t>
+            </a:r>
+            <a:r>
+              <a:rPr lang="en-US" altLang="ko-KR" sz="1800" b="1">
+                <a:solidFill>
+                  <a:schemeClr val="tx1">
+                    <a:tint val="75000"/>
+                  </a:schemeClr>
+                </a:solidFill>
+                <a:latin typeface="나눔고딕" charset="0"/>
+                <a:ea typeface="나눔고딕" charset="0"/>
+              </a:rPr>
+              <a:t>여</a:t>
+            </a:r>
+            <a:r>
+              <a:rPr lang="en-US" altLang="ko-KR" sz="1800" b="1">
+                <a:solidFill>
+                  <a:schemeClr val="tx1">
+                    <a:tint val="75000"/>
+                  </a:schemeClr>
+                </a:solidFill>
+                <a:latin typeface="나눔고딕" charset="0"/>
+                <a:ea typeface="나눔고딕" charset="0"/>
+              </a:rPr>
+              <a:t>번호, 대여</a:t>
+            </a:r>
+            <a:r>
+              <a:rPr lang="en-US" altLang="ko-KR" sz="1800" b="1">
+                <a:solidFill>
+                  <a:schemeClr val="tx1">
+                    <a:tint val="75000"/>
+                  </a:schemeClr>
+                </a:solidFill>
+                <a:latin typeface="나눔고딕" charset="0"/>
+                <a:ea typeface="나눔고딕" charset="0"/>
+              </a:rPr>
+              <a:t>시</a:t>
+            </a:r>
+            <a:r>
+              <a:rPr lang="en-US" altLang="ko-KR" sz="1800" b="1">
+                <a:solidFill>
+                  <a:schemeClr val="tx1">
+                    <a:tint val="75000"/>
+                  </a:schemeClr>
+                </a:solidFill>
+                <a:latin typeface="나눔고딕" charset="0"/>
+                <a:ea typeface="나눔고딕" charset="0"/>
+              </a:rPr>
+              <a:t>작일, 대여</a:t>
+            </a:r>
+            <a:r>
+              <a:rPr lang="en-US" altLang="ko-KR" sz="1800" b="1">
+                <a:solidFill>
+                  <a:schemeClr val="tx1">
+                    <a:tint val="75000"/>
+                  </a:schemeClr>
+                </a:solidFill>
+                <a:latin typeface="나눔고딕" charset="0"/>
+                <a:ea typeface="나눔고딕" charset="0"/>
+              </a:rPr>
+              <a:t>기</a:t>
+            </a:r>
+            <a:r>
+              <a:rPr lang="en-US" altLang="ko-KR" sz="1800" b="1">
+                <a:solidFill>
+                  <a:schemeClr val="tx1">
+                    <a:tint val="75000"/>
+                  </a:schemeClr>
+                </a:solidFill>
+                <a:latin typeface="나눔고딕" charset="0"/>
+                <a:ea typeface="나눔고딕" charset="0"/>
+              </a:rPr>
+              <a:t>간, </a:t>
+            </a:r>
+            <a:r>
+              <a:rPr lang="en-US" altLang="ko-KR" sz="1800" b="1">
+                <a:solidFill>
+                  <a:schemeClr val="tx1">
+                    <a:tint val="75000"/>
+                  </a:schemeClr>
+                </a:solidFill>
+                <a:latin typeface="나눔고딕" charset="0"/>
+                <a:ea typeface="나눔고딕" charset="0"/>
+              </a:rPr>
+              <a:t>반납</a:t>
+            </a:r>
+            <a:r>
+              <a:rPr lang="en-US" altLang="ko-KR" sz="1800" b="1">
+                <a:solidFill>
+                  <a:schemeClr val="tx1">
+                    <a:tint val="75000"/>
+                  </a:schemeClr>
+                </a:solidFill>
+                <a:latin typeface="나눔고딕" charset="0"/>
+                <a:ea typeface="나눔고딕" charset="0"/>
+              </a:rPr>
+              <a:t>기</a:t>
+            </a:r>
+            <a:r>
+              <a:rPr lang="en-US" altLang="ko-KR" sz="1800" b="1">
+                <a:solidFill>
+                  <a:schemeClr val="tx1">
+                    <a:tint val="75000"/>
+                  </a:schemeClr>
+                </a:solidFill>
+                <a:latin typeface="나눔고딕" charset="0"/>
+                <a:ea typeface="나눔고딕" charset="0"/>
+              </a:rPr>
+              <a:t>한</a:t>
+            </a:r>
+            <a:r>
+              <a:rPr lang="en-US" altLang="ko-KR" sz="1800" b="1">
+                <a:solidFill>
+                  <a:schemeClr val="tx1">
+                    <a:tint val="75000"/>
+                  </a:schemeClr>
+                </a:solidFill>
+                <a:latin typeface="나눔고딕" charset="0"/>
+                <a:ea typeface="나눔고딕" charset="0"/>
+              </a:rPr>
+              <a:t>,</a:t>
+            </a:r>
+            <a:r>
+              <a:rPr lang="en-US" altLang="ko-KR" sz="1800" b="1">
+                <a:solidFill>
+                  <a:schemeClr val="tx1">
+                    <a:tint val="75000"/>
+                  </a:schemeClr>
+                </a:solidFill>
+                <a:latin typeface="나눔고딕" charset="0"/>
+                <a:ea typeface="나눔고딕" charset="0"/>
+              </a:rPr>
+              <a:t> </a:t>
+            </a:r>
+            <a:r>
+              <a:rPr lang="en-US" altLang="ko-KR" sz="1800" b="1">
+                <a:solidFill>
+                  <a:schemeClr val="tx1">
+                    <a:tint val="75000"/>
+                  </a:schemeClr>
+                </a:solidFill>
+                <a:latin typeface="나눔고딕" charset="0"/>
+                <a:ea typeface="나눔고딕" charset="0"/>
+              </a:rPr>
+              <a:t>청구요금, </a:t>
+            </a:r>
+            <a:r>
+              <a:rPr lang="en-US" altLang="ko-KR" sz="1800" b="1">
+                <a:solidFill>
+                  <a:schemeClr val="tx1">
+                    <a:tint val="75000"/>
+                  </a:schemeClr>
+                </a:solidFill>
+                <a:latin typeface="나눔고딕" charset="0"/>
+                <a:ea typeface="나눔고딕" charset="0"/>
+              </a:rPr>
+              <a:t>회</a:t>
+            </a:r>
+            <a:r>
+              <a:rPr lang="en-US" altLang="ko-KR" sz="1800" b="1">
+                <a:solidFill>
+                  <a:schemeClr val="tx1">
+                    <a:tint val="75000"/>
+                  </a:schemeClr>
+                </a:solidFill>
+                <a:latin typeface="나눔고딕" charset="0"/>
+                <a:ea typeface="나눔고딕" charset="0"/>
+              </a:rPr>
+              <a:t>원번호</a:t>
+            </a:r>
+            <a:r>
+              <a:rPr lang="en-US" altLang="ko-KR" sz="1800" b="1">
+                <a:solidFill>
+                  <a:schemeClr val="tx1">
+                    <a:tint val="75000"/>
+                  </a:schemeClr>
+                </a:solidFill>
+                <a:latin typeface="나눔고딕" charset="0"/>
+                <a:ea typeface="나눔고딕" charset="0"/>
+              </a:rPr>
+              <a:t>(F</a:t>
+            </a:r>
+            <a:r>
+              <a:rPr lang="en-US" altLang="ko-KR" sz="1800" b="1">
+                <a:solidFill>
+                  <a:schemeClr val="tx1">
+                    <a:tint val="75000"/>
+                  </a:schemeClr>
+                </a:solidFill>
+                <a:latin typeface="나눔고딕" charset="0"/>
+                <a:ea typeface="나눔고딕" charset="0"/>
+              </a:rPr>
+              <a:t>K</a:t>
+            </a:r>
+            <a:r>
+              <a:rPr lang="en-US" altLang="ko-KR" sz="1800" b="1">
+                <a:solidFill>
+                  <a:schemeClr val="tx1">
+                    <a:tint val="75000"/>
+                  </a:schemeClr>
+                </a:solidFill>
+                <a:latin typeface="나눔고딕" charset="0"/>
+                <a:ea typeface="나눔고딕" charset="0"/>
+              </a:rPr>
+              <a:t>)</a:t>
+            </a:r>
+            <a:r>
+              <a:rPr lang="en-US" altLang="ko-KR" sz="1800" b="1">
+                <a:solidFill>
+                  <a:schemeClr val="tx1">
+                    <a:tint val="75000"/>
+                  </a:schemeClr>
+                </a:solidFill>
+                <a:latin typeface="나눔고딕" charset="0"/>
+                <a:ea typeface="나눔고딕" charset="0"/>
+              </a:rPr>
+              <a:t>, </a:t>
+            </a:r>
+            <a:r>
+              <a:rPr lang="en-US" altLang="ko-KR" sz="1800" b="1">
+                <a:solidFill>
+                  <a:schemeClr val="tx1">
+                    <a:tint val="75000"/>
+                  </a:schemeClr>
+                </a:solidFill>
+                <a:latin typeface="나눔고딕" charset="0"/>
+                <a:ea typeface="나눔고딕" charset="0"/>
+              </a:rPr>
+              <a:t>차량번</a:t>
+            </a:r>
+            <a:r>
+              <a:rPr lang="en-US" altLang="ko-KR" sz="1800" b="1">
+                <a:solidFill>
+                  <a:schemeClr val="tx1">
+                    <a:tint val="75000"/>
+                  </a:schemeClr>
+                </a:solidFill>
+                <a:latin typeface="나눔고딕" charset="0"/>
+                <a:ea typeface="나눔고딕" charset="0"/>
+              </a:rPr>
+              <a:t>호</a:t>
+            </a:r>
+            <a:r>
+              <a:rPr lang="en-US" altLang="ko-KR" sz="1800" b="1">
+                <a:solidFill>
+                  <a:schemeClr val="tx1">
+                    <a:tint val="75000"/>
+                  </a:schemeClr>
+                </a:solidFill>
+                <a:latin typeface="나눔고딕" charset="0"/>
+                <a:ea typeface="나눔고딕" charset="0"/>
+              </a:rPr>
+              <a:t>(</a:t>
+            </a:r>
+            <a:r>
+              <a:rPr lang="en-US" altLang="ko-KR" sz="1800" b="1">
+                <a:solidFill>
+                  <a:schemeClr val="tx1">
+                    <a:tint val="75000"/>
+                  </a:schemeClr>
+                </a:solidFill>
+                <a:latin typeface="나눔고딕" charset="0"/>
+                <a:ea typeface="나눔고딕" charset="0"/>
+              </a:rPr>
+              <a:t>F</a:t>
+            </a:r>
+            <a:r>
+              <a:rPr lang="en-US" altLang="ko-KR" sz="1800" b="1">
+                <a:solidFill>
+                  <a:schemeClr val="tx1">
+                    <a:tint val="75000"/>
+                  </a:schemeClr>
+                </a:solidFill>
+                <a:latin typeface="나눔고딕" charset="0"/>
+                <a:ea typeface="나눔고딕" charset="0"/>
+              </a:rPr>
+              <a:t>K</a:t>
+            </a:r>
+            <a:r>
+              <a:rPr lang="en-US" altLang="ko-KR" sz="1800" b="1">
+                <a:solidFill>
+                  <a:schemeClr val="tx1">
+                    <a:tint val="75000"/>
+                  </a:schemeClr>
+                </a:solidFill>
+                <a:latin typeface="나눔고딕" charset="0"/>
+                <a:ea typeface="나눔고딕" charset="0"/>
+              </a:rPr>
+              <a:t>) 를 가지</a:t>
+            </a:r>
+            <a:r>
+              <a:rPr lang="en-US" altLang="ko-KR" sz="1800" b="1">
+                <a:solidFill>
+                  <a:schemeClr val="tx1">
+                    <a:tint val="75000"/>
+                  </a:schemeClr>
+                </a:solidFill>
+                <a:latin typeface="나눔고딕" charset="0"/>
+                <a:ea typeface="나눔고딕" charset="0"/>
+              </a:rPr>
+              <a:t>고</a:t>
+            </a:r>
+            <a:r>
+              <a:rPr lang="en-US" altLang="ko-KR" sz="1800" b="1">
+                <a:solidFill>
+                  <a:schemeClr val="tx1">
+                    <a:tint val="75000"/>
+                  </a:schemeClr>
+                </a:solidFill>
+                <a:latin typeface="나눔고딕" charset="0"/>
+                <a:ea typeface="나눔고딕" charset="0"/>
+              </a:rPr>
+              <a:t> 있</a:t>
+            </a:r>
+            <a:r>
+              <a:rPr lang="en-US" altLang="ko-KR" sz="1800" b="1">
+                <a:solidFill>
+                  <a:schemeClr val="tx1">
+                    <a:tint val="75000"/>
+                  </a:schemeClr>
+                </a:solidFill>
+                <a:latin typeface="나눔고딕" charset="0"/>
+                <a:ea typeface="나눔고딕" charset="0"/>
+              </a:rPr>
+              <a:t>다.</a:t>
+            </a:r>
+            <a:endParaRPr lang="ko-KR" altLang="en-US" sz="1800" b="1">
+              <a:solidFill>
+                <a:schemeClr val="tx1">
+                  <a:tint val="75000"/>
+                </a:schemeClr>
+              </a:solidFill>
+              <a:latin typeface="나눔고딕" charset="0"/>
+              <a:ea typeface="나눔고딕" charset="0"/>
+            </a:endParaRPr>
+          </a:p>
+          <a:p>
+            <a:pPr marL="0" indent="0" algn="l" defTabSz="914400" latinLnBrk="1">
+              <a:lnSpc>
+                <a:spcPct val="100000"/>
+              </a:lnSpc>
+              <a:spcBef>
+                <a:spcPts val="700"/>
+              </a:spcBef>
+              <a:spcAft>
+                <a:spcPts val="0"/>
+              </a:spcAft>
+              <a:buFontTx/>
+              <a:buNone/>
+            </a:pPr>
+            <a:r>
+              <a:rPr lang="en-US" altLang="ko-KR" sz="1800" b="1">
+                <a:solidFill>
+                  <a:schemeClr val="tx1">
+                    <a:tint val="75000"/>
+                  </a:schemeClr>
+                </a:solidFill>
+                <a:latin typeface="나눔고딕" charset="0"/>
+                <a:ea typeface="나눔고딕" charset="0"/>
+              </a:rPr>
+              <a:t>- re</a:t>
+            </a:r>
+            <a:r>
+              <a:rPr lang="en-US" altLang="ko-KR" sz="1800" b="1">
+                <a:solidFill>
+                  <a:schemeClr val="tx1">
+                    <a:tint val="75000"/>
+                  </a:schemeClr>
+                </a:solidFill>
+                <a:latin typeface="나눔고딕" charset="0"/>
+                <a:ea typeface="나눔고딕" charset="0"/>
+              </a:rPr>
+              <a:t>n</a:t>
+            </a:r>
+            <a:r>
+              <a:rPr lang="en-US" altLang="ko-KR" sz="1800" b="1">
+                <a:solidFill>
+                  <a:schemeClr val="tx1">
+                    <a:tint val="75000"/>
+                  </a:schemeClr>
+                </a:solidFill>
+                <a:latin typeface="나눔고딕" charset="0"/>
+                <a:ea typeface="나눔고딕" charset="0"/>
+              </a:rPr>
+              <a:t>ti</a:t>
+            </a:r>
+            <a:r>
+              <a:rPr lang="en-US" altLang="ko-KR" sz="1800" b="1">
+                <a:solidFill>
+                  <a:schemeClr val="tx1">
+                    <a:tint val="75000"/>
+                  </a:schemeClr>
+                </a:solidFill>
+                <a:latin typeface="나눔고딕" charset="0"/>
+                <a:ea typeface="나눔고딕" charset="0"/>
+              </a:rPr>
+              <a:t>nf</a:t>
+            </a:r>
+            <a:r>
+              <a:rPr lang="en-US" altLang="ko-KR" sz="1800" b="1">
+                <a:solidFill>
+                  <a:schemeClr val="tx1">
+                    <a:tint val="75000"/>
+                  </a:schemeClr>
+                </a:solidFill>
+                <a:latin typeface="나눔고딕" charset="0"/>
+                <a:ea typeface="나눔고딕" charset="0"/>
+              </a:rPr>
+              <a:t>o</a:t>
+            </a:r>
+            <a:r>
+              <a:rPr lang="en-US" altLang="ko-KR" sz="1800" b="1">
+                <a:solidFill>
+                  <a:schemeClr val="tx1">
+                    <a:tint val="75000"/>
+                  </a:schemeClr>
+                </a:solidFill>
+                <a:latin typeface="나눔고딕" charset="0"/>
+                <a:ea typeface="나눔고딕" charset="0"/>
+              </a:rPr>
+              <a:t> 테이블은 대여</a:t>
+            </a:r>
+            <a:r>
+              <a:rPr lang="en-US" altLang="ko-KR" sz="1800" b="1">
+                <a:solidFill>
+                  <a:schemeClr val="tx1">
+                    <a:tint val="75000"/>
+                  </a:schemeClr>
+                </a:solidFill>
+                <a:latin typeface="나눔고딕" charset="0"/>
+                <a:ea typeface="나눔고딕" charset="0"/>
+              </a:rPr>
+              <a:t>번호</a:t>
+            </a:r>
+            <a:r>
+              <a:rPr lang="en-US" altLang="ko-KR" sz="1800" b="1">
+                <a:solidFill>
+                  <a:schemeClr val="tx1">
+                    <a:tint val="75000"/>
+                  </a:schemeClr>
+                </a:solidFill>
+                <a:latin typeface="나눔고딕" charset="0"/>
+                <a:ea typeface="나눔고딕" charset="0"/>
+              </a:rPr>
+              <a:t>로</a:t>
+            </a:r>
+            <a:r>
+              <a:rPr lang="en-US" altLang="ko-KR" sz="1800" b="1">
+                <a:solidFill>
+                  <a:schemeClr val="tx1">
+                    <a:tint val="75000"/>
+                  </a:schemeClr>
+                </a:solidFill>
+                <a:latin typeface="나눔고딕" charset="0"/>
+                <a:ea typeface="나눔고딕" charset="0"/>
+              </a:rPr>
+              <a:t> </a:t>
+            </a:r>
+            <a:r>
+              <a:rPr lang="en-US" altLang="ko-KR" sz="1800" b="1">
+                <a:solidFill>
+                  <a:schemeClr val="tx1">
+                    <a:tint val="75000"/>
+                  </a:schemeClr>
+                </a:solidFill>
+                <a:latin typeface="나눔고딕" charset="0"/>
+                <a:ea typeface="나눔고딕" charset="0"/>
+              </a:rPr>
+              <a:t>식</a:t>
+            </a:r>
+            <a:r>
+              <a:rPr lang="en-US" altLang="ko-KR" sz="1800" b="1">
+                <a:solidFill>
+                  <a:schemeClr val="tx1">
+                    <a:tint val="75000"/>
+                  </a:schemeClr>
+                </a:solidFill>
+                <a:latin typeface="나눔고딕" charset="0"/>
+                <a:ea typeface="나눔고딕" charset="0"/>
+              </a:rPr>
+              <a:t>별</a:t>
+            </a:r>
+            <a:r>
+              <a:rPr lang="en-US" altLang="ko-KR" sz="1800" b="1">
+                <a:solidFill>
+                  <a:schemeClr val="tx1">
+                    <a:tint val="75000"/>
+                  </a:schemeClr>
+                </a:solidFill>
+                <a:latin typeface="나눔고딕" charset="0"/>
+                <a:ea typeface="나눔고딕" charset="0"/>
+              </a:rPr>
+              <a:t>한다.</a:t>
+            </a:r>
+            <a:endParaRPr lang="ko-KR" altLang="en-US" sz="1800" b="1">
+              <a:solidFill>
+                <a:schemeClr val="tx1">
+                  <a:tint val="75000"/>
+                </a:schemeClr>
+              </a:solidFill>
+              <a:latin typeface="나눔고딕" charset="0"/>
+              <a:ea typeface="나눔고딕" charset="0"/>
+            </a:endParaRPr>
+          </a:p>
+          <a:p>
+            <a:pPr marL="0" indent="0" algn="l" defTabSz="914400" latinLnBrk="1">
+              <a:lnSpc>
+                <a:spcPct val="100000"/>
+              </a:lnSpc>
+              <a:spcBef>
+                <a:spcPts val="700"/>
+              </a:spcBef>
+              <a:spcAft>
+                <a:spcPts val="0"/>
+              </a:spcAft>
+              <a:buFontTx/>
+              <a:buNone/>
+            </a:pPr>
+            <a:r>
+              <a:rPr lang="en-US" altLang="ko-KR" sz="1800" b="1">
+                <a:solidFill>
+                  <a:schemeClr val="tx1">
+                    <a:tint val="75000"/>
+                  </a:schemeClr>
+                </a:solidFill>
+                <a:latin typeface="나눔고딕" charset="0"/>
+                <a:ea typeface="나눔고딕" charset="0"/>
+              </a:rPr>
+              <a:t>-</a:t>
+            </a:r>
+            <a:r>
+              <a:rPr lang="en-US" altLang="ko-KR" sz="1800" b="1">
+                <a:solidFill>
+                  <a:schemeClr val="tx1">
+                    <a:tint val="75000"/>
+                  </a:schemeClr>
+                </a:solidFill>
+                <a:latin typeface="나눔고딕" charset="0"/>
+                <a:ea typeface="나눔고딕" charset="0"/>
+              </a:rPr>
+              <a:t> qu</a:t>
+            </a:r>
+            <a:r>
+              <a:rPr lang="en-US" altLang="ko-KR" sz="1800" b="1">
+                <a:solidFill>
+                  <a:schemeClr val="tx1">
+                    <a:tint val="75000"/>
+                  </a:schemeClr>
+                </a:solidFill>
+                <a:latin typeface="나눔고딕" charset="0"/>
+                <a:ea typeface="나눔고딕" charset="0"/>
+              </a:rPr>
+              <a:t>e</a:t>
+            </a:r>
+            <a:r>
+              <a:rPr lang="en-US" altLang="ko-KR" sz="1800" b="1">
+                <a:solidFill>
+                  <a:schemeClr val="tx1">
+                    <a:tint val="75000"/>
+                  </a:schemeClr>
+                </a:solidFill>
+                <a:latin typeface="나눔고딕" charset="0"/>
+                <a:ea typeface="나눔고딕" charset="0"/>
+              </a:rPr>
+              <a:t>s</a:t>
+            </a:r>
+            <a:r>
+              <a:rPr lang="en-US" altLang="ko-KR" sz="1800" b="1">
+                <a:solidFill>
+                  <a:schemeClr val="tx1">
+                    <a:tint val="75000"/>
+                  </a:schemeClr>
+                </a:solidFill>
+                <a:latin typeface="나눔고딕" charset="0"/>
+                <a:ea typeface="나눔고딕" charset="0"/>
+              </a:rPr>
+              <a:t>t</a:t>
+            </a:r>
+            <a:r>
+              <a:rPr lang="en-US" altLang="ko-KR" sz="1800" b="1">
+                <a:solidFill>
+                  <a:schemeClr val="tx1">
+                    <a:tint val="75000"/>
+                  </a:schemeClr>
+                </a:solidFill>
+                <a:latin typeface="나눔고딕" charset="0"/>
+                <a:ea typeface="나눔고딕" charset="0"/>
+              </a:rPr>
+              <a:t>i</a:t>
+            </a:r>
+            <a:r>
+              <a:rPr lang="en-US" altLang="ko-KR" sz="1800" b="1">
+                <a:solidFill>
+                  <a:schemeClr val="tx1">
+                    <a:tint val="75000"/>
+                  </a:schemeClr>
+                </a:solidFill>
+                <a:latin typeface="나눔고딕" charset="0"/>
+                <a:ea typeface="나눔고딕" charset="0"/>
+              </a:rPr>
+              <a:t>o</a:t>
+            </a:r>
+            <a:r>
+              <a:rPr lang="en-US" altLang="ko-KR" sz="1800" b="1">
+                <a:solidFill>
+                  <a:schemeClr val="tx1">
+                    <a:tint val="75000"/>
+                  </a:schemeClr>
+                </a:solidFill>
+                <a:latin typeface="나눔고딕" charset="0"/>
+                <a:ea typeface="나눔고딕" charset="0"/>
+              </a:rPr>
+              <a:t>n</a:t>
+            </a:r>
+            <a:r>
+              <a:rPr lang="en-US" altLang="ko-KR" sz="1800" b="1">
+                <a:solidFill>
+                  <a:schemeClr val="tx1">
+                    <a:tint val="75000"/>
+                  </a:schemeClr>
+                </a:solidFill>
+                <a:latin typeface="나눔고딕" charset="0"/>
+                <a:ea typeface="나눔고딕" charset="0"/>
+              </a:rPr>
+              <a:t> </a:t>
+            </a:r>
+            <a:r>
+              <a:rPr lang="en-US" altLang="ko-KR" sz="1800" b="1">
+                <a:solidFill>
+                  <a:schemeClr val="tx1">
+                    <a:tint val="75000"/>
+                  </a:schemeClr>
+                </a:solidFill>
+                <a:latin typeface="나눔고딕" charset="0"/>
+                <a:ea typeface="나눔고딕" charset="0"/>
+              </a:rPr>
+              <a:t>테</a:t>
+            </a:r>
+            <a:r>
+              <a:rPr lang="en-US" altLang="ko-KR" sz="1800" b="1">
+                <a:solidFill>
+                  <a:schemeClr val="tx1">
+                    <a:tint val="75000"/>
+                  </a:schemeClr>
+                </a:solidFill>
+                <a:latin typeface="나눔고딕" charset="0"/>
+                <a:ea typeface="나눔고딕" charset="0"/>
+              </a:rPr>
+              <a:t>이</a:t>
+            </a:r>
+            <a:r>
+              <a:rPr lang="en-US" altLang="ko-KR" sz="1800" b="1">
+                <a:solidFill>
+                  <a:schemeClr val="tx1">
+                    <a:tint val="75000"/>
+                  </a:schemeClr>
+                </a:solidFill>
+                <a:latin typeface="나눔고딕" charset="0"/>
+                <a:ea typeface="나눔고딕" charset="0"/>
+              </a:rPr>
+              <a:t>블</a:t>
+            </a:r>
+            <a:r>
+              <a:rPr lang="en-US" altLang="ko-KR" sz="1800" b="1">
+                <a:solidFill>
+                  <a:schemeClr val="tx1">
+                    <a:tint val="75000"/>
+                  </a:schemeClr>
+                </a:solidFill>
+                <a:latin typeface="나눔고딕" charset="0"/>
+                <a:ea typeface="나눔고딕" charset="0"/>
+              </a:rPr>
+              <a:t>은</a:t>
+            </a:r>
+            <a:r>
+              <a:rPr lang="en-US" altLang="ko-KR" sz="1800" b="1">
+                <a:solidFill>
+                  <a:schemeClr val="tx1">
+                    <a:tint val="75000"/>
+                  </a:schemeClr>
+                </a:solidFill>
+                <a:latin typeface="나눔고딕" charset="0"/>
+                <a:ea typeface="나눔고딕" charset="0"/>
+              </a:rPr>
+              <a:t> </a:t>
+            </a:r>
+            <a:r>
+              <a:rPr lang="en-US" altLang="ko-KR" sz="1800" b="1">
+                <a:solidFill>
+                  <a:schemeClr val="tx1">
+                    <a:tint val="75000"/>
+                  </a:schemeClr>
+                </a:solidFill>
+                <a:latin typeface="나눔고딕" charset="0"/>
+                <a:ea typeface="나눔고딕" charset="0"/>
+              </a:rPr>
+              <a:t>게시번호, 제목, </a:t>
+            </a:r>
+            <a:r>
+              <a:rPr lang="en-US" altLang="ko-KR" sz="1800" b="1">
+                <a:solidFill>
+                  <a:schemeClr val="tx1">
+                    <a:tint val="75000"/>
+                  </a:schemeClr>
+                </a:solidFill>
+                <a:latin typeface="나눔고딕" charset="0"/>
+                <a:ea typeface="나눔고딕" charset="0"/>
+              </a:rPr>
+              <a:t>내</a:t>
+            </a:r>
+            <a:r>
+              <a:rPr lang="en-US" altLang="ko-KR" sz="1800" b="1">
+                <a:solidFill>
+                  <a:schemeClr val="tx1">
+                    <a:tint val="75000"/>
+                  </a:schemeClr>
+                </a:solidFill>
+                <a:latin typeface="나눔고딕" charset="0"/>
+                <a:ea typeface="나눔고딕" charset="0"/>
+              </a:rPr>
+              <a:t>용, 작성시</a:t>
+            </a:r>
+            <a:r>
+              <a:rPr lang="en-US" altLang="ko-KR" sz="1800" b="1">
+                <a:solidFill>
+                  <a:schemeClr val="tx1">
+                    <a:tint val="75000"/>
+                  </a:schemeClr>
+                </a:solidFill>
+                <a:latin typeface="나눔고딕" charset="0"/>
+                <a:ea typeface="나눔고딕" charset="0"/>
+              </a:rPr>
+              <a:t>간</a:t>
+            </a:r>
+            <a:r>
+              <a:rPr lang="en-US" altLang="ko-KR" sz="1800" b="1">
+                <a:solidFill>
+                  <a:schemeClr val="tx1">
+                    <a:tint val="75000"/>
+                  </a:schemeClr>
+                </a:solidFill>
+                <a:latin typeface="나눔고딕" charset="0"/>
+                <a:ea typeface="나눔고딕" charset="0"/>
+              </a:rPr>
+              <a:t>,</a:t>
+            </a:r>
+            <a:r>
+              <a:rPr lang="en-US" altLang="ko-KR" sz="1800" b="1">
+                <a:solidFill>
+                  <a:schemeClr val="tx1">
+                    <a:tint val="75000"/>
+                  </a:schemeClr>
+                </a:solidFill>
+                <a:latin typeface="나눔고딕" charset="0"/>
+                <a:ea typeface="나눔고딕" charset="0"/>
+              </a:rPr>
+              <a:t> </a:t>
+            </a:r>
+            <a:r>
+              <a:rPr lang="en-US" altLang="ko-KR" sz="1800" b="1">
+                <a:solidFill>
+                  <a:schemeClr val="tx1">
+                    <a:tint val="75000"/>
+                  </a:schemeClr>
+                </a:solidFill>
+                <a:latin typeface="나눔고딕" charset="0"/>
+                <a:ea typeface="나눔고딕" charset="0"/>
+              </a:rPr>
+              <a:t>답</a:t>
+            </a:r>
+            <a:r>
+              <a:rPr lang="en-US" altLang="ko-KR" sz="1800" b="1">
+                <a:solidFill>
+                  <a:schemeClr val="tx1">
+                    <a:tint val="75000"/>
+                  </a:schemeClr>
+                </a:solidFill>
+                <a:latin typeface="나눔고딕" charset="0"/>
+                <a:ea typeface="나눔고딕" charset="0"/>
+              </a:rPr>
+              <a:t>변</a:t>
+            </a:r>
+            <a:r>
+              <a:rPr lang="en-US" altLang="ko-KR" sz="1800" b="1">
+                <a:solidFill>
+                  <a:schemeClr val="tx1">
+                    <a:tint val="75000"/>
+                  </a:schemeClr>
+                </a:solidFill>
+                <a:latin typeface="나눔고딕" charset="0"/>
+                <a:ea typeface="나눔고딕" charset="0"/>
+              </a:rPr>
+              <a:t>여</a:t>
+            </a:r>
+            <a:r>
+              <a:rPr lang="en-US" altLang="ko-KR" sz="1800" b="1">
+                <a:solidFill>
+                  <a:schemeClr val="tx1">
+                    <a:tint val="75000"/>
+                  </a:schemeClr>
+                </a:solidFill>
+                <a:latin typeface="나눔고딕" charset="0"/>
+                <a:ea typeface="나눔고딕" charset="0"/>
+              </a:rPr>
+              <a:t>부, 회원번호(FK</a:t>
+            </a:r>
+            <a:r>
+              <a:rPr lang="en-US" altLang="ko-KR" sz="1800" b="1">
+                <a:solidFill>
+                  <a:schemeClr val="tx1">
+                    <a:tint val="75000"/>
+                  </a:schemeClr>
+                </a:solidFill>
+                <a:latin typeface="나눔고딕" charset="0"/>
+                <a:ea typeface="나눔고딕" charset="0"/>
+              </a:rPr>
+              <a:t>)</a:t>
+            </a:r>
+            <a:r>
+              <a:rPr lang="en-US" altLang="ko-KR" sz="1800" b="1">
+                <a:solidFill>
+                  <a:schemeClr val="tx1">
+                    <a:tint val="75000"/>
+                  </a:schemeClr>
+                </a:solidFill>
+                <a:latin typeface="나눔고딕" charset="0"/>
+                <a:ea typeface="나눔고딕" charset="0"/>
+              </a:rPr>
+              <a:t> </a:t>
+            </a:r>
+            <a:r>
+              <a:rPr lang="en-US" altLang="ko-KR" sz="1800" b="1">
+                <a:solidFill>
+                  <a:schemeClr val="tx1">
+                    <a:tint val="75000"/>
+                  </a:schemeClr>
+                </a:solidFill>
+                <a:latin typeface="나눔고딕" charset="0"/>
+                <a:ea typeface="나눔고딕" charset="0"/>
+              </a:rPr>
+              <a:t>를</a:t>
+            </a:r>
+            <a:r>
+              <a:rPr lang="en-US" altLang="ko-KR" sz="1800" b="1">
+                <a:solidFill>
+                  <a:schemeClr val="tx1">
+                    <a:tint val="75000"/>
+                  </a:schemeClr>
+                </a:solidFill>
+                <a:latin typeface="나눔고딕" charset="0"/>
+                <a:ea typeface="나눔고딕" charset="0"/>
+              </a:rPr>
+              <a:t> </a:t>
+            </a:r>
+            <a:r>
+              <a:rPr lang="en-US" altLang="ko-KR" sz="1800" b="1">
+                <a:solidFill>
+                  <a:schemeClr val="tx1">
+                    <a:tint val="75000"/>
+                  </a:schemeClr>
+                </a:solidFill>
+                <a:latin typeface="나눔고딕" charset="0"/>
+                <a:ea typeface="나눔고딕" charset="0"/>
+              </a:rPr>
+              <a:t>가지고</a:t>
+            </a:r>
+            <a:r>
+              <a:rPr lang="en-US" altLang="ko-KR" sz="1800" b="1">
+                <a:solidFill>
+                  <a:schemeClr val="tx1">
+                    <a:tint val="75000"/>
+                  </a:schemeClr>
+                </a:solidFill>
+                <a:latin typeface="나눔고딕" charset="0"/>
+                <a:ea typeface="나눔고딕" charset="0"/>
+              </a:rPr>
+              <a:t> </a:t>
+            </a:r>
+            <a:r>
+              <a:rPr lang="en-US" altLang="ko-KR" sz="1800" b="1">
+                <a:solidFill>
+                  <a:schemeClr val="tx1">
+                    <a:tint val="75000"/>
+                  </a:schemeClr>
+                </a:solidFill>
+                <a:latin typeface="나눔고딕" charset="0"/>
+                <a:ea typeface="나눔고딕" charset="0"/>
+              </a:rPr>
+              <a:t>있</a:t>
+            </a:r>
+            <a:r>
+              <a:rPr lang="en-US" altLang="ko-KR" sz="1800" b="1">
+                <a:solidFill>
+                  <a:schemeClr val="tx1">
+                    <a:tint val="75000"/>
+                  </a:schemeClr>
+                </a:solidFill>
+                <a:latin typeface="나눔고딕" charset="0"/>
+                <a:ea typeface="나눔고딕" charset="0"/>
+              </a:rPr>
+              <a:t>다</a:t>
+            </a:r>
+            <a:r>
+              <a:rPr lang="en-US" altLang="ko-KR" sz="1800" b="1">
+                <a:solidFill>
+                  <a:schemeClr val="tx1">
+                    <a:tint val="75000"/>
+                  </a:schemeClr>
+                </a:solidFill>
+                <a:latin typeface="나눔고딕" charset="0"/>
+                <a:ea typeface="나눔고딕" charset="0"/>
+              </a:rPr>
+              <a:t>.</a:t>
+            </a:r>
+            <a:endParaRPr lang="ko-KR" altLang="en-US" sz="1800" b="1">
+              <a:solidFill>
+                <a:schemeClr val="tx1">
+                  <a:tint val="75000"/>
+                </a:schemeClr>
+              </a:solidFill>
+              <a:latin typeface="나눔고딕" charset="0"/>
+              <a:ea typeface="나눔고딕" charset="0"/>
+            </a:endParaRPr>
+          </a:p>
+          <a:p>
+            <a:pPr marL="0" indent="0" algn="l" defTabSz="914400" latinLnBrk="1">
+              <a:lnSpc>
+                <a:spcPct val="100000"/>
+              </a:lnSpc>
+              <a:spcBef>
+                <a:spcPts val="700"/>
+              </a:spcBef>
+              <a:spcAft>
+                <a:spcPts val="0"/>
+              </a:spcAft>
+              <a:buFontTx/>
+              <a:buNone/>
+            </a:pPr>
+            <a:r>
+              <a:rPr lang="en-US" altLang="ko-KR" sz="1800" b="1">
+                <a:solidFill>
+                  <a:schemeClr val="tx1">
+                    <a:tint val="75000"/>
+                  </a:schemeClr>
+                </a:solidFill>
+                <a:latin typeface="나눔고딕" charset="0"/>
+                <a:ea typeface="나눔고딕" charset="0"/>
+              </a:rPr>
+              <a:t>- qu</a:t>
+            </a:r>
+            <a:r>
+              <a:rPr lang="en-US" altLang="ko-KR" sz="1800" b="1">
+                <a:solidFill>
+                  <a:schemeClr val="tx1">
+                    <a:tint val="75000"/>
+                  </a:schemeClr>
+                </a:solidFill>
+                <a:latin typeface="나눔고딕" charset="0"/>
+                <a:ea typeface="나눔고딕" charset="0"/>
+              </a:rPr>
+              <a:t>e</a:t>
+            </a:r>
+            <a:r>
+              <a:rPr lang="en-US" altLang="ko-KR" sz="1800" b="1">
+                <a:solidFill>
+                  <a:schemeClr val="tx1">
+                    <a:tint val="75000"/>
+                  </a:schemeClr>
+                </a:solidFill>
+                <a:latin typeface="나눔고딕" charset="0"/>
+                <a:ea typeface="나눔고딕" charset="0"/>
+              </a:rPr>
+              <a:t>stion</a:t>
+            </a:r>
+            <a:r>
+              <a:rPr lang="en-US" altLang="ko-KR" sz="1800" b="1">
+                <a:solidFill>
+                  <a:schemeClr val="tx1">
+                    <a:tint val="75000"/>
+                  </a:schemeClr>
+                </a:solidFill>
+                <a:latin typeface="나눔고딕" charset="0"/>
+                <a:ea typeface="나눔고딕" charset="0"/>
+              </a:rPr>
+              <a:t> </a:t>
+            </a:r>
+            <a:r>
+              <a:rPr lang="en-US" altLang="ko-KR" sz="1800" b="1">
+                <a:solidFill>
+                  <a:schemeClr val="tx1">
+                    <a:tint val="75000"/>
+                  </a:schemeClr>
+                </a:solidFill>
+                <a:latin typeface="나눔고딕" charset="0"/>
+                <a:ea typeface="나눔고딕" charset="0"/>
+              </a:rPr>
+              <a:t>테이블은</a:t>
+            </a:r>
+            <a:r>
+              <a:rPr lang="en-US" altLang="ko-KR" sz="1800" b="1">
+                <a:solidFill>
+                  <a:schemeClr val="tx1">
+                    <a:tint val="75000"/>
+                  </a:schemeClr>
+                </a:solidFill>
+                <a:latin typeface="나눔고딕" charset="0"/>
+                <a:ea typeface="나눔고딕" charset="0"/>
+              </a:rPr>
+              <a:t> </a:t>
+            </a:r>
+            <a:r>
+              <a:rPr lang="en-US" altLang="ko-KR" sz="1800" b="1">
+                <a:solidFill>
+                  <a:schemeClr val="tx1">
+                    <a:tint val="75000"/>
+                  </a:schemeClr>
+                </a:solidFill>
+                <a:latin typeface="나눔고딕" charset="0"/>
+                <a:ea typeface="나눔고딕" charset="0"/>
+              </a:rPr>
+              <a:t>게</a:t>
+            </a:r>
+            <a:r>
+              <a:rPr lang="en-US" altLang="ko-KR" sz="1800" b="1">
+                <a:solidFill>
+                  <a:schemeClr val="tx1">
+                    <a:tint val="75000"/>
+                  </a:schemeClr>
+                </a:solidFill>
+                <a:latin typeface="나눔고딕" charset="0"/>
+                <a:ea typeface="나눔고딕" charset="0"/>
+              </a:rPr>
+              <a:t>시번호로</a:t>
+            </a:r>
+            <a:r>
+              <a:rPr lang="en-US" altLang="ko-KR" sz="1800" b="1">
+                <a:solidFill>
+                  <a:schemeClr val="tx1">
+                    <a:tint val="75000"/>
+                  </a:schemeClr>
+                </a:solidFill>
+                <a:latin typeface="나눔고딕" charset="0"/>
+                <a:ea typeface="나눔고딕" charset="0"/>
+              </a:rPr>
+              <a:t> </a:t>
+            </a:r>
+            <a:r>
+              <a:rPr lang="en-US" altLang="ko-KR" sz="1800" b="1">
+                <a:solidFill>
+                  <a:schemeClr val="tx1">
+                    <a:tint val="75000"/>
+                  </a:schemeClr>
+                </a:solidFill>
+                <a:latin typeface="나눔고딕" charset="0"/>
+                <a:ea typeface="나눔고딕" charset="0"/>
+              </a:rPr>
+              <a:t>식별한다.</a:t>
+            </a:r>
+            <a:endParaRPr lang="ko-KR" altLang="en-US" sz="1800" b="1">
+              <a:solidFill>
+                <a:schemeClr val="tx1">
+                  <a:tint val="75000"/>
+                </a:schemeClr>
+              </a:solidFill>
+              <a:latin typeface="나눔고딕" charset="0"/>
+              <a:ea typeface="나눔고딕" charset="0"/>
+            </a:endParaRPr>
+          </a:p>
+          <a:p>
+            <a:pPr marL="0" indent="0" algn="l" defTabSz="914400" latinLnBrk="1">
+              <a:lnSpc>
+                <a:spcPct val="100000"/>
+              </a:lnSpc>
+              <a:spcBef>
+                <a:spcPts val="700"/>
+              </a:spcBef>
+              <a:spcAft>
+                <a:spcPts val="0"/>
+              </a:spcAft>
+              <a:buFontTx/>
+              <a:buNone/>
+            </a:pPr>
+            <a:r>
+              <a:rPr lang="en-US" altLang="ko-KR" sz="1800" b="1">
+                <a:solidFill>
+                  <a:schemeClr val="tx1">
+                    <a:tint val="75000"/>
+                  </a:schemeClr>
+                </a:solidFill>
+                <a:latin typeface="나눔고딕" charset="0"/>
+                <a:ea typeface="나눔고딕" charset="0"/>
+              </a:rPr>
+              <a:t>-</a:t>
+            </a:r>
+            <a:r>
+              <a:rPr lang="en-US" altLang="ko-KR" sz="1800" b="1">
+                <a:solidFill>
+                  <a:schemeClr val="tx1">
+                    <a:tint val="75000"/>
+                  </a:schemeClr>
+                </a:solidFill>
+                <a:latin typeface="나눔고딕" charset="0"/>
+                <a:ea typeface="나눔고딕" charset="0"/>
+              </a:rPr>
+              <a:t> </a:t>
+            </a:r>
+            <a:r>
+              <a:rPr lang="en-US" altLang="ko-KR" sz="1800" b="1">
+                <a:solidFill>
+                  <a:schemeClr val="tx1">
+                    <a:tint val="75000"/>
+                  </a:schemeClr>
+                </a:solidFill>
+                <a:latin typeface="나눔고딕" charset="0"/>
+                <a:ea typeface="나눔고딕" charset="0"/>
+              </a:rPr>
+              <a:t>c</a:t>
+            </a:r>
+            <a:r>
+              <a:rPr lang="en-US" altLang="ko-KR" sz="1800" b="1">
+                <a:solidFill>
+                  <a:schemeClr val="tx1">
+                    <a:tint val="75000"/>
+                  </a:schemeClr>
+                </a:solidFill>
+                <a:latin typeface="나눔고딕" charset="0"/>
+                <a:ea typeface="나눔고딕" charset="0"/>
+              </a:rPr>
+              <a:t>omm</a:t>
+            </a:r>
+            <a:r>
+              <a:rPr lang="en-US" altLang="ko-KR" sz="1800" b="1">
+                <a:solidFill>
+                  <a:schemeClr val="tx1">
+                    <a:tint val="75000"/>
+                  </a:schemeClr>
+                </a:solidFill>
+                <a:latin typeface="나눔고딕" charset="0"/>
+                <a:ea typeface="나눔고딕" charset="0"/>
+              </a:rPr>
+              <a:t>l</a:t>
+            </a:r>
+            <a:r>
+              <a:rPr lang="en-US" altLang="ko-KR" sz="1800" b="1">
+                <a:solidFill>
+                  <a:schemeClr val="tx1">
+                    <a:tint val="75000"/>
+                  </a:schemeClr>
+                </a:solidFill>
+                <a:latin typeface="나눔고딕" charset="0"/>
+                <a:ea typeface="나눔고딕" charset="0"/>
+              </a:rPr>
+              <a:t>i</a:t>
+            </a:r>
+            <a:r>
+              <a:rPr lang="en-US" altLang="ko-KR" sz="1800" b="1">
+                <a:solidFill>
+                  <a:schemeClr val="tx1">
+                    <a:tint val="75000"/>
+                  </a:schemeClr>
+                </a:solidFill>
+                <a:latin typeface="나눔고딕" charset="0"/>
+                <a:ea typeface="나눔고딕" charset="0"/>
+              </a:rPr>
+              <a:t>st 테이블은 </a:t>
+            </a:r>
+            <a:r>
+              <a:rPr lang="en-US" altLang="ko-KR" sz="1800" b="1">
+                <a:solidFill>
+                  <a:schemeClr val="tx1">
+                    <a:tint val="75000"/>
+                  </a:schemeClr>
+                </a:solidFill>
+                <a:latin typeface="나눔고딕" charset="0"/>
+                <a:ea typeface="나눔고딕" charset="0"/>
+              </a:rPr>
+              <a:t>댓</a:t>
+            </a:r>
+            <a:r>
+              <a:rPr lang="en-US" altLang="ko-KR" sz="1800" b="1">
+                <a:solidFill>
+                  <a:schemeClr val="tx1">
+                    <a:tint val="75000"/>
+                  </a:schemeClr>
+                </a:solidFill>
+                <a:latin typeface="나눔고딕" charset="0"/>
+                <a:ea typeface="나눔고딕" charset="0"/>
+              </a:rPr>
+              <a:t>글번호, </a:t>
+            </a:r>
+            <a:r>
+              <a:rPr lang="en-US" altLang="ko-KR" sz="1800" b="1">
+                <a:solidFill>
+                  <a:schemeClr val="tx1">
+                    <a:tint val="75000"/>
+                  </a:schemeClr>
+                </a:solidFill>
+                <a:latin typeface="나눔고딕" charset="0"/>
+                <a:ea typeface="나눔고딕" charset="0"/>
+              </a:rPr>
+              <a:t>내</a:t>
+            </a:r>
+            <a:r>
+              <a:rPr lang="en-US" altLang="ko-KR" sz="1800" b="1">
+                <a:solidFill>
+                  <a:schemeClr val="tx1">
+                    <a:tint val="75000"/>
+                  </a:schemeClr>
+                </a:solidFill>
+                <a:latin typeface="나눔고딕" charset="0"/>
+                <a:ea typeface="나눔고딕" charset="0"/>
+              </a:rPr>
+              <a:t>용</a:t>
+            </a:r>
+            <a:r>
+              <a:rPr lang="en-US" altLang="ko-KR" sz="1800" b="1">
+                <a:solidFill>
+                  <a:schemeClr val="tx1">
+                    <a:tint val="75000"/>
+                  </a:schemeClr>
+                </a:solidFill>
+                <a:latin typeface="나눔고딕" charset="0"/>
+                <a:ea typeface="나눔고딕" charset="0"/>
+              </a:rPr>
+              <a:t>,</a:t>
+            </a:r>
+            <a:r>
+              <a:rPr lang="en-US" altLang="ko-KR" sz="1800" b="1">
+                <a:solidFill>
+                  <a:schemeClr val="tx1">
+                    <a:tint val="75000"/>
+                  </a:schemeClr>
+                </a:solidFill>
+                <a:latin typeface="나눔고딕" charset="0"/>
+                <a:ea typeface="나눔고딕" charset="0"/>
+              </a:rPr>
+              <a:t> 작성시</a:t>
+            </a:r>
+            <a:r>
+              <a:rPr lang="en-US" altLang="ko-KR" sz="1800" b="1">
+                <a:solidFill>
+                  <a:schemeClr val="tx1">
+                    <a:tint val="75000"/>
+                  </a:schemeClr>
+                </a:solidFill>
+                <a:latin typeface="나눔고딕" charset="0"/>
+                <a:ea typeface="나눔고딕" charset="0"/>
+              </a:rPr>
+              <a:t>간</a:t>
+            </a:r>
+            <a:r>
+              <a:rPr lang="en-US" altLang="ko-KR" sz="1800" b="1">
+                <a:solidFill>
+                  <a:schemeClr val="tx1">
+                    <a:tint val="75000"/>
+                  </a:schemeClr>
+                </a:solidFill>
+                <a:latin typeface="나눔고딕" charset="0"/>
+                <a:ea typeface="나눔고딕" charset="0"/>
+              </a:rPr>
+              <a:t>,</a:t>
+            </a:r>
+            <a:r>
+              <a:rPr lang="en-US" altLang="ko-KR" sz="1800" b="1">
+                <a:solidFill>
+                  <a:schemeClr val="tx1">
+                    <a:tint val="75000"/>
+                  </a:schemeClr>
+                </a:solidFill>
+                <a:latin typeface="나눔고딕" charset="0"/>
+                <a:ea typeface="나눔고딕" charset="0"/>
+              </a:rPr>
+              <a:t> </a:t>
+            </a:r>
+            <a:r>
+              <a:rPr lang="en-US" altLang="ko-KR" sz="1800" b="1">
+                <a:solidFill>
+                  <a:schemeClr val="tx1">
+                    <a:tint val="75000"/>
+                  </a:schemeClr>
+                </a:solidFill>
+                <a:latin typeface="나눔고딕" charset="0"/>
+                <a:ea typeface="나눔고딕" charset="0"/>
+              </a:rPr>
+              <a:t>회원</a:t>
+            </a:r>
+            <a:r>
+              <a:rPr lang="en-US" altLang="ko-KR" sz="1800" b="1">
+                <a:solidFill>
+                  <a:schemeClr val="tx1">
+                    <a:tint val="75000"/>
+                  </a:schemeClr>
+                </a:solidFill>
+                <a:latin typeface="나눔고딕" charset="0"/>
+                <a:ea typeface="나눔고딕" charset="0"/>
+              </a:rPr>
+              <a:t>번</a:t>
+            </a:r>
+            <a:r>
+              <a:rPr lang="en-US" altLang="ko-KR" sz="1800" b="1">
+                <a:solidFill>
+                  <a:schemeClr val="tx1">
+                    <a:tint val="75000"/>
+                  </a:schemeClr>
+                </a:solidFill>
+                <a:latin typeface="나눔고딕" charset="0"/>
+                <a:ea typeface="나눔고딕" charset="0"/>
+              </a:rPr>
+              <a:t>호</a:t>
+            </a:r>
+            <a:r>
+              <a:rPr lang="en-US" altLang="ko-KR" sz="1800" b="1">
+                <a:solidFill>
+                  <a:schemeClr val="tx1">
+                    <a:tint val="75000"/>
+                  </a:schemeClr>
+                </a:solidFill>
+                <a:latin typeface="나눔고딕" charset="0"/>
+                <a:ea typeface="나눔고딕" charset="0"/>
+              </a:rPr>
+              <a:t>(</a:t>
+            </a:r>
+            <a:r>
+              <a:rPr lang="en-US" altLang="ko-KR" sz="1800" b="1">
+                <a:solidFill>
+                  <a:schemeClr val="tx1">
+                    <a:tint val="75000"/>
+                  </a:schemeClr>
+                </a:solidFill>
+                <a:latin typeface="나눔고딕" charset="0"/>
+                <a:ea typeface="나눔고딕" charset="0"/>
+              </a:rPr>
+              <a:t>F</a:t>
+            </a:r>
+            <a:r>
+              <a:rPr lang="en-US" altLang="ko-KR" sz="1800" b="1">
+                <a:solidFill>
+                  <a:schemeClr val="tx1">
+                    <a:tint val="75000"/>
+                  </a:schemeClr>
+                </a:solidFill>
+                <a:latin typeface="나눔고딕" charset="0"/>
+                <a:ea typeface="나눔고딕" charset="0"/>
+              </a:rPr>
+              <a:t>K)</a:t>
+            </a:r>
+            <a:r>
+              <a:rPr lang="en-US" altLang="ko-KR" sz="1800" b="1">
+                <a:solidFill>
+                  <a:schemeClr val="tx1">
+                    <a:tint val="75000"/>
+                  </a:schemeClr>
+                </a:solidFill>
+                <a:latin typeface="나눔고딕" charset="0"/>
+                <a:ea typeface="나눔고딕" charset="0"/>
+              </a:rPr>
+              <a:t>,</a:t>
+            </a:r>
+            <a:r>
+              <a:rPr lang="en-US" altLang="ko-KR" sz="1800" b="1">
+                <a:solidFill>
+                  <a:schemeClr val="tx1">
+                    <a:tint val="75000"/>
+                  </a:schemeClr>
+                </a:solidFill>
+                <a:latin typeface="나눔고딕" charset="0"/>
+                <a:ea typeface="나눔고딕" charset="0"/>
+              </a:rPr>
+              <a:t> 게시번호(FK)를</a:t>
+            </a:r>
+            <a:r>
+              <a:rPr lang="en-US" altLang="ko-KR" sz="1800" b="1">
+                <a:solidFill>
+                  <a:schemeClr val="tx1">
+                    <a:tint val="75000"/>
+                  </a:schemeClr>
+                </a:solidFill>
+                <a:latin typeface="나눔고딕" charset="0"/>
+                <a:ea typeface="나눔고딕" charset="0"/>
+              </a:rPr>
+              <a:t> </a:t>
+            </a:r>
+            <a:endParaRPr lang="ko-KR" altLang="en-US" sz="1800" b="1">
+              <a:solidFill>
+                <a:schemeClr val="tx1">
+                  <a:tint val="75000"/>
+                </a:schemeClr>
+              </a:solidFill>
+              <a:latin typeface="나눔고딕" charset="0"/>
+              <a:ea typeface="나눔고딕" charset="0"/>
+            </a:endParaRPr>
+          </a:p>
+          <a:p>
+            <a:pPr marL="0" indent="0" algn="l" defTabSz="914400" latinLnBrk="1">
+              <a:lnSpc>
+                <a:spcPct val="100000"/>
+              </a:lnSpc>
+              <a:spcBef>
+                <a:spcPts val="700"/>
+              </a:spcBef>
+              <a:spcAft>
+                <a:spcPts val="0"/>
+              </a:spcAft>
+              <a:buFontTx/>
+              <a:buNone/>
+            </a:pPr>
+            <a:r>
+              <a:rPr lang="en-US" altLang="ko-KR" sz="1800" b="1">
+                <a:solidFill>
+                  <a:schemeClr val="tx1">
+                    <a:tint val="75000"/>
+                  </a:schemeClr>
+                </a:solidFill>
+                <a:latin typeface="나눔고딕" charset="0"/>
+                <a:ea typeface="나눔고딕" charset="0"/>
+              </a:rPr>
+              <a:t> </a:t>
+            </a:r>
+            <a:r>
+              <a:rPr lang="en-US" altLang="ko-KR" sz="1800" b="1">
+                <a:solidFill>
+                  <a:schemeClr val="tx1">
+                    <a:tint val="75000"/>
+                  </a:schemeClr>
+                </a:solidFill>
+                <a:latin typeface="나눔고딕" charset="0"/>
+                <a:ea typeface="나눔고딕" charset="0"/>
+              </a:rPr>
+              <a:t>가</a:t>
+            </a:r>
+            <a:r>
+              <a:rPr lang="en-US" altLang="ko-KR" sz="1800" b="1">
+                <a:solidFill>
+                  <a:schemeClr val="tx1">
+                    <a:tint val="75000"/>
+                  </a:schemeClr>
+                </a:solidFill>
+                <a:latin typeface="나눔고딕" charset="0"/>
+                <a:ea typeface="나눔고딕" charset="0"/>
+              </a:rPr>
+              <a:t>지고 </a:t>
+            </a:r>
+            <a:r>
+              <a:rPr lang="en-US" altLang="ko-KR" sz="1800" b="1">
+                <a:solidFill>
+                  <a:schemeClr val="tx1">
+                    <a:tint val="75000"/>
+                  </a:schemeClr>
+                </a:solidFill>
+                <a:latin typeface="나눔고딕" charset="0"/>
+                <a:ea typeface="나눔고딕" charset="0"/>
+              </a:rPr>
+              <a:t>있</a:t>
+            </a:r>
+            <a:r>
+              <a:rPr lang="en-US" altLang="ko-KR" sz="1800" b="1">
+                <a:solidFill>
+                  <a:schemeClr val="tx1">
+                    <a:tint val="75000"/>
+                  </a:schemeClr>
+                </a:solidFill>
+                <a:latin typeface="나눔고딕" charset="0"/>
+                <a:ea typeface="나눔고딕" charset="0"/>
+              </a:rPr>
+              <a:t>다.</a:t>
+            </a:r>
+            <a:endParaRPr lang="ko-KR" altLang="en-US" sz="1800" b="1">
+              <a:solidFill>
+                <a:schemeClr val="tx1">
+                  <a:tint val="75000"/>
+                </a:schemeClr>
+              </a:solidFill>
+              <a:latin typeface="나눔고딕" charset="0"/>
+              <a:ea typeface="나눔고딕" charset="0"/>
+            </a:endParaRPr>
+          </a:p>
+          <a:p>
+            <a:pPr marL="0" indent="0" algn="l" defTabSz="914400" latinLnBrk="1">
+              <a:lnSpc>
+                <a:spcPct val="100000"/>
+              </a:lnSpc>
+              <a:spcBef>
+                <a:spcPts val="700"/>
+              </a:spcBef>
+              <a:spcAft>
+                <a:spcPts val="0"/>
+              </a:spcAft>
+              <a:buFontTx/>
+              <a:buNone/>
+            </a:pPr>
+            <a:r>
+              <a:rPr lang="en-US" altLang="ko-KR" sz="1800" b="1">
+                <a:solidFill>
+                  <a:schemeClr val="tx1">
+                    <a:tint val="75000"/>
+                  </a:schemeClr>
+                </a:solidFill>
+                <a:latin typeface="나눔고딕" charset="0"/>
+                <a:ea typeface="나눔고딕" charset="0"/>
+              </a:rPr>
+              <a:t>- commlist</a:t>
+            </a:r>
+            <a:r>
+              <a:rPr lang="en-US" altLang="ko-KR" sz="1800" b="1">
+                <a:solidFill>
+                  <a:schemeClr val="tx1">
+                    <a:tint val="75000"/>
+                  </a:schemeClr>
+                </a:solidFill>
+                <a:latin typeface="나눔고딕" charset="0"/>
+                <a:ea typeface="나눔고딕" charset="0"/>
+              </a:rPr>
+              <a:t> </a:t>
+            </a:r>
+            <a:r>
+              <a:rPr lang="en-US" altLang="ko-KR" sz="1800" b="1">
+                <a:solidFill>
+                  <a:schemeClr val="tx1">
+                    <a:tint val="75000"/>
+                  </a:schemeClr>
+                </a:solidFill>
+                <a:latin typeface="나눔고딕" charset="0"/>
+                <a:ea typeface="나눔고딕" charset="0"/>
+              </a:rPr>
+              <a:t>테이블은 </a:t>
+            </a:r>
+            <a:r>
+              <a:rPr lang="en-US" altLang="ko-KR" sz="1800" b="1">
+                <a:solidFill>
+                  <a:schemeClr val="tx1">
+                    <a:tint val="75000"/>
+                  </a:schemeClr>
+                </a:solidFill>
+                <a:latin typeface="나눔고딕" charset="0"/>
+                <a:ea typeface="나눔고딕" charset="0"/>
+              </a:rPr>
+              <a:t>댓</a:t>
+            </a:r>
+            <a:r>
+              <a:rPr lang="en-US" altLang="ko-KR" sz="1800" b="1">
+                <a:solidFill>
+                  <a:schemeClr val="tx1">
+                    <a:tint val="75000"/>
+                  </a:schemeClr>
+                </a:solidFill>
+                <a:latin typeface="나눔고딕" charset="0"/>
+                <a:ea typeface="나눔고딕" charset="0"/>
+              </a:rPr>
+              <a:t>글</a:t>
+            </a:r>
+            <a:r>
+              <a:rPr lang="en-US" altLang="ko-KR" sz="1800" b="1">
+                <a:solidFill>
+                  <a:schemeClr val="tx1">
+                    <a:tint val="75000"/>
+                  </a:schemeClr>
+                </a:solidFill>
+                <a:latin typeface="나눔고딕" charset="0"/>
+                <a:ea typeface="나눔고딕" charset="0"/>
+              </a:rPr>
+              <a:t>번</a:t>
+            </a:r>
+            <a:r>
+              <a:rPr lang="en-US" altLang="ko-KR" sz="1800" b="1">
+                <a:solidFill>
+                  <a:schemeClr val="tx1">
+                    <a:tint val="75000"/>
+                  </a:schemeClr>
+                </a:solidFill>
+                <a:latin typeface="나눔고딕" charset="0"/>
+                <a:ea typeface="나눔고딕" charset="0"/>
+              </a:rPr>
+              <a:t>호로</a:t>
+            </a:r>
+            <a:r>
+              <a:rPr lang="en-US" altLang="ko-KR" sz="1800" b="1">
+                <a:solidFill>
+                  <a:schemeClr val="tx1">
+                    <a:tint val="75000"/>
+                  </a:schemeClr>
+                </a:solidFill>
+                <a:latin typeface="나눔고딕" charset="0"/>
+                <a:ea typeface="나눔고딕" charset="0"/>
+              </a:rPr>
+              <a:t> </a:t>
+            </a:r>
+            <a:r>
+              <a:rPr lang="en-US" altLang="ko-KR" sz="1800" b="1">
+                <a:solidFill>
+                  <a:schemeClr val="tx1">
+                    <a:tint val="75000"/>
+                  </a:schemeClr>
+                </a:solidFill>
+                <a:latin typeface="나눔고딕" charset="0"/>
+                <a:ea typeface="나눔고딕" charset="0"/>
+              </a:rPr>
+              <a:t>식</a:t>
+            </a:r>
+            <a:r>
+              <a:rPr lang="en-US" altLang="ko-KR" sz="1800" b="1">
+                <a:solidFill>
+                  <a:schemeClr val="tx1">
+                    <a:tint val="75000"/>
+                  </a:schemeClr>
+                </a:solidFill>
+                <a:latin typeface="나눔고딕" charset="0"/>
+                <a:ea typeface="나눔고딕" charset="0"/>
+              </a:rPr>
+              <a:t>별한다.</a:t>
+            </a:r>
+            <a:endParaRPr lang="ko-KR" altLang="en-US" sz="1800" b="1">
+              <a:solidFill>
+                <a:schemeClr val="tx1">
+                  <a:tint val="75000"/>
+                </a:schemeClr>
+              </a:solidFill>
+              <a:latin typeface="나눔고딕" charset="0"/>
+              <a:ea typeface="나눔고딕" charset="0"/>
+            </a:endParaRPr>
+          </a:p>
+          <a:p>
+            <a:pPr marL="0" indent="0" algn="l" defTabSz="914400" latinLnBrk="1">
+              <a:lnSpc>
+                <a:spcPct val="100000"/>
+              </a:lnSpc>
+              <a:spcBef>
+                <a:spcPts val="700"/>
+              </a:spcBef>
+              <a:spcAft>
+                <a:spcPts val="0"/>
+              </a:spcAft>
+              <a:buFontTx/>
+              <a:buNone/>
+            </a:pPr>
+            <a:endParaRPr lang="ko-KR" altLang="en-US" sz="1800" b="1">
+              <a:solidFill>
+                <a:schemeClr val="tx1">
+                  <a:tint val="75000"/>
+                </a:schemeClr>
+              </a:solidFill>
+              <a:latin typeface="나눔고딕" charset="0"/>
+              <a:ea typeface="나눔고딕" charset="0"/>
+            </a:endParaRPr>
+          </a:p>
+        </p:txBody>
+      </p:sp>
+    </p:spTree>
+  </p:cSld>
+  <p:clrMapOvr>
+    <a:masterClrMapping/>
+  </p:clrMapOvr>
+  <mc:AlternateContent xmlns:mc="http://schemas.openxmlformats.org/markup-compatibility/2006">
+    <mc:Choice xmlns:p14="http://schemas.microsoft.com/office/powerpoint/2010/main" Requires="p14">
+      <p:transition spd="slow" p14:dur="2000"/>
+    </mc:Choice>
+    <mc:Fallback>
+      <p:transition spd="slow"/>
+    </mc:Fallback>
+  </mc:AlternateContent>
+  <p:timing>
+    <p:tnLst>
+      <p:par>
+        <p:cTn id="1" dur="indefinite" restart="never" nodeType="tmRoot"/>
+      </p:par>
+    </p:tnLst>
+  </p:timing>
+</p:sld>
+</file>
+
+<file path=ppt/slides/slide30.xml><?xml version="1.0" encoding="utf-8"?>
 <p:sld xmlns:a="http://schemas.openxmlformats.org/drawingml/2006/main" xmlns:r="http://schemas.openxmlformats.org/officeDocument/2006/relationships" xmlns:p="http://schemas.openxmlformats.org/presentationml/2006/main" xmlns:p14="http://schemas.microsoft.com/office/powerpoint/2010/main">
   <p:cSld>
     <p:spTree>
@@ -8957,885 +13830,8 @@
 </p:sld>
 </file>
 
-<file path=ppt/slides/slide3.xml><?xml version="1.0" encoding="utf-8"?>
+<file path=ppt/slides/slide31.xml><?xml version="1.0" encoding="utf-8"?>
 <p:sld xmlns:a="http://schemas.openxmlformats.org/drawingml/2006/main" xmlns:r="http://schemas.openxmlformats.org/officeDocument/2006/relationships" xmlns:p="http://schemas.openxmlformats.org/presentationml/2006/main" xmlns:p14="http://schemas.microsoft.com/office/powerpoint/2010/main">
-  <p:cSld>
-    <p:spTree>
-      <p:nvGrpSpPr>
-        <p:cNvPr id="1" name=""/>
-        <p:cNvGrpSpPr/>
-        <p:nvPr/>
-      </p:nvGrpSpPr>
-      <p:grpSpPr>
-        <a:xfrm>
-          <a:off x="0" y="0"/>
-          <a:ext cx="0" cy="0"/>
-          <a:chOff x="0" y="0"/>
-          <a:chExt cx="0" cy="0"/>
-        </a:xfrm>
-      </p:grpSpPr>
-      <p:sp>
-        <p:nvSpPr>
-          <p:cNvPr id="3" name="텍스트 개체 틀 2"/>
-          <p:cNvSpPr txBox="1">
-            <a:spLocks/>
-          </p:cNvSpPr>
-          <p:nvPr>
-            <p:ph type="ctrTitle"/>
-          </p:nvPr>
-        </p:nvSpPr>
-        <p:spPr>
-          <a:xfrm rot="0">
-            <a:off x="685800" y="307340"/>
-            <a:ext cx="7773035" cy="1470660"/>
-          </a:xfrm>
-          <a:prstGeom prst="rect"/>
-        </p:spPr>
-        <p:txBody>
-          <a:bodyPr wrap="square" lIns="91440" tIns="45720" rIns="91440" bIns="45720" numCol="1" vert="horz" anchor="ctr">
-            <a:noAutofit/>
-          </a:bodyPr>
-          <a:lstStyle>
-            <a:lvl1pPr marL="0" indent="0" defTabSz="508000">
-              <a:lnSpc>
-                <a:spcPct val="100000"/>
-              </a:lnSpc>
-              <a:spcBef>
-                <a:spcPts val="0"/>
-              </a:spcBef>
-              <a:spcAft>
-                <a:spcPts val="0"/>
-              </a:spcAft>
-              <a:buFontTx/>
-              <a:buNone/>
-              <a:defRPr lang="en-GB" altLang="en-US" sz="1800">
-                <a:latin typeface="나눔고딕" charset="0"/>
-                <a:ea typeface="나눔고딕" charset="0"/>
-              </a:defRPr>
-            </a:lvl1pPr>
-          </a:lstStyle>
-          <a:p>
-            <a:pPr marL="0" indent="0" algn="ctr" defTabSz="914400" latinLnBrk="1">
-              <a:lnSpc>
-                <a:spcPct val="100000"/>
-              </a:lnSpc>
-              <a:spcBef>
-                <a:spcPts val="0"/>
-              </a:spcBef>
-              <a:spcAft>
-                <a:spcPts val="0"/>
-              </a:spcAft>
-              <a:buFontTx/>
-              <a:buNone/>
-            </a:pPr>
-            <a:r>
-              <a:rPr lang="ko-KR" altLang="ko-KR" sz="4400" b="1">
-                <a:solidFill>
-                  <a:srgbClr val="716767"/>
-                </a:solidFill>
-                <a:latin typeface="나눔고딕" charset="0"/>
-                <a:ea typeface="나눔고딕" charset="0"/>
-                <a:cs typeface="+mj-cs"/>
-              </a:rPr>
-              <a:t>요구사항 분석</a:t>
-            </a:r>
-            <a:endParaRPr lang="ko-KR" altLang="en-US" sz="4400" b="1">
-              <a:solidFill>
-                <a:srgbClr val="716767"/>
-              </a:solidFill>
-              <a:latin typeface="나눔고딕" charset="0"/>
-              <a:ea typeface="나눔고딕" charset="0"/>
-              <a:cs typeface="+mj-cs"/>
-            </a:endParaRPr>
-          </a:p>
-        </p:txBody>
-      </p:sp>
-      <p:sp>
-        <p:nvSpPr>
-          <p:cNvPr id="5" name="텍스트 상자 4"/>
-          <p:cNvSpPr txBox="1">
-            <a:spLocks/>
-          </p:cNvSpPr>
-          <p:nvPr/>
-        </p:nvSpPr>
-        <p:spPr>
-          <a:xfrm rot="0">
-            <a:off x="195580" y="1701165"/>
-            <a:ext cx="8752205" cy="3789045"/>
-          </a:xfrm>
-          <a:prstGeom prst="rect"/>
-        </p:spPr>
-        <p:txBody>
-          <a:bodyPr wrap="square" lIns="91440" tIns="45720" rIns="91440" bIns="45720" numCol="1" vert="horz" anchor="t">
-            <a:noAutofit/>
-          </a:bodyPr>
-          <a:lstStyle>
-            <a:lvl1pPr marL="0" indent="0" algn="ctr" defTabSz="508000">
-              <a:lnSpc>
-                <a:spcPct val="100000"/>
-              </a:lnSpc>
-              <a:spcBef>
-                <a:spcPts val="0"/>
-              </a:spcBef>
-              <a:spcAft>
-                <a:spcPts val="0"/>
-              </a:spcAft>
-              <a:buFontTx/>
-              <a:buNone/>
-              <a:defRPr lang="en-GB" altLang="en-US" sz="1800">
-                <a:solidFill>
-                  <a:schemeClr val="tx1">
-                    <a:tint val="75000"/>
-                  </a:schemeClr>
-                </a:solidFill>
-                <a:latin typeface="나눔고딕" charset="0"/>
-                <a:ea typeface="나눔고딕" charset="0"/>
-              </a:defRPr>
-            </a:lvl1pPr>
-            <a:lvl2pPr marL="457200" indent="0" algn="ctr" defTabSz="508000">
-              <a:lnSpc>
-                <a:spcPct val="100000"/>
-              </a:lnSpc>
-              <a:spcBef>
-                <a:spcPts val="0"/>
-              </a:spcBef>
-              <a:spcAft>
-                <a:spcPts val="0"/>
-              </a:spcAft>
-              <a:buFontTx/>
-              <a:buNone/>
-              <a:defRPr lang="en-GB" altLang="en-US" sz="1800">
-                <a:solidFill>
-                  <a:schemeClr val="tx1">
-                    <a:tint val="75000"/>
-                  </a:schemeClr>
-                </a:solidFill>
-                <a:latin typeface="Arial" charset="0"/>
-                <a:ea typeface="Arial" charset="0"/>
-              </a:defRPr>
-            </a:lvl2pPr>
-            <a:lvl3pPr marL="914400" indent="0" algn="ctr" defTabSz="508000">
-              <a:lnSpc>
-                <a:spcPct val="100000"/>
-              </a:lnSpc>
-              <a:spcBef>
-                <a:spcPts val="0"/>
-              </a:spcBef>
-              <a:spcAft>
-                <a:spcPts val="0"/>
-              </a:spcAft>
-              <a:buFontTx/>
-              <a:buNone/>
-              <a:defRPr lang="en-GB" altLang="en-US" sz="1800">
-                <a:solidFill>
-                  <a:schemeClr val="tx1">
-                    <a:tint val="75000"/>
-                  </a:schemeClr>
-                </a:solidFill>
-                <a:latin typeface="Arial" charset="0"/>
-                <a:ea typeface="Arial" charset="0"/>
-              </a:defRPr>
-            </a:lvl3pPr>
-            <a:lvl4pPr marL="1371600" indent="0" algn="ctr" defTabSz="508000">
-              <a:lnSpc>
-                <a:spcPct val="100000"/>
-              </a:lnSpc>
-              <a:spcBef>
-                <a:spcPts val="0"/>
-              </a:spcBef>
-              <a:spcAft>
-                <a:spcPts val="0"/>
-              </a:spcAft>
-              <a:buFontTx/>
-              <a:buNone/>
-              <a:defRPr lang="en-GB" altLang="en-US" sz="1800">
-                <a:solidFill>
-                  <a:schemeClr val="tx1">
-                    <a:tint val="75000"/>
-                  </a:schemeClr>
-                </a:solidFill>
-                <a:latin typeface="Arial" charset="0"/>
-                <a:ea typeface="Arial" charset="0"/>
-              </a:defRPr>
-            </a:lvl4pPr>
-            <a:lvl5pPr marL="1828800" indent="0" algn="ctr" defTabSz="508000">
-              <a:lnSpc>
-                <a:spcPct val="100000"/>
-              </a:lnSpc>
-              <a:spcBef>
-                <a:spcPts val="0"/>
-              </a:spcBef>
-              <a:spcAft>
-                <a:spcPts val="0"/>
-              </a:spcAft>
-              <a:buFontTx/>
-              <a:buNone/>
-              <a:defRPr lang="en-GB" altLang="en-US" sz="1800">
-                <a:solidFill>
-                  <a:schemeClr val="tx1">
-                    <a:tint val="75000"/>
-                  </a:schemeClr>
-                </a:solidFill>
-                <a:latin typeface="Arial" charset="0"/>
-                <a:ea typeface="Arial" charset="0"/>
-              </a:defRPr>
-            </a:lvl5pPr>
-            <a:lvl6pPr marL="2286000" indent="0" algn="ctr" defTabSz="508000">
-              <a:lnSpc>
-                <a:spcPct val="100000"/>
-              </a:lnSpc>
-              <a:spcBef>
-                <a:spcPts val="0"/>
-              </a:spcBef>
-              <a:spcAft>
-                <a:spcPts val="0"/>
-              </a:spcAft>
-              <a:buFontTx/>
-              <a:buNone/>
-              <a:defRPr lang="en-GB" altLang="en-US" sz="1800">
-                <a:solidFill>
-                  <a:schemeClr val="tx1">
-                    <a:tint val="75000"/>
-                  </a:schemeClr>
-                </a:solidFill>
-                <a:latin typeface="Arial" charset="0"/>
-                <a:ea typeface="Arial" charset="0"/>
-              </a:defRPr>
-            </a:lvl6pPr>
-            <a:lvl7pPr marL="2743200" indent="0" algn="ctr" defTabSz="508000">
-              <a:lnSpc>
-                <a:spcPct val="100000"/>
-              </a:lnSpc>
-              <a:spcBef>
-                <a:spcPts val="0"/>
-              </a:spcBef>
-              <a:spcAft>
-                <a:spcPts val="0"/>
-              </a:spcAft>
-              <a:buFontTx/>
-              <a:buNone/>
-              <a:defRPr lang="en-GB" altLang="en-US" sz="1800">
-                <a:solidFill>
-                  <a:schemeClr val="tx1">
-                    <a:tint val="75000"/>
-                  </a:schemeClr>
-                </a:solidFill>
-                <a:latin typeface="Arial" charset="0"/>
-                <a:ea typeface="Arial" charset="0"/>
-              </a:defRPr>
-            </a:lvl7pPr>
-            <a:lvl8pPr marL="3200400" indent="0" algn="ctr" defTabSz="508000">
-              <a:lnSpc>
-                <a:spcPct val="100000"/>
-              </a:lnSpc>
-              <a:spcBef>
-                <a:spcPts val="0"/>
-              </a:spcBef>
-              <a:spcAft>
-                <a:spcPts val="0"/>
-              </a:spcAft>
-              <a:buFontTx/>
-              <a:buNone/>
-              <a:defRPr lang="en-GB" altLang="en-US" sz="1800">
-                <a:solidFill>
-                  <a:schemeClr val="tx1">
-                    <a:tint val="75000"/>
-                  </a:schemeClr>
-                </a:solidFill>
-                <a:latin typeface="Arial" charset="0"/>
-                <a:ea typeface="Arial" charset="0"/>
-              </a:defRPr>
-            </a:lvl8pPr>
-            <a:lvl9pPr marL="3657600" indent="0" algn="ctr" defTabSz="508000">
-              <a:lnSpc>
-                <a:spcPct val="100000"/>
-              </a:lnSpc>
-              <a:spcBef>
-                <a:spcPts val="0"/>
-              </a:spcBef>
-              <a:spcAft>
-                <a:spcPts val="0"/>
-              </a:spcAft>
-              <a:buFontTx/>
-              <a:buNone/>
-              <a:defRPr lang="en-GB" altLang="en-US" sz="1800">
-                <a:solidFill>
-                  <a:schemeClr val="tx1">
-                    <a:tint val="75000"/>
-                  </a:schemeClr>
-                </a:solidFill>
-                <a:latin typeface="Arial" charset="0"/>
-                <a:ea typeface="Arial" charset="0"/>
-              </a:defRPr>
-            </a:lvl9pPr>
-          </a:lstStyle>
-          <a:p>
-            <a:pPr marL="0" indent="0" algn="l" defTabSz="914400" latinLnBrk="1">
-              <a:lnSpc>
-                <a:spcPct val="100000"/>
-              </a:lnSpc>
-              <a:spcBef>
-                <a:spcPts val="700"/>
-              </a:spcBef>
-              <a:spcAft>
-                <a:spcPts val="0"/>
-              </a:spcAft>
-              <a:buFontTx/>
-              <a:buNone/>
-            </a:pPr>
-            <a:r>
-              <a:rPr sz="1800" b="1">
-                <a:solidFill>
-                  <a:schemeClr val="tx1">
-                    <a:tint val="75000"/>
-                  </a:schemeClr>
-                </a:solidFill>
-                <a:latin typeface="나눔고딕" charset="0"/>
-                <a:ea typeface="나눔고딕" charset="0"/>
-              </a:rPr>
-              <a:t>- question 테이블은 게시번호로 식별한다.</a:t>
-            </a:r>
-            <a:endParaRPr lang="ko-KR" altLang="en-US" sz="1800" b="1">
-              <a:solidFill>
-                <a:schemeClr val="tx1">
-                  <a:tint val="75000"/>
-                </a:schemeClr>
-              </a:solidFill>
-              <a:latin typeface="나눔고딕" charset="0"/>
-              <a:ea typeface="나눔고딕" charset="0"/>
-            </a:endParaRPr>
-          </a:p>
-          <a:p>
-            <a:pPr marL="0" indent="0" algn="l" defTabSz="914400" latinLnBrk="1">
-              <a:lnSpc>
-                <a:spcPct val="100000"/>
-              </a:lnSpc>
-              <a:spcBef>
-                <a:spcPts val="700"/>
-              </a:spcBef>
-              <a:spcAft>
-                <a:spcPts val="0"/>
-              </a:spcAft>
-              <a:buFontTx/>
-              <a:buNone/>
-            </a:pPr>
-            <a:r>
-              <a:rPr sz="1800" b="1">
-                <a:solidFill>
-                  <a:schemeClr val="tx1">
-                    <a:tint val="75000"/>
-                  </a:schemeClr>
-                </a:solidFill>
-                <a:latin typeface="나눔고딕" charset="0"/>
-                <a:ea typeface="나눔고딕" charset="0"/>
-              </a:rPr>
-              <a:t>- commlist 테이블은 댓글번호, 내용, 작성시간, 회원번호(FK), 게시번호(FK)를 </a:t>
-            </a:r>
-            <a:endParaRPr lang="ko-KR" altLang="en-US" sz="1800" b="1">
-              <a:solidFill>
-                <a:schemeClr val="tx1">
-                  <a:tint val="75000"/>
-                </a:schemeClr>
-              </a:solidFill>
-              <a:latin typeface="나눔고딕" charset="0"/>
-              <a:ea typeface="나눔고딕" charset="0"/>
-            </a:endParaRPr>
-          </a:p>
-          <a:p>
-            <a:pPr marL="0" indent="0" algn="l" defTabSz="914400" latinLnBrk="1">
-              <a:lnSpc>
-                <a:spcPct val="100000"/>
-              </a:lnSpc>
-              <a:spcBef>
-                <a:spcPts val="700"/>
-              </a:spcBef>
-              <a:spcAft>
-                <a:spcPts val="0"/>
-              </a:spcAft>
-              <a:buFontTx/>
-              <a:buNone/>
-            </a:pPr>
-            <a:r>
-              <a:rPr sz="1800" b="1">
-                <a:solidFill>
-                  <a:schemeClr val="tx1">
-                    <a:tint val="75000"/>
-                  </a:schemeClr>
-                </a:solidFill>
-                <a:latin typeface="나눔고딕" charset="0"/>
-                <a:ea typeface="나눔고딕" charset="0"/>
-              </a:rPr>
-              <a:t> </a:t>
-            </a:r>
-            <a:r>
-              <a:rPr sz="1800" b="1">
-                <a:solidFill>
-                  <a:schemeClr val="tx1">
-                    <a:tint val="75000"/>
-                  </a:schemeClr>
-                </a:solidFill>
-                <a:latin typeface="나눔고딕" charset="0"/>
-                <a:ea typeface="나눔고딕" charset="0"/>
-              </a:rPr>
-              <a:t>가지고 있다.</a:t>
-            </a:r>
-            <a:endParaRPr lang="ko-KR" altLang="en-US" sz="1800" b="1">
-              <a:solidFill>
-                <a:schemeClr val="tx1">
-                  <a:tint val="75000"/>
-                </a:schemeClr>
-              </a:solidFill>
-              <a:latin typeface="나눔고딕" charset="0"/>
-              <a:ea typeface="나눔고딕" charset="0"/>
-            </a:endParaRPr>
-          </a:p>
-          <a:p>
-            <a:pPr marL="0" indent="0" algn="l" defTabSz="914400" latinLnBrk="1">
-              <a:lnSpc>
-                <a:spcPct val="100000"/>
-              </a:lnSpc>
-              <a:spcBef>
-                <a:spcPts val="700"/>
-              </a:spcBef>
-              <a:spcAft>
-                <a:spcPts val="0"/>
-              </a:spcAft>
-              <a:buFontTx/>
-              <a:buNone/>
-            </a:pPr>
-            <a:r>
-              <a:rPr sz="1800" b="1">
-                <a:solidFill>
-                  <a:schemeClr val="tx1">
-                    <a:tint val="75000"/>
-                  </a:schemeClr>
-                </a:solidFill>
-                <a:latin typeface="나눔고딕" charset="0"/>
-                <a:ea typeface="나눔고딕" charset="0"/>
-              </a:rPr>
-              <a:t>- commlist 테이블은 댓글번호로 식별한다.</a:t>
-            </a:r>
-            <a:endParaRPr lang="ko-KR" altLang="en-US" sz="1800" b="1">
-              <a:solidFill>
-                <a:schemeClr val="tx1">
-                  <a:tint val="75000"/>
-                </a:schemeClr>
-              </a:solidFill>
-              <a:latin typeface="나눔고딕" charset="0"/>
-              <a:ea typeface="나눔고딕" charset="0"/>
-            </a:endParaRPr>
-          </a:p>
-          <a:p>
-            <a:pPr marL="0" indent="0" algn="l" defTabSz="914400" latinLnBrk="1">
-              <a:lnSpc>
-                <a:spcPct val="100000"/>
-              </a:lnSpc>
-              <a:spcBef>
-                <a:spcPts val="700"/>
-              </a:spcBef>
-              <a:spcAft>
-                <a:spcPts val="0"/>
-              </a:spcAft>
-              <a:buFontTx/>
-              <a:buNone/>
-            </a:pPr>
-            <a:r>
-              <a:rPr lang="en-US" altLang="ko-KR" sz="1800" b="1">
-                <a:solidFill>
-                  <a:schemeClr val="tx1">
-                    <a:tint val="75000"/>
-                  </a:schemeClr>
-                </a:solidFill>
-                <a:latin typeface="나눔고딕" charset="0"/>
-                <a:ea typeface="나눔고딕" charset="0"/>
-              </a:rPr>
-              <a:t>- 등급으로 회원과 관리자를 식별한다.</a:t>
-            </a:r>
-            <a:endParaRPr lang="ko-KR" altLang="en-US" sz="1800" b="1">
-              <a:solidFill>
-                <a:schemeClr val="tx1">
-                  <a:tint val="75000"/>
-                </a:schemeClr>
-              </a:solidFill>
-              <a:latin typeface="나눔고딕" charset="0"/>
-              <a:ea typeface="나눔고딕" charset="0"/>
-            </a:endParaRPr>
-          </a:p>
-          <a:p>
-            <a:pPr marL="0" indent="0" algn="l" defTabSz="914400" latinLnBrk="1">
-              <a:lnSpc>
-                <a:spcPct val="100000"/>
-              </a:lnSpc>
-              <a:spcBef>
-                <a:spcPts val="700"/>
-              </a:spcBef>
-              <a:spcAft>
-                <a:spcPts val="0"/>
-              </a:spcAft>
-              <a:buFontTx/>
-              <a:buNone/>
-            </a:pPr>
-            <a:r>
-              <a:rPr lang="en-US" altLang="ko-KR" sz="1800" b="1">
-                <a:solidFill>
-                  <a:schemeClr val="tx1">
-                    <a:tint val="75000"/>
-                  </a:schemeClr>
-                </a:solidFill>
-                <a:latin typeface="나눔고딕" charset="0"/>
-                <a:ea typeface="나눔고딕" charset="0"/>
-              </a:rPr>
-              <a:t>- 관리자는 차량을 추가할 수 있어야 한다.</a:t>
-            </a:r>
-            <a:endParaRPr lang="ko-KR" altLang="en-US" sz="1800" b="1">
-              <a:solidFill>
-                <a:schemeClr val="tx1">
-                  <a:tint val="75000"/>
-                </a:schemeClr>
-              </a:solidFill>
-              <a:latin typeface="나눔고딕" charset="0"/>
-              <a:ea typeface="나눔고딕" charset="0"/>
-            </a:endParaRPr>
-          </a:p>
-          <a:p>
-            <a:pPr marL="0" indent="0" algn="l" defTabSz="914400" latinLnBrk="1">
-              <a:lnSpc>
-                <a:spcPct val="100000"/>
-              </a:lnSpc>
-              <a:spcBef>
-                <a:spcPts val="700"/>
-              </a:spcBef>
-              <a:spcAft>
-                <a:spcPts val="0"/>
-              </a:spcAft>
-              <a:buFontTx/>
-              <a:buNone/>
-            </a:pPr>
-            <a:r>
-              <a:rPr lang="en-US" altLang="ko-KR" sz="1800" b="1">
-                <a:solidFill>
-                  <a:schemeClr val="tx1">
-                    <a:tint val="75000"/>
-                  </a:schemeClr>
-                </a:solidFill>
-                <a:latin typeface="나눔고딕" charset="0"/>
-                <a:ea typeface="나눔고딕" charset="0"/>
-              </a:rPr>
-              <a:t>- 관리자는 모든 차량을 확인할 수 있어야 한다.</a:t>
-            </a:r>
-            <a:endParaRPr lang="ko-KR" altLang="en-US" sz="1800" b="1">
-              <a:solidFill>
-                <a:schemeClr val="tx1">
-                  <a:tint val="75000"/>
-                </a:schemeClr>
-              </a:solidFill>
-              <a:latin typeface="나눔고딕" charset="0"/>
-              <a:ea typeface="나눔고딕" charset="0"/>
-            </a:endParaRPr>
-          </a:p>
-          <a:p>
-            <a:pPr marL="0" indent="0" algn="l" defTabSz="914400" latinLnBrk="1">
-              <a:lnSpc>
-                <a:spcPct val="100000"/>
-              </a:lnSpc>
-              <a:spcBef>
-                <a:spcPts val="700"/>
-              </a:spcBef>
-              <a:spcAft>
-                <a:spcPts val="0"/>
-              </a:spcAft>
-              <a:buFontTx/>
-              <a:buNone/>
-            </a:pPr>
-            <a:r>
-              <a:rPr lang="en-US" altLang="ko-KR" sz="1800" b="1">
-                <a:solidFill>
-                  <a:schemeClr val="tx1">
-                    <a:tint val="75000"/>
-                  </a:schemeClr>
-                </a:solidFill>
-                <a:latin typeface="나눔고딕" charset="0"/>
-                <a:ea typeface="나눔고딕" charset="0"/>
-              </a:rPr>
-              <a:t>- 관리자는 차량의 모든 상세정보를 확인할 수 있어야 한다.</a:t>
-            </a:r>
-            <a:endParaRPr lang="ko-KR" altLang="en-US" sz="1800" b="1">
-              <a:solidFill>
-                <a:schemeClr val="tx1">
-                  <a:tint val="75000"/>
-                </a:schemeClr>
-              </a:solidFill>
-              <a:latin typeface="나눔고딕" charset="0"/>
-              <a:ea typeface="나눔고딕" charset="0"/>
-            </a:endParaRPr>
-          </a:p>
-          <a:p>
-            <a:pPr marL="0" indent="0" algn="l" defTabSz="914400" latinLnBrk="1">
-              <a:lnSpc>
-                <a:spcPct val="100000"/>
-              </a:lnSpc>
-              <a:spcBef>
-                <a:spcPts val="700"/>
-              </a:spcBef>
-              <a:spcAft>
-                <a:spcPts val="0"/>
-              </a:spcAft>
-              <a:buFontTx/>
-              <a:buNone/>
-            </a:pPr>
-            <a:r>
-              <a:rPr lang="en-US" altLang="ko-KR" sz="1800" b="1">
-                <a:solidFill>
-                  <a:schemeClr val="tx1">
-                    <a:tint val="75000"/>
-                  </a:schemeClr>
-                </a:solidFill>
-                <a:latin typeface="나눔고딕" charset="0"/>
-                <a:ea typeface="나눔고딕" charset="0"/>
-              </a:rPr>
-              <a:t>- 관리자는 차량을 삭제할 수 있어야 한다.</a:t>
-            </a:r>
-            <a:endParaRPr lang="ko-KR" altLang="en-US" sz="1800" b="1">
-              <a:solidFill>
-                <a:schemeClr val="tx1">
-                  <a:tint val="75000"/>
-                </a:schemeClr>
-              </a:solidFill>
-              <a:latin typeface="나눔고딕" charset="0"/>
-              <a:ea typeface="나눔고딕" charset="0"/>
-            </a:endParaRPr>
-          </a:p>
-          <a:p>
-            <a:pPr marL="0" indent="0" algn="l" defTabSz="914400" latinLnBrk="1">
-              <a:lnSpc>
-                <a:spcPct val="100000"/>
-              </a:lnSpc>
-              <a:spcBef>
-                <a:spcPts val="700"/>
-              </a:spcBef>
-              <a:spcAft>
-                <a:spcPts val="0"/>
-              </a:spcAft>
-              <a:buFontTx/>
-              <a:buNone/>
-            </a:pPr>
-            <a:r>
-              <a:rPr lang="en-US" altLang="ko-KR" sz="1800" b="1">
-                <a:solidFill>
-                  <a:schemeClr val="tx1">
-                    <a:tint val="75000"/>
-                  </a:schemeClr>
-                </a:solidFill>
-                <a:latin typeface="나눔고딕" charset="0"/>
-                <a:ea typeface="나눔고딕" charset="0"/>
-              </a:rPr>
-              <a:t>- 관리자는 회원정보를 관리할 수 있어야 한다.</a:t>
-            </a:r>
-            <a:endParaRPr lang="ko-KR" altLang="en-US" sz="1800" b="1">
-              <a:solidFill>
-                <a:schemeClr val="tx1">
-                  <a:tint val="75000"/>
-                </a:schemeClr>
-              </a:solidFill>
-              <a:latin typeface="나눔고딕" charset="0"/>
-              <a:ea typeface="나눔고딕" charset="0"/>
-            </a:endParaRPr>
-          </a:p>
-          <a:p>
-            <a:pPr marL="0" indent="0" algn="l" defTabSz="914400" latinLnBrk="1">
-              <a:lnSpc>
-                <a:spcPct val="100000"/>
-              </a:lnSpc>
-              <a:spcBef>
-                <a:spcPts val="700"/>
-              </a:spcBef>
-              <a:spcAft>
-                <a:spcPts val="0"/>
-              </a:spcAft>
-              <a:buFontTx/>
-              <a:buNone/>
-            </a:pPr>
-            <a:r>
-              <a:rPr lang="en-US" altLang="ko-KR" sz="1800" b="1">
-                <a:solidFill>
-                  <a:schemeClr val="tx1">
-                    <a:tint val="75000"/>
-                  </a:schemeClr>
-                </a:solidFill>
-                <a:latin typeface="나눔고딕" charset="0"/>
-                <a:ea typeface="나눔고딕" charset="0"/>
-              </a:rPr>
-              <a:t>- 관리자는 회원정보를 수정할 수 있어야 한다.</a:t>
-            </a:r>
-            <a:endParaRPr lang="ko-KR" altLang="en-US" sz="1800" b="1">
-              <a:solidFill>
-                <a:schemeClr val="tx1">
-                  <a:tint val="75000"/>
-                </a:schemeClr>
-              </a:solidFill>
-              <a:latin typeface="나눔고딕" charset="0"/>
-              <a:ea typeface="나눔고딕" charset="0"/>
-            </a:endParaRPr>
-          </a:p>
-          <a:p>
-            <a:pPr marL="0" indent="0" algn="l" defTabSz="914400" latinLnBrk="1">
-              <a:lnSpc>
-                <a:spcPct val="100000"/>
-              </a:lnSpc>
-              <a:spcBef>
-                <a:spcPts val="700"/>
-              </a:spcBef>
-              <a:spcAft>
-                <a:spcPts val="0"/>
-              </a:spcAft>
-              <a:buFontTx/>
-              <a:buNone/>
-            </a:pPr>
-            <a:r>
-              <a:rPr lang="en-US" altLang="ko-KR" sz="1800" b="1">
-                <a:solidFill>
-                  <a:schemeClr val="tx1">
-                    <a:tint val="75000"/>
-                  </a:schemeClr>
-                </a:solidFill>
-                <a:latin typeface="나눔고딕" charset="0"/>
-                <a:ea typeface="나눔고딕" charset="0"/>
-              </a:rPr>
-              <a:t>- 관리자는 회원정보를 삭제할 수 있어야 한다.</a:t>
-            </a:r>
-            <a:endParaRPr lang="ko-KR" altLang="en-US" sz="1800" b="1">
-              <a:solidFill>
-                <a:schemeClr val="tx1">
-                  <a:tint val="75000"/>
-                </a:schemeClr>
-              </a:solidFill>
-              <a:latin typeface="나눔고딕" charset="0"/>
-              <a:ea typeface="나눔고딕" charset="0"/>
-            </a:endParaRPr>
-          </a:p>
-          <a:p>
-            <a:pPr marL="0" indent="0" algn="l" defTabSz="914400" latinLnBrk="1">
-              <a:lnSpc>
-                <a:spcPct val="100000"/>
-              </a:lnSpc>
-              <a:spcBef>
-                <a:spcPts val="700"/>
-              </a:spcBef>
-              <a:spcAft>
-                <a:spcPts val="0"/>
-              </a:spcAft>
-              <a:buFontTx/>
-              <a:buNone/>
-            </a:pPr>
-            <a:r>
-              <a:rPr lang="en-US" altLang="ko-KR" sz="1800" b="1">
-                <a:solidFill>
-                  <a:schemeClr val="tx1">
-                    <a:tint val="75000"/>
-                  </a:schemeClr>
-                </a:solidFill>
-                <a:latin typeface="나눔고딕" charset="0"/>
-                <a:ea typeface="나눔고딕" charset="0"/>
-              </a:rPr>
-              <a:t>- 관리자는 회원의 문의에 답변할 수 있어야 한다.</a:t>
-            </a:r>
-            <a:endParaRPr lang="ko-KR" altLang="en-US" sz="1800" b="1">
-              <a:solidFill>
-                <a:schemeClr val="tx1">
-                  <a:tint val="75000"/>
-                </a:schemeClr>
-              </a:solidFill>
-              <a:latin typeface="나눔고딕" charset="0"/>
-              <a:ea typeface="나눔고딕" charset="0"/>
-            </a:endParaRPr>
-          </a:p>
-          <a:p>
-            <a:pPr marL="0" indent="0" algn="l" defTabSz="914400" latinLnBrk="1">
-              <a:lnSpc>
-                <a:spcPct val="100000"/>
-              </a:lnSpc>
-              <a:spcBef>
-                <a:spcPts val="700"/>
-              </a:spcBef>
-              <a:spcAft>
-                <a:spcPts val="0"/>
-              </a:spcAft>
-              <a:buFontTx/>
-              <a:buNone/>
-            </a:pPr>
-            <a:r>
-              <a:rPr lang="en-US" altLang="ko-KR" sz="1800" b="1">
-                <a:solidFill>
-                  <a:schemeClr val="tx1">
-                    <a:tint val="75000"/>
-                  </a:schemeClr>
-                </a:solidFill>
-                <a:latin typeface="나눔고딕" charset="0"/>
-                <a:ea typeface="나눔고딕" charset="0"/>
-              </a:rPr>
-              <a:t>- 관리자는 회원의 문의를 삭제할 수 있어야 한다.</a:t>
-            </a:r>
-            <a:endParaRPr lang="ko-KR" altLang="en-US" sz="1800" b="1">
-              <a:solidFill>
-                <a:schemeClr val="tx1">
-                  <a:tint val="75000"/>
-                </a:schemeClr>
-              </a:solidFill>
-              <a:latin typeface="나눔고딕" charset="0"/>
-              <a:ea typeface="나눔고딕" charset="0"/>
-            </a:endParaRPr>
-          </a:p>
-          <a:p>
-            <a:pPr marL="0" indent="0" algn="l" defTabSz="914400" latinLnBrk="1">
-              <a:lnSpc>
-                <a:spcPct val="100000"/>
-              </a:lnSpc>
-              <a:spcBef>
-                <a:spcPts val="700"/>
-              </a:spcBef>
-              <a:spcAft>
-                <a:spcPts val="0"/>
-              </a:spcAft>
-              <a:buFontTx/>
-              <a:buNone/>
-            </a:pPr>
-            <a:endParaRPr lang="ko-KR" altLang="en-US" sz="1800" b="1">
-              <a:solidFill>
-                <a:schemeClr val="tx1">
-                  <a:tint val="75000"/>
-                </a:schemeClr>
-              </a:solidFill>
-              <a:latin typeface="나눔고딕" charset="0"/>
-              <a:ea typeface="나눔고딕" charset="0"/>
-            </a:endParaRPr>
-          </a:p>
-        </p:txBody>
-      </p:sp>
-    </p:spTree>
-  </p:cSld>
-  <p:clrMapOvr>
-    <a:masterClrMapping/>
-  </p:clrMapOvr>
-  <mc:AlternateContent xmlns:mc="http://schemas.openxmlformats.org/markup-compatibility/2006">
-    <mc:Choice xmlns:p14="http://schemas.microsoft.com/office/powerpoint/2010/main" Requires="p14">
-      <p:transition spd="slow" p14:dur="2000"/>
-    </mc:Choice>
-    <mc:Fallback>
-      <p:transition spd="slow"/>
-    </mc:Fallback>
-  </mc:AlternateContent>
-  <p:timing>
-    <p:tnLst>
-      <p:par>
-        <p:cTn id="1" dur="indefinite" restart="never" nodeType="tmRoot"/>
-      </p:par>
-    </p:tnLst>
-  </p:timing>
-</p:sld>
-</file>
-
-<file path=ppt/slides/slide30.xml><?xml version="1.0" encoding="utf-8"?>
-<p:sld xmlns:a="http://schemas.openxmlformats.org/drawingml/2006/main" xmlns:r="http://schemas.openxmlformats.org/officeDocument/2006/relationships" xmlns:p="http://schemas.openxmlformats.org/presentationml/2006/main">
   <p:cSld>
     <p:spTree>
       <p:nvGrpSpPr>
@@ -9853,7 +13849,7 @@
       </p:grpSpPr>
       <p:pic>
         <p:nvPicPr>
-          <p:cNvPr id="2" name="그림 1" descr="C:/Users/user/AppData/Roaming/PolarisOffice/ETemp/11364_1539040/fImage1478653552995.jpeg"/>
+          <p:cNvPr id="2" name="그림 1"/>
           <p:cNvPicPr>
             <a:picLocks noChangeAspect="1"/>
           </p:cNvPicPr>
@@ -9893,11 +13889,18 @@
       <p:transition spd="slow"/>
     </mc:Fallback>
   </mc:AlternateContent>
+  <p:timing>
+    <p:tnLst>
+      <p:par>
+        <p:cTn id="1" dur="indefinite" restart="never" nodeType="tmRoot"/>
+      </p:par>
+    </p:tnLst>
+  </p:timing>
 </p:sld>
 </file>
 
 <file path=ppt/slides/slide4.xml><?xml version="1.0" encoding="utf-8"?>
-<p:sld xmlns:a="http://schemas.openxmlformats.org/drawingml/2006/main" xmlns:r="http://schemas.openxmlformats.org/officeDocument/2006/relationships" xmlns:p="http://schemas.openxmlformats.org/presentationml/2006/main" xmlns:p14="http://schemas.microsoft.com/office/powerpoint/2010/main">
+<p:sld xmlns:a="http://schemas.openxmlformats.org/drawingml/2006/main" xmlns:r="http://schemas.openxmlformats.org/officeDocument/2006/relationships" xmlns:p="http://schemas.openxmlformats.org/presentationml/2006/main">
   <p:cSld>
     <p:spTree>
       <p:nvGrpSpPr>
@@ -9926,7 +13929,7 @@
         <p:spPr>
           <a:xfrm rot="0">
             <a:off x="685800" y="307340"/>
-            <a:ext cx="7773035" cy="1470660"/>
+            <a:ext cx="7773670" cy="1471295"/>
           </a:xfrm>
           <a:prstGeom prst="rect"/>
         </p:spPr>
@@ -9968,15 +13971,34 @@
               <a:buNone/>
             </a:pPr>
             <a:r>
-              <a:rPr lang="ko-KR" altLang="ko-KR" sz="4400" b="1">
+              <a:rPr lang="en-US" altLang="ko-KR" sz="4400" b="1">
                 <a:solidFill>
                   <a:srgbClr val="716767"/>
                 </a:solidFill>
                 <a:latin typeface="나눔고딕" charset="0"/>
                 <a:ea typeface="나눔고딕" charset="0"/>
-                <a:cs typeface="+mj-cs"/>
-              </a:rPr>
-              <a:t>요구사항 분석</a:t>
+              </a:rPr>
+              <a:t>요구</a:t>
+            </a:r>
+            <a:r>
+              <a:rPr lang="en-US" altLang="ko-KR" sz="4400" b="1">
+                <a:solidFill>
+                  <a:srgbClr val="716767"/>
+                </a:solidFill>
+                <a:latin typeface="나눔고딕" charset="0"/>
+                <a:ea typeface="나눔고딕" charset="0"/>
+              </a:rPr>
+              <a:t>사</a:t>
+            </a:r>
+            <a:r>
+              <a:rPr lang="en-US" altLang="ko-KR" sz="4400" b="1">
+                <a:solidFill>
+                  <a:srgbClr val="716767"/>
+                </a:solidFill>
+                <a:latin typeface="나눔고딕" charset="0"/>
+                <a:ea typeface="나눔고딕" charset="0"/>
+              </a:rPr>
+              <a:t>항 분석</a:t>
             </a:r>
             <a:endParaRPr lang="ko-KR" altLang="en-US" sz="4400" b="1">
               <a:solidFill>
@@ -9984,23 +14006,22 @@
               </a:solidFill>
               <a:latin typeface="나눔고딕" charset="0"/>
               <a:ea typeface="나눔고딕" charset="0"/>
-              <a:cs typeface="+mj-cs"/>
             </a:endParaRPr>
           </a:p>
         </p:txBody>
       </p:sp>
       <p:sp>
         <p:nvSpPr>
-          <p:cNvPr id="4" name="텍스트 상자 3"/>
+          <p:cNvPr id="5" name="텍스트 상자 4"/>
           <p:cNvSpPr txBox="1">
             <a:spLocks/>
           </p:cNvSpPr>
           <p:nvPr/>
         </p:nvSpPr>
         <p:spPr>
-          <a:xfrm>
-            <a:off x="195580" y="1916430"/>
-            <a:ext cx="8752205" cy="3789045"/>
+          <a:xfrm rot="0">
+            <a:off x="195580" y="1701165"/>
+            <a:ext cx="8752840" cy="3789680"/>
           </a:xfrm>
           <a:prstGeom prst="rect"/>
         </p:spPr>
@@ -10232,7 +14253,79 @@
                 <a:latin typeface="나눔고딕" charset="0"/>
                 <a:ea typeface="나눔고딕" charset="0"/>
               </a:rPr>
-              <a:t>- 사용자는 회원가입을 할 수 있어야 한다.</a:t>
+              <a:t>- 등급</a:t>
+            </a:r>
+            <a:r>
+              <a:rPr lang="en-US" altLang="ko-KR" sz="1800" b="1">
+                <a:solidFill>
+                  <a:schemeClr val="tx1">
+                    <a:tint val="75000"/>
+                  </a:schemeClr>
+                </a:solidFill>
+                <a:latin typeface="나눔고딕" charset="0"/>
+                <a:ea typeface="나눔고딕" charset="0"/>
+              </a:rPr>
+              <a:t>으</a:t>
+            </a:r>
+            <a:r>
+              <a:rPr lang="en-US" altLang="ko-KR" sz="1800" b="1">
+                <a:solidFill>
+                  <a:schemeClr val="tx1">
+                    <a:tint val="75000"/>
+                  </a:schemeClr>
+                </a:solidFill>
+                <a:latin typeface="나눔고딕" charset="0"/>
+                <a:ea typeface="나눔고딕" charset="0"/>
+              </a:rPr>
+              <a:t>로 회원과</a:t>
+            </a:r>
+            <a:r>
+              <a:rPr lang="en-US" altLang="ko-KR" sz="1800" b="1">
+                <a:solidFill>
+                  <a:schemeClr val="tx1">
+                    <a:tint val="75000"/>
+                  </a:schemeClr>
+                </a:solidFill>
+                <a:latin typeface="나눔고딕" charset="0"/>
+                <a:ea typeface="나눔고딕" charset="0"/>
+              </a:rPr>
+              <a:t> </a:t>
+            </a:r>
+            <a:r>
+              <a:rPr lang="en-US" altLang="ko-KR" sz="1800" b="1">
+                <a:solidFill>
+                  <a:schemeClr val="tx1">
+                    <a:tint val="75000"/>
+                  </a:schemeClr>
+                </a:solidFill>
+                <a:latin typeface="나눔고딕" charset="0"/>
+                <a:ea typeface="나눔고딕" charset="0"/>
+              </a:rPr>
+              <a:t>관리자를 식별한</a:t>
+            </a:r>
+            <a:r>
+              <a:rPr lang="en-US" altLang="ko-KR" sz="1800" b="1">
+                <a:solidFill>
+                  <a:schemeClr val="tx1">
+                    <a:tint val="75000"/>
+                  </a:schemeClr>
+                </a:solidFill>
+                <a:latin typeface="나눔고딕" charset="0"/>
+                <a:ea typeface="나눔고딕" charset="0"/>
+              </a:rPr>
+              <a:t>다</a:t>
+            </a:r>
+            <a:r>
+              <a:rPr lang="en-US" altLang="ko-KR" sz="1800" b="1">
+                <a:solidFill>
+                  <a:schemeClr val="tx1">
+                    <a:tint val="75000"/>
+                  </a:schemeClr>
+                </a:solidFill>
+                <a:latin typeface="나눔고딕" charset="0"/>
+                <a:ea typeface="나눔고딕" charset="0"/>
+              </a:rPr>
+              <a:t>.</a:t>
             </a:r>
             <a:endParaRPr lang="ko-KR" altLang="en-US" sz="1800" b="1">
               <a:solidFill>
@@ -10268,7 +14361,235 @@
                 <a:latin typeface="나눔고딕" charset="0"/>
                 <a:ea typeface="나눔고딕" charset="0"/>
               </a:rPr>
-              <a:t>- 사용자는 로그인이 가능해야 한다.</a:t>
+              <a:t>-</a:t>
+            </a:r>
+            <a:r>
+              <a:rPr lang="en-US" altLang="ko-KR" sz="1800" b="1">
+                <a:solidFill>
+                  <a:schemeClr val="tx1">
+                    <a:tint val="75000"/>
+                  </a:schemeClr>
+                </a:solidFill>
+                <a:latin typeface="나눔고딕" charset="0"/>
+                <a:ea typeface="나눔고딕" charset="0"/>
+              </a:rPr>
+              <a:t> </a:t>
+            </a:r>
+            <a:r>
+              <a:rPr lang="en-US" altLang="ko-KR" sz="1800" b="1">
+                <a:solidFill>
+                  <a:schemeClr val="tx1">
+                    <a:tint val="75000"/>
+                  </a:schemeClr>
+                </a:solidFill>
+                <a:latin typeface="나눔고딕" charset="0"/>
+                <a:ea typeface="나눔고딕" charset="0"/>
+              </a:rPr>
+              <a:t>관리</a:t>
+            </a:r>
+            <a:r>
+              <a:rPr lang="en-US" altLang="ko-KR" sz="1800" b="1">
+                <a:solidFill>
+                  <a:schemeClr val="tx1">
+                    <a:tint val="75000"/>
+                  </a:schemeClr>
+                </a:solidFill>
+                <a:latin typeface="나눔고딕" charset="0"/>
+                <a:ea typeface="나눔고딕" charset="0"/>
+              </a:rPr>
+              <a:t>자</a:t>
+            </a:r>
+            <a:r>
+              <a:rPr lang="en-US" altLang="ko-KR" sz="1800" b="1">
+                <a:solidFill>
+                  <a:schemeClr val="tx1">
+                    <a:tint val="75000"/>
+                  </a:schemeClr>
+                </a:solidFill>
+                <a:latin typeface="나눔고딕" charset="0"/>
+                <a:ea typeface="나눔고딕" charset="0"/>
+              </a:rPr>
+              <a:t>는 </a:t>
+            </a:r>
+            <a:r>
+              <a:rPr lang="en-US" altLang="ko-KR" sz="1800" b="1">
+                <a:solidFill>
+                  <a:schemeClr val="tx1">
+                    <a:tint val="75000"/>
+                  </a:schemeClr>
+                </a:solidFill>
+                <a:latin typeface="나눔고딕" charset="0"/>
+                <a:ea typeface="나눔고딕" charset="0"/>
+              </a:rPr>
+              <a:t>차</a:t>
+            </a:r>
+            <a:r>
+              <a:rPr lang="en-US" altLang="ko-KR" sz="1800" b="1">
+                <a:solidFill>
+                  <a:schemeClr val="tx1">
+                    <a:tint val="75000"/>
+                  </a:schemeClr>
+                </a:solidFill>
+                <a:latin typeface="나눔고딕" charset="0"/>
+                <a:ea typeface="나눔고딕" charset="0"/>
+              </a:rPr>
+              <a:t>량</a:t>
+            </a:r>
+            <a:r>
+              <a:rPr lang="en-US" altLang="ko-KR" sz="1800" b="1">
+                <a:solidFill>
+                  <a:schemeClr val="tx1">
+                    <a:tint val="75000"/>
+                  </a:schemeClr>
+                </a:solidFill>
+                <a:latin typeface="나눔고딕" charset="0"/>
+                <a:ea typeface="나눔고딕" charset="0"/>
+              </a:rPr>
+              <a:t>을</a:t>
+            </a:r>
+            <a:r>
+              <a:rPr lang="en-US" altLang="ko-KR" sz="1800" b="1">
+                <a:solidFill>
+                  <a:schemeClr val="tx1">
+                    <a:tint val="75000"/>
+                  </a:schemeClr>
+                </a:solidFill>
+                <a:latin typeface="나눔고딕" charset="0"/>
+                <a:ea typeface="나눔고딕" charset="0"/>
+              </a:rPr>
+              <a:t> </a:t>
+            </a:r>
+            <a:r>
+              <a:rPr lang="en-US" altLang="ko-KR" sz="1800" b="1">
+                <a:solidFill>
+                  <a:schemeClr val="tx1">
+                    <a:tint val="75000"/>
+                  </a:schemeClr>
+                </a:solidFill>
+                <a:latin typeface="나눔고딕" charset="0"/>
+                <a:ea typeface="나눔고딕" charset="0"/>
+              </a:rPr>
+              <a:t>추</a:t>
+            </a:r>
+            <a:r>
+              <a:rPr lang="en-US" altLang="ko-KR" sz="1800" b="1">
+                <a:solidFill>
+                  <a:schemeClr val="tx1">
+                    <a:tint val="75000"/>
+                  </a:schemeClr>
+                </a:solidFill>
+                <a:latin typeface="나눔고딕" charset="0"/>
+                <a:ea typeface="나눔고딕" charset="0"/>
+              </a:rPr>
+              <a:t>가</a:t>
+            </a:r>
+            <a:r>
+              <a:rPr lang="en-US" altLang="ko-KR" sz="1800" b="1">
+                <a:solidFill>
+                  <a:schemeClr val="tx1">
+                    <a:tint val="75000"/>
+                  </a:schemeClr>
+                </a:solidFill>
+                <a:latin typeface="나눔고딕" charset="0"/>
+                <a:ea typeface="나눔고딕" charset="0"/>
+              </a:rPr>
+              <a:t>할</a:t>
+            </a:r>
+            <a:r>
+              <a:rPr lang="en-US" altLang="ko-KR" sz="1800" b="1">
+                <a:solidFill>
+                  <a:schemeClr val="tx1">
+                    <a:tint val="75000"/>
+                  </a:schemeClr>
+                </a:solidFill>
+                <a:latin typeface="나눔고딕" charset="0"/>
+                <a:ea typeface="나눔고딕" charset="0"/>
+              </a:rPr>
+              <a:t> </a:t>
+            </a:r>
+            <a:r>
+              <a:rPr lang="en-US" altLang="ko-KR" sz="1800" b="1">
+                <a:solidFill>
+                  <a:schemeClr val="tx1">
+                    <a:tint val="75000"/>
+                  </a:schemeClr>
+                </a:solidFill>
+                <a:latin typeface="나눔고딕" charset="0"/>
+                <a:ea typeface="나눔고딕" charset="0"/>
+              </a:rPr>
+              <a:t>수</a:t>
+            </a:r>
+            <a:r>
+              <a:rPr lang="en-US" altLang="ko-KR" sz="1800" b="1">
+                <a:solidFill>
+                  <a:schemeClr val="tx1">
+                    <a:tint val="75000"/>
+                  </a:schemeClr>
+                </a:solidFill>
+                <a:latin typeface="나눔고딕" charset="0"/>
+                <a:ea typeface="나눔고딕" charset="0"/>
+              </a:rPr>
+              <a:t> </a:t>
+            </a:r>
+            <a:r>
+              <a:rPr lang="en-US" altLang="ko-KR" sz="1800" b="1">
+                <a:solidFill>
+                  <a:schemeClr val="tx1">
+                    <a:tint val="75000"/>
+                  </a:schemeClr>
+                </a:solidFill>
+                <a:latin typeface="나눔고딕" charset="0"/>
+                <a:ea typeface="나눔고딕" charset="0"/>
+              </a:rPr>
+              <a:t>있</a:t>
+            </a:r>
+            <a:r>
+              <a:rPr lang="en-US" altLang="ko-KR" sz="1800" b="1">
+                <a:solidFill>
+                  <a:schemeClr val="tx1">
+                    <a:tint val="75000"/>
+                  </a:schemeClr>
+                </a:solidFill>
+                <a:latin typeface="나눔고딕" charset="0"/>
+                <a:ea typeface="나눔고딕" charset="0"/>
+              </a:rPr>
+              <a:t>어</a:t>
+            </a:r>
+            <a:r>
+              <a:rPr lang="en-US" altLang="ko-KR" sz="1800" b="1">
+                <a:solidFill>
+                  <a:schemeClr val="tx1">
+                    <a:tint val="75000"/>
+                  </a:schemeClr>
+                </a:solidFill>
+                <a:latin typeface="나눔고딕" charset="0"/>
+                <a:ea typeface="나눔고딕" charset="0"/>
+              </a:rPr>
+              <a:t>야</a:t>
+            </a:r>
+            <a:r>
+              <a:rPr lang="en-US" altLang="ko-KR" sz="1800" b="1">
+                <a:solidFill>
+                  <a:schemeClr val="tx1">
+                    <a:tint val="75000"/>
+                  </a:schemeClr>
+                </a:solidFill>
+                <a:latin typeface="나눔고딕" charset="0"/>
+                <a:ea typeface="나눔고딕" charset="0"/>
+              </a:rPr>
+              <a:t> 한다</a:t>
+            </a:r>
+            <a:r>
+              <a:rPr lang="en-US" altLang="ko-KR" sz="1800" b="1">
+                <a:solidFill>
+                  <a:schemeClr val="tx1">
+                    <a:tint val="75000"/>
+                  </a:schemeClr>
+                </a:solidFill>
+                <a:latin typeface="나눔고딕" charset="0"/>
+                <a:ea typeface="나눔고딕" charset="0"/>
+              </a:rPr>
+              <a:t>.</a:t>
             </a:r>
             <a:endParaRPr lang="ko-KR" altLang="en-US" sz="1800" b="1">
               <a:solidFill>
@@ -10304,7 +14625,103 @@
                 <a:latin typeface="나눔고딕" charset="0"/>
                 <a:ea typeface="나눔고딕" charset="0"/>
               </a:rPr>
-              <a:t>- 로그인된 회원만 서비스를 이용할 수 있다.</a:t>
+              <a:t>-</a:t>
+            </a:r>
+            <a:r>
+              <a:rPr lang="en-US" altLang="ko-KR" sz="1800" b="1">
+                <a:solidFill>
+                  <a:schemeClr val="tx1">
+                    <a:tint val="75000"/>
+                  </a:schemeClr>
+                </a:solidFill>
+                <a:latin typeface="나눔고딕" charset="0"/>
+                <a:ea typeface="나눔고딕" charset="0"/>
+              </a:rPr>
+              <a:t> </a:t>
+            </a:r>
+            <a:r>
+              <a:rPr lang="en-US" altLang="ko-KR" sz="1800" b="1">
+                <a:solidFill>
+                  <a:schemeClr val="tx1">
+                    <a:tint val="75000"/>
+                  </a:schemeClr>
+                </a:solidFill>
+                <a:latin typeface="나눔고딕" charset="0"/>
+                <a:ea typeface="나눔고딕" charset="0"/>
+              </a:rPr>
+              <a:t>관리자는 모</a:t>
+            </a:r>
+            <a:r>
+              <a:rPr lang="en-US" altLang="ko-KR" sz="1800" b="1">
+                <a:solidFill>
+                  <a:schemeClr val="tx1">
+                    <a:tint val="75000"/>
+                  </a:schemeClr>
+                </a:solidFill>
+                <a:latin typeface="나눔고딕" charset="0"/>
+                <a:ea typeface="나눔고딕" charset="0"/>
+              </a:rPr>
+              <a:t>든</a:t>
+            </a:r>
+            <a:r>
+              <a:rPr lang="en-US" altLang="ko-KR" sz="1800" b="1">
+                <a:solidFill>
+                  <a:schemeClr val="tx1">
+                    <a:tint val="75000"/>
+                  </a:schemeClr>
+                </a:solidFill>
+                <a:latin typeface="나눔고딕" charset="0"/>
+                <a:ea typeface="나눔고딕" charset="0"/>
+              </a:rPr>
+              <a:t> 차량을 </a:t>
+            </a:r>
+            <a:r>
+              <a:rPr lang="en-US" altLang="ko-KR" sz="1800" b="1">
+                <a:solidFill>
+                  <a:schemeClr val="tx1">
+                    <a:tint val="75000"/>
+                  </a:schemeClr>
+                </a:solidFill>
+                <a:latin typeface="나눔고딕" charset="0"/>
+                <a:ea typeface="나눔고딕" charset="0"/>
+              </a:rPr>
+              <a:t>확</a:t>
+            </a:r>
+            <a:r>
+              <a:rPr lang="en-US" altLang="ko-KR" sz="1800" b="1">
+                <a:solidFill>
+                  <a:schemeClr val="tx1">
+                    <a:tint val="75000"/>
+                  </a:schemeClr>
+                </a:solidFill>
+                <a:latin typeface="나눔고딕" charset="0"/>
+                <a:ea typeface="나눔고딕" charset="0"/>
+              </a:rPr>
+              <a:t>인할 수 있</a:t>
+            </a:r>
+            <a:r>
+              <a:rPr lang="en-US" altLang="ko-KR" sz="1800" b="1">
+                <a:solidFill>
+                  <a:schemeClr val="tx1">
+                    <a:tint val="75000"/>
+                  </a:schemeClr>
+                </a:solidFill>
+                <a:latin typeface="나눔고딕" charset="0"/>
+                <a:ea typeface="나눔고딕" charset="0"/>
+              </a:rPr>
+              <a:t>어</a:t>
+            </a:r>
+            <a:r>
+              <a:rPr lang="en-US" altLang="ko-KR" sz="1800" b="1">
+                <a:solidFill>
+                  <a:schemeClr val="tx1">
+                    <a:tint val="75000"/>
+                  </a:schemeClr>
+                </a:solidFill>
+                <a:latin typeface="나눔고딕" charset="0"/>
+                <a:ea typeface="나눔고딕" charset="0"/>
+              </a:rPr>
+              <a:t>야 한다.</a:t>
             </a:r>
             <a:endParaRPr lang="ko-KR" altLang="en-US" sz="1800" b="1">
               <a:solidFill>
@@ -10340,7 +14757,283 @@
                 <a:latin typeface="나눔고딕" charset="0"/>
                 <a:ea typeface="나눔고딕" charset="0"/>
               </a:rPr>
-              <a:t>- 회원은 사용방법을 알 수 있어야 한다.</a:t>
+              <a:t>-</a:t>
+            </a:r>
+            <a:r>
+              <a:rPr lang="en-US" altLang="ko-KR" sz="1800" b="1">
+                <a:solidFill>
+                  <a:schemeClr val="tx1">
+                    <a:tint val="75000"/>
+                  </a:schemeClr>
+                </a:solidFill>
+                <a:latin typeface="나눔고딕" charset="0"/>
+                <a:ea typeface="나눔고딕" charset="0"/>
+              </a:rPr>
+              <a:t> </a:t>
+            </a:r>
+            <a:r>
+              <a:rPr lang="en-US" altLang="ko-KR" sz="1800" b="1">
+                <a:solidFill>
+                  <a:schemeClr val="tx1">
+                    <a:tint val="75000"/>
+                  </a:schemeClr>
+                </a:solidFill>
+                <a:latin typeface="나눔고딕" charset="0"/>
+                <a:ea typeface="나눔고딕" charset="0"/>
+              </a:rPr>
+              <a:t>관리자는 </a:t>
+            </a:r>
+            <a:r>
+              <a:rPr lang="en-US" altLang="ko-KR" sz="1800" b="1">
+                <a:solidFill>
+                  <a:schemeClr val="tx1">
+                    <a:tint val="75000"/>
+                  </a:schemeClr>
+                </a:solidFill>
+                <a:latin typeface="나눔고딕" charset="0"/>
+                <a:ea typeface="나눔고딕" charset="0"/>
+              </a:rPr>
+              <a:t>차</a:t>
+            </a:r>
+            <a:r>
+              <a:rPr lang="en-US" altLang="ko-KR" sz="1800" b="1">
+                <a:solidFill>
+                  <a:schemeClr val="tx1">
+                    <a:tint val="75000"/>
+                  </a:schemeClr>
+                </a:solidFill>
+                <a:latin typeface="나눔고딕" charset="0"/>
+                <a:ea typeface="나눔고딕" charset="0"/>
+              </a:rPr>
+              <a:t>량</a:t>
+            </a:r>
+            <a:r>
+              <a:rPr lang="en-US" altLang="ko-KR" sz="1800" b="1">
+                <a:solidFill>
+                  <a:schemeClr val="tx1">
+                    <a:tint val="75000"/>
+                  </a:schemeClr>
+                </a:solidFill>
+                <a:latin typeface="나눔고딕" charset="0"/>
+                <a:ea typeface="나눔고딕" charset="0"/>
+              </a:rPr>
+              <a:t>의</a:t>
+            </a:r>
+            <a:r>
+              <a:rPr lang="en-US" altLang="ko-KR" sz="1800" b="1">
+                <a:solidFill>
+                  <a:schemeClr val="tx1">
+                    <a:tint val="75000"/>
+                  </a:schemeClr>
+                </a:solidFill>
+                <a:latin typeface="나눔고딕" charset="0"/>
+                <a:ea typeface="나눔고딕" charset="0"/>
+              </a:rPr>
+              <a:t> 모든</a:t>
+            </a:r>
+            <a:r>
+              <a:rPr lang="en-US" altLang="ko-KR" sz="1800" b="1">
+                <a:solidFill>
+                  <a:schemeClr val="tx1">
+                    <a:tint val="75000"/>
+                  </a:schemeClr>
+                </a:solidFill>
+                <a:latin typeface="나눔고딕" charset="0"/>
+                <a:ea typeface="나눔고딕" charset="0"/>
+              </a:rPr>
+              <a:t> </a:t>
+            </a:r>
+            <a:r>
+              <a:rPr lang="en-US" altLang="ko-KR" sz="1800" b="1">
+                <a:solidFill>
+                  <a:schemeClr val="tx1">
+                    <a:tint val="75000"/>
+                  </a:schemeClr>
+                </a:solidFill>
+                <a:latin typeface="나눔고딕" charset="0"/>
+                <a:ea typeface="나눔고딕" charset="0"/>
+              </a:rPr>
+              <a:t>상</a:t>
+            </a:r>
+            <a:r>
+              <a:rPr lang="en-US" altLang="ko-KR" sz="1800" b="1">
+                <a:solidFill>
+                  <a:schemeClr val="tx1">
+                    <a:tint val="75000"/>
+                  </a:schemeClr>
+                </a:solidFill>
+                <a:latin typeface="나눔고딕" charset="0"/>
+                <a:ea typeface="나눔고딕" charset="0"/>
+              </a:rPr>
+              <a:t>세</a:t>
+            </a:r>
+            <a:r>
+              <a:rPr lang="en-US" altLang="ko-KR" sz="1800" b="1">
+                <a:solidFill>
+                  <a:schemeClr val="tx1">
+                    <a:tint val="75000"/>
+                  </a:schemeClr>
+                </a:solidFill>
+                <a:latin typeface="나눔고딕" charset="0"/>
+                <a:ea typeface="나눔고딕" charset="0"/>
+              </a:rPr>
+              <a:t>정보</a:t>
+            </a:r>
+            <a:r>
+              <a:rPr lang="en-US" altLang="ko-KR" sz="1800" b="1">
+                <a:solidFill>
+                  <a:schemeClr val="tx1">
+                    <a:tint val="75000"/>
+                  </a:schemeClr>
+                </a:solidFill>
+                <a:latin typeface="나눔고딕" charset="0"/>
+                <a:ea typeface="나눔고딕" charset="0"/>
+              </a:rPr>
+              <a:t>를</a:t>
+            </a:r>
+            <a:r>
+              <a:rPr lang="en-US" altLang="ko-KR" sz="1800" b="1">
+                <a:solidFill>
+                  <a:schemeClr val="tx1">
+                    <a:tint val="75000"/>
+                  </a:schemeClr>
+                </a:solidFill>
+                <a:latin typeface="나눔고딕" charset="0"/>
+                <a:ea typeface="나눔고딕" charset="0"/>
+              </a:rPr>
+              <a:t> </a:t>
+            </a:r>
+            <a:r>
+              <a:rPr lang="en-US" altLang="ko-KR" sz="1800" b="1">
+                <a:solidFill>
+                  <a:schemeClr val="tx1">
+                    <a:tint val="75000"/>
+                  </a:schemeClr>
+                </a:solidFill>
+                <a:latin typeface="나눔고딕" charset="0"/>
+                <a:ea typeface="나눔고딕" charset="0"/>
+              </a:rPr>
+              <a:t>확</a:t>
+            </a:r>
+            <a:r>
+              <a:rPr lang="en-US" altLang="ko-KR" sz="1800" b="1">
+                <a:solidFill>
+                  <a:schemeClr val="tx1">
+                    <a:tint val="75000"/>
+                  </a:schemeClr>
+                </a:solidFill>
+                <a:latin typeface="나눔고딕" charset="0"/>
+                <a:ea typeface="나눔고딕" charset="0"/>
+              </a:rPr>
+              <a:t>인</a:t>
+            </a:r>
+            <a:r>
+              <a:rPr lang="en-US" altLang="ko-KR" sz="1800" b="1">
+                <a:solidFill>
+                  <a:schemeClr val="tx1">
+                    <a:tint val="75000"/>
+                  </a:schemeClr>
+                </a:solidFill>
+                <a:latin typeface="나눔고딕" charset="0"/>
+                <a:ea typeface="나눔고딕" charset="0"/>
+              </a:rPr>
+              <a:t>할 </a:t>
+            </a:r>
+            <a:r>
+              <a:rPr lang="en-US" altLang="ko-KR" sz="1800" b="1">
+                <a:solidFill>
+                  <a:schemeClr val="tx1">
+                    <a:tint val="75000"/>
+                  </a:schemeClr>
+                </a:solidFill>
+                <a:latin typeface="나눔고딕" charset="0"/>
+                <a:ea typeface="나눔고딕" charset="0"/>
+              </a:rPr>
+              <a:t>수</a:t>
+            </a:r>
+            <a:r>
+              <a:rPr lang="en-US" altLang="ko-KR" sz="1800" b="1">
+                <a:solidFill>
+                  <a:schemeClr val="tx1">
+                    <a:tint val="75000"/>
+                  </a:schemeClr>
+                </a:solidFill>
+                <a:latin typeface="나눔고딕" charset="0"/>
+                <a:ea typeface="나눔고딕" charset="0"/>
+              </a:rPr>
+              <a:t> </a:t>
+            </a:r>
+            <a:r>
+              <a:rPr lang="en-US" altLang="ko-KR" sz="1800" b="1">
+                <a:solidFill>
+                  <a:schemeClr val="tx1">
+                    <a:tint val="75000"/>
+                  </a:schemeClr>
+                </a:solidFill>
+                <a:latin typeface="나눔고딕" charset="0"/>
+                <a:ea typeface="나눔고딕" charset="0"/>
+              </a:rPr>
+              <a:t>있</a:t>
+            </a:r>
+            <a:r>
+              <a:rPr lang="en-US" altLang="ko-KR" sz="1800" b="1">
+                <a:solidFill>
+                  <a:schemeClr val="tx1">
+                    <a:tint val="75000"/>
+                  </a:schemeClr>
+                </a:solidFill>
+                <a:latin typeface="나눔고딕" charset="0"/>
+                <a:ea typeface="나눔고딕" charset="0"/>
+              </a:rPr>
+              <a:t>어</a:t>
+            </a:r>
+            <a:r>
+              <a:rPr lang="en-US" altLang="ko-KR" sz="1800" b="1">
+                <a:solidFill>
+                  <a:schemeClr val="tx1">
+                    <a:tint val="75000"/>
+                  </a:schemeClr>
+                </a:solidFill>
+                <a:latin typeface="나눔고딕" charset="0"/>
+                <a:ea typeface="나눔고딕" charset="0"/>
+              </a:rPr>
+              <a:t>야</a:t>
+            </a:r>
+            <a:r>
+              <a:rPr lang="en-US" altLang="ko-KR" sz="1800" b="1">
+                <a:solidFill>
+                  <a:schemeClr val="tx1">
+                    <a:tint val="75000"/>
+                  </a:schemeClr>
+                </a:solidFill>
+                <a:latin typeface="나눔고딕" charset="0"/>
+                <a:ea typeface="나눔고딕" charset="0"/>
+              </a:rPr>
+              <a:t> 한</a:t>
+            </a:r>
+            <a:r>
+              <a:rPr lang="en-US" altLang="ko-KR" sz="1800" b="1">
+                <a:solidFill>
+                  <a:schemeClr val="tx1">
+                    <a:tint val="75000"/>
+                  </a:schemeClr>
+                </a:solidFill>
+                <a:latin typeface="나눔고딕" charset="0"/>
+                <a:ea typeface="나눔고딕" charset="0"/>
+              </a:rPr>
+              <a:t>다</a:t>
+            </a:r>
+            <a:r>
+              <a:rPr lang="en-US" altLang="ko-KR" sz="1800" b="1">
+                <a:solidFill>
+                  <a:schemeClr val="tx1">
+                    <a:tint val="75000"/>
+                  </a:schemeClr>
+                </a:solidFill>
+                <a:latin typeface="나눔고딕" charset="0"/>
+                <a:ea typeface="나눔고딕" charset="0"/>
+              </a:rPr>
+              <a:t>.</a:t>
             </a:r>
             <a:endParaRPr lang="ko-KR" altLang="en-US" sz="1800" b="1">
               <a:solidFill>
@@ -10376,7 +15069,127 @@
                 <a:latin typeface="나눔고딕" charset="0"/>
                 <a:ea typeface="나눔고딕" charset="0"/>
               </a:rPr>
-              <a:t>- 회원은 현재위치에서 사용가능한 차량을 확인할 수 있어야 한다.</a:t>
+              <a:t>-</a:t>
+            </a:r>
+            <a:r>
+              <a:rPr lang="en-US" altLang="ko-KR" sz="1800" b="1">
+                <a:solidFill>
+                  <a:schemeClr val="tx1">
+                    <a:tint val="75000"/>
+                  </a:schemeClr>
+                </a:solidFill>
+                <a:latin typeface="나눔고딕" charset="0"/>
+                <a:ea typeface="나눔고딕" charset="0"/>
+              </a:rPr>
+              <a:t> 관리자는</a:t>
+            </a:r>
+            <a:r>
+              <a:rPr lang="en-US" altLang="ko-KR" sz="1800" b="1">
+                <a:solidFill>
+                  <a:schemeClr val="tx1">
+                    <a:tint val="75000"/>
+                  </a:schemeClr>
+                </a:solidFill>
+                <a:latin typeface="나눔고딕" charset="0"/>
+                <a:ea typeface="나눔고딕" charset="0"/>
+              </a:rPr>
+              <a:t> </a:t>
+            </a:r>
+            <a:r>
+              <a:rPr lang="en-US" altLang="ko-KR" sz="1800" b="1">
+                <a:solidFill>
+                  <a:schemeClr val="tx1">
+                    <a:tint val="75000"/>
+                  </a:schemeClr>
+                </a:solidFill>
+                <a:latin typeface="나눔고딕" charset="0"/>
+                <a:ea typeface="나눔고딕" charset="0"/>
+              </a:rPr>
+              <a:t>차량을 </a:t>
+            </a:r>
+            <a:r>
+              <a:rPr lang="en-US" altLang="ko-KR" sz="1800" b="1">
+                <a:solidFill>
+                  <a:schemeClr val="tx1">
+                    <a:tint val="75000"/>
+                  </a:schemeClr>
+                </a:solidFill>
+                <a:latin typeface="나눔고딕" charset="0"/>
+                <a:ea typeface="나눔고딕" charset="0"/>
+              </a:rPr>
+              <a:t>삭</a:t>
+            </a:r>
+            <a:r>
+              <a:rPr lang="en-US" altLang="ko-KR" sz="1800" b="1">
+                <a:solidFill>
+                  <a:schemeClr val="tx1">
+                    <a:tint val="75000"/>
+                  </a:schemeClr>
+                </a:solidFill>
+                <a:latin typeface="나눔고딕" charset="0"/>
+                <a:ea typeface="나눔고딕" charset="0"/>
+              </a:rPr>
+              <a:t>제</a:t>
+            </a:r>
+            <a:r>
+              <a:rPr lang="en-US" altLang="ko-KR" sz="1800" b="1">
+                <a:solidFill>
+                  <a:schemeClr val="tx1">
+                    <a:tint val="75000"/>
+                  </a:schemeClr>
+                </a:solidFill>
+                <a:latin typeface="나눔고딕" charset="0"/>
+                <a:ea typeface="나눔고딕" charset="0"/>
+              </a:rPr>
+              <a:t>할 수 </a:t>
+            </a:r>
+            <a:r>
+              <a:rPr lang="en-US" altLang="ko-KR" sz="1800" b="1">
+                <a:solidFill>
+                  <a:schemeClr val="tx1">
+                    <a:tint val="75000"/>
+                  </a:schemeClr>
+                </a:solidFill>
+                <a:latin typeface="나눔고딕" charset="0"/>
+                <a:ea typeface="나눔고딕" charset="0"/>
+              </a:rPr>
+              <a:t>있</a:t>
+            </a:r>
+            <a:r>
+              <a:rPr lang="en-US" altLang="ko-KR" sz="1800" b="1">
+                <a:solidFill>
+                  <a:schemeClr val="tx1">
+                    <a:tint val="75000"/>
+                  </a:schemeClr>
+                </a:solidFill>
+                <a:latin typeface="나눔고딕" charset="0"/>
+                <a:ea typeface="나눔고딕" charset="0"/>
+              </a:rPr>
+              <a:t>어</a:t>
+            </a:r>
+            <a:r>
+              <a:rPr lang="en-US" altLang="ko-KR" sz="1800" b="1">
+                <a:solidFill>
+                  <a:schemeClr val="tx1">
+                    <a:tint val="75000"/>
+                  </a:schemeClr>
+                </a:solidFill>
+                <a:latin typeface="나눔고딕" charset="0"/>
+                <a:ea typeface="나눔고딕" charset="0"/>
+              </a:rPr>
+              <a:t>야</a:t>
+            </a:r>
+            <a:r>
+              <a:rPr lang="en-US" altLang="ko-KR" sz="1800" b="1">
+                <a:solidFill>
+                  <a:schemeClr val="tx1">
+                    <a:tint val="75000"/>
+                  </a:schemeClr>
+                </a:solidFill>
+                <a:latin typeface="나눔고딕" charset="0"/>
+                <a:ea typeface="나눔고딕" charset="0"/>
+              </a:rPr>
+              <a:t> 한다.</a:t>
             </a:r>
             <a:endParaRPr lang="ko-KR" altLang="en-US" sz="1800" b="1">
               <a:solidFill>
@@ -10412,7 +15225,127 @@
                 <a:latin typeface="나눔고딕" charset="0"/>
                 <a:ea typeface="나눔고딕" charset="0"/>
               </a:rPr>
-              <a:t>- 회원은 차량 정보를 확인할 수 있어야 한다.</a:t>
+              <a:t>-</a:t>
+            </a:r>
+            <a:r>
+              <a:rPr lang="en-US" altLang="ko-KR" sz="1800" b="1">
+                <a:solidFill>
+                  <a:schemeClr val="tx1">
+                    <a:tint val="75000"/>
+                  </a:schemeClr>
+                </a:solidFill>
+                <a:latin typeface="나눔고딕" charset="0"/>
+                <a:ea typeface="나눔고딕" charset="0"/>
+              </a:rPr>
+              <a:t> </a:t>
+            </a:r>
+            <a:r>
+              <a:rPr lang="en-US" altLang="ko-KR" sz="1800" b="1">
+                <a:solidFill>
+                  <a:schemeClr val="tx1">
+                    <a:tint val="75000"/>
+                  </a:schemeClr>
+                </a:solidFill>
+                <a:latin typeface="나눔고딕" charset="0"/>
+                <a:ea typeface="나눔고딕" charset="0"/>
+              </a:rPr>
+              <a:t>관리자는 회</a:t>
+            </a:r>
+            <a:r>
+              <a:rPr lang="en-US" altLang="ko-KR" sz="1800" b="1">
+                <a:solidFill>
+                  <a:schemeClr val="tx1">
+                    <a:tint val="75000"/>
+                  </a:schemeClr>
+                </a:solidFill>
+                <a:latin typeface="나눔고딕" charset="0"/>
+                <a:ea typeface="나눔고딕" charset="0"/>
+              </a:rPr>
+              <a:t>원</a:t>
+            </a:r>
+            <a:r>
+              <a:rPr lang="en-US" altLang="ko-KR" sz="1800" b="1">
+                <a:solidFill>
+                  <a:schemeClr val="tx1">
+                    <a:tint val="75000"/>
+                  </a:schemeClr>
+                </a:solidFill>
+                <a:latin typeface="나눔고딕" charset="0"/>
+                <a:ea typeface="나눔고딕" charset="0"/>
+              </a:rPr>
+              <a:t>정보를 관</a:t>
+            </a:r>
+            <a:r>
+              <a:rPr lang="en-US" altLang="ko-KR" sz="1800" b="1">
+                <a:solidFill>
+                  <a:schemeClr val="tx1">
+                    <a:tint val="75000"/>
+                  </a:schemeClr>
+                </a:solidFill>
+                <a:latin typeface="나눔고딕" charset="0"/>
+                <a:ea typeface="나눔고딕" charset="0"/>
+              </a:rPr>
+              <a:t>리</a:t>
+            </a:r>
+            <a:r>
+              <a:rPr lang="en-US" altLang="ko-KR" sz="1800" b="1">
+                <a:solidFill>
+                  <a:schemeClr val="tx1">
+                    <a:tint val="75000"/>
+                  </a:schemeClr>
+                </a:solidFill>
+                <a:latin typeface="나눔고딕" charset="0"/>
+                <a:ea typeface="나눔고딕" charset="0"/>
+              </a:rPr>
+              <a:t>할 수 있어</a:t>
+            </a:r>
+            <a:r>
+              <a:rPr lang="en-US" altLang="ko-KR" sz="1800" b="1">
+                <a:solidFill>
+                  <a:schemeClr val="tx1">
+                    <a:tint val="75000"/>
+                  </a:schemeClr>
+                </a:solidFill>
+                <a:latin typeface="나눔고딕" charset="0"/>
+                <a:ea typeface="나눔고딕" charset="0"/>
+              </a:rPr>
+              <a:t>야</a:t>
+            </a:r>
+            <a:r>
+              <a:rPr lang="en-US" altLang="ko-KR" sz="1800" b="1">
+                <a:solidFill>
+                  <a:schemeClr val="tx1">
+                    <a:tint val="75000"/>
+                  </a:schemeClr>
+                </a:solidFill>
+                <a:latin typeface="나눔고딕" charset="0"/>
+                <a:ea typeface="나눔고딕" charset="0"/>
+              </a:rPr>
+              <a:t> </a:t>
+            </a:r>
+            <a:r>
+              <a:rPr lang="en-US" altLang="ko-KR" sz="1800" b="1">
+                <a:solidFill>
+                  <a:schemeClr val="tx1">
+                    <a:tint val="75000"/>
+                  </a:schemeClr>
+                </a:solidFill>
+                <a:latin typeface="나눔고딕" charset="0"/>
+                <a:ea typeface="나눔고딕" charset="0"/>
+              </a:rPr>
+              <a:t>한</a:t>
+            </a:r>
+            <a:r>
+              <a:rPr lang="en-US" altLang="ko-KR" sz="1800" b="1">
+                <a:solidFill>
+                  <a:schemeClr val="tx1">
+                    <a:tint val="75000"/>
+                  </a:schemeClr>
+                </a:solidFill>
+                <a:latin typeface="나눔고딕" charset="0"/>
+                <a:ea typeface="나눔고딕" charset="0"/>
+              </a:rPr>
+              <a:t>다.</a:t>
             </a:r>
             <a:endParaRPr lang="ko-KR" altLang="en-US" sz="1800" b="1">
               <a:solidFill>
@@ -10448,7 +15381,163 @@
                 <a:latin typeface="나눔고딕" charset="0"/>
                 <a:ea typeface="나눔고딕" charset="0"/>
               </a:rPr>
-              <a:t>- 회원은 차량을 대여할 수 있어야 한다.</a:t>
+              <a:t>-</a:t>
+            </a:r>
+            <a:r>
+              <a:rPr lang="en-US" altLang="ko-KR" sz="1800" b="1">
+                <a:solidFill>
+                  <a:schemeClr val="tx1">
+                    <a:tint val="75000"/>
+                  </a:schemeClr>
+                </a:solidFill>
+                <a:latin typeface="나눔고딕" charset="0"/>
+                <a:ea typeface="나눔고딕" charset="0"/>
+              </a:rPr>
+              <a:t> </a:t>
+            </a:r>
+            <a:r>
+              <a:rPr lang="en-US" altLang="ko-KR" sz="1800" b="1">
+                <a:solidFill>
+                  <a:schemeClr val="tx1">
+                    <a:tint val="75000"/>
+                  </a:schemeClr>
+                </a:solidFill>
+                <a:latin typeface="나눔고딕" charset="0"/>
+                <a:ea typeface="나눔고딕" charset="0"/>
+              </a:rPr>
+              <a:t>관리자는 회</a:t>
+            </a:r>
+            <a:r>
+              <a:rPr lang="en-US" altLang="ko-KR" sz="1800" b="1">
+                <a:solidFill>
+                  <a:schemeClr val="tx1">
+                    <a:tint val="75000"/>
+                  </a:schemeClr>
+                </a:solidFill>
+                <a:latin typeface="나눔고딕" charset="0"/>
+                <a:ea typeface="나눔고딕" charset="0"/>
+              </a:rPr>
+              <a:t>원</a:t>
+            </a:r>
+            <a:r>
+              <a:rPr lang="en-US" altLang="ko-KR" sz="1800" b="1">
+                <a:solidFill>
+                  <a:schemeClr val="tx1">
+                    <a:tint val="75000"/>
+                  </a:schemeClr>
+                </a:solidFill>
+                <a:latin typeface="나눔고딕" charset="0"/>
+                <a:ea typeface="나눔고딕" charset="0"/>
+              </a:rPr>
+              <a:t>정</a:t>
+            </a:r>
+            <a:r>
+              <a:rPr lang="en-US" altLang="ko-KR" sz="1800" b="1">
+                <a:solidFill>
+                  <a:schemeClr val="tx1">
+                    <a:tint val="75000"/>
+                  </a:schemeClr>
+                </a:solidFill>
+                <a:latin typeface="나눔고딕" charset="0"/>
+                <a:ea typeface="나눔고딕" charset="0"/>
+              </a:rPr>
+              <a:t>보</a:t>
+            </a:r>
+            <a:r>
+              <a:rPr lang="en-US" altLang="ko-KR" sz="1800" b="1">
+                <a:solidFill>
+                  <a:schemeClr val="tx1">
+                    <a:tint val="75000"/>
+                  </a:schemeClr>
+                </a:solidFill>
+                <a:latin typeface="나눔고딕" charset="0"/>
+                <a:ea typeface="나눔고딕" charset="0"/>
+              </a:rPr>
+              <a:t>를 수</a:t>
+            </a:r>
+            <a:r>
+              <a:rPr lang="en-US" altLang="ko-KR" sz="1800" b="1">
+                <a:solidFill>
+                  <a:schemeClr val="tx1">
+                    <a:tint val="75000"/>
+                  </a:schemeClr>
+                </a:solidFill>
+                <a:latin typeface="나눔고딕" charset="0"/>
+                <a:ea typeface="나눔고딕" charset="0"/>
+              </a:rPr>
+              <a:t>정</a:t>
+            </a:r>
+            <a:r>
+              <a:rPr lang="en-US" altLang="ko-KR" sz="1800" b="1">
+                <a:solidFill>
+                  <a:schemeClr val="tx1">
+                    <a:tint val="75000"/>
+                  </a:schemeClr>
+                </a:solidFill>
+                <a:latin typeface="나눔고딕" charset="0"/>
+                <a:ea typeface="나눔고딕" charset="0"/>
+              </a:rPr>
+              <a:t>할 수 있</a:t>
+            </a:r>
+            <a:r>
+              <a:rPr lang="en-US" altLang="ko-KR" sz="1800" b="1">
+                <a:solidFill>
+                  <a:schemeClr val="tx1">
+                    <a:tint val="75000"/>
+                  </a:schemeClr>
+                </a:solidFill>
+                <a:latin typeface="나눔고딕" charset="0"/>
+                <a:ea typeface="나눔고딕" charset="0"/>
+              </a:rPr>
+              <a:t>어</a:t>
+            </a:r>
+            <a:r>
+              <a:rPr lang="en-US" altLang="ko-KR" sz="1800" b="1">
+                <a:solidFill>
+                  <a:schemeClr val="tx1">
+                    <a:tint val="75000"/>
+                  </a:schemeClr>
+                </a:solidFill>
+                <a:latin typeface="나눔고딕" charset="0"/>
+                <a:ea typeface="나눔고딕" charset="0"/>
+              </a:rPr>
+              <a:t>야</a:t>
+            </a:r>
+            <a:r>
+              <a:rPr lang="en-US" altLang="ko-KR" sz="1800" b="1">
+                <a:solidFill>
+                  <a:schemeClr val="tx1">
+                    <a:tint val="75000"/>
+                  </a:schemeClr>
+                </a:solidFill>
+                <a:latin typeface="나눔고딕" charset="0"/>
+                <a:ea typeface="나눔고딕" charset="0"/>
+              </a:rPr>
+              <a:t> </a:t>
+            </a:r>
+            <a:r>
+              <a:rPr lang="en-US" altLang="ko-KR" sz="1800" b="1">
+                <a:solidFill>
+                  <a:schemeClr val="tx1">
+                    <a:tint val="75000"/>
+                  </a:schemeClr>
+                </a:solidFill>
+                <a:latin typeface="나눔고딕" charset="0"/>
+                <a:ea typeface="나눔고딕" charset="0"/>
+              </a:rPr>
+              <a:t>한</a:t>
+            </a:r>
+            <a:r>
+              <a:rPr lang="en-US" altLang="ko-KR" sz="1800" b="1">
+                <a:solidFill>
+                  <a:schemeClr val="tx1">
+                    <a:tint val="75000"/>
+                  </a:schemeClr>
+                </a:solidFill>
+                <a:latin typeface="나눔고딕" charset="0"/>
+                <a:ea typeface="나눔고딕" charset="0"/>
+              </a:rPr>
+              <a:t>다.</a:t>
             </a:r>
             <a:endParaRPr lang="ko-KR" altLang="en-US" sz="1800" b="1">
               <a:solidFill>
@@ -10484,7 +15573,163 @@
                 <a:latin typeface="나눔고딕" charset="0"/>
                 <a:ea typeface="나눔고딕" charset="0"/>
               </a:rPr>
-              <a:t>- 회원은 내가 대여한 차량을 확인할 수 있어야 한다.</a:t>
+              <a:t>-</a:t>
+            </a:r>
+            <a:r>
+              <a:rPr lang="en-US" altLang="ko-KR" sz="1800" b="1">
+                <a:solidFill>
+                  <a:schemeClr val="tx1">
+                    <a:tint val="75000"/>
+                  </a:schemeClr>
+                </a:solidFill>
+                <a:latin typeface="나눔고딕" charset="0"/>
+                <a:ea typeface="나눔고딕" charset="0"/>
+              </a:rPr>
+              <a:t> 관</a:t>
+            </a:r>
+            <a:r>
+              <a:rPr lang="en-US" altLang="ko-KR" sz="1800" b="1">
+                <a:solidFill>
+                  <a:schemeClr val="tx1">
+                    <a:tint val="75000"/>
+                  </a:schemeClr>
+                </a:solidFill>
+                <a:latin typeface="나눔고딕" charset="0"/>
+                <a:ea typeface="나눔고딕" charset="0"/>
+              </a:rPr>
+              <a:t>리</a:t>
+            </a:r>
+            <a:r>
+              <a:rPr lang="en-US" altLang="ko-KR" sz="1800" b="1">
+                <a:solidFill>
+                  <a:schemeClr val="tx1">
+                    <a:tint val="75000"/>
+                  </a:schemeClr>
+                </a:solidFill>
+                <a:latin typeface="나눔고딕" charset="0"/>
+                <a:ea typeface="나눔고딕" charset="0"/>
+              </a:rPr>
+              <a:t>자는 </a:t>
+            </a:r>
+            <a:r>
+              <a:rPr lang="en-US" altLang="ko-KR" sz="1800" b="1">
+                <a:solidFill>
+                  <a:schemeClr val="tx1">
+                    <a:tint val="75000"/>
+                  </a:schemeClr>
+                </a:solidFill>
+                <a:latin typeface="나눔고딕" charset="0"/>
+                <a:ea typeface="나눔고딕" charset="0"/>
+              </a:rPr>
+              <a:t>회</a:t>
+            </a:r>
+            <a:r>
+              <a:rPr lang="en-US" altLang="ko-KR" sz="1800" b="1">
+                <a:solidFill>
+                  <a:schemeClr val="tx1">
+                    <a:tint val="75000"/>
+                  </a:schemeClr>
+                </a:solidFill>
+                <a:latin typeface="나눔고딕" charset="0"/>
+                <a:ea typeface="나눔고딕" charset="0"/>
+              </a:rPr>
+              <a:t>원정보를 </a:t>
+            </a:r>
+            <a:r>
+              <a:rPr lang="en-US" altLang="ko-KR" sz="1800" b="1">
+                <a:solidFill>
+                  <a:schemeClr val="tx1">
+                    <a:tint val="75000"/>
+                  </a:schemeClr>
+                </a:solidFill>
+                <a:latin typeface="나눔고딕" charset="0"/>
+                <a:ea typeface="나눔고딕" charset="0"/>
+              </a:rPr>
+              <a:t>삭</a:t>
+            </a:r>
+            <a:r>
+              <a:rPr lang="en-US" altLang="ko-KR" sz="1800" b="1">
+                <a:solidFill>
+                  <a:schemeClr val="tx1">
+                    <a:tint val="75000"/>
+                  </a:schemeClr>
+                </a:solidFill>
+                <a:latin typeface="나눔고딕" charset="0"/>
+                <a:ea typeface="나눔고딕" charset="0"/>
+              </a:rPr>
+              <a:t>제할 수 </a:t>
+            </a:r>
+            <a:r>
+              <a:rPr lang="en-US" altLang="ko-KR" sz="1800" b="1">
+                <a:solidFill>
+                  <a:schemeClr val="tx1">
+                    <a:tint val="75000"/>
+                  </a:schemeClr>
+                </a:solidFill>
+                <a:latin typeface="나눔고딕" charset="0"/>
+                <a:ea typeface="나눔고딕" charset="0"/>
+              </a:rPr>
+              <a:t>있</a:t>
+            </a:r>
+            <a:r>
+              <a:rPr lang="en-US" altLang="ko-KR" sz="1800" b="1">
+                <a:solidFill>
+                  <a:schemeClr val="tx1">
+                    <a:tint val="75000"/>
+                  </a:schemeClr>
+                </a:solidFill>
+                <a:latin typeface="나눔고딕" charset="0"/>
+                <a:ea typeface="나눔고딕" charset="0"/>
+              </a:rPr>
+              <a:t>어</a:t>
+            </a:r>
+            <a:r>
+              <a:rPr lang="en-US" altLang="ko-KR" sz="1800" b="1">
+                <a:solidFill>
+                  <a:schemeClr val="tx1">
+                    <a:tint val="75000"/>
+                  </a:schemeClr>
+                </a:solidFill>
+                <a:latin typeface="나눔고딕" charset="0"/>
+                <a:ea typeface="나눔고딕" charset="0"/>
+              </a:rPr>
+              <a:t>야</a:t>
+            </a:r>
+            <a:r>
+              <a:rPr lang="en-US" altLang="ko-KR" sz="1800" b="1">
+                <a:solidFill>
+                  <a:schemeClr val="tx1">
+                    <a:tint val="75000"/>
+                  </a:schemeClr>
+                </a:solidFill>
+                <a:latin typeface="나눔고딕" charset="0"/>
+                <a:ea typeface="나눔고딕" charset="0"/>
+              </a:rPr>
+              <a:t> </a:t>
+            </a:r>
+            <a:r>
+              <a:rPr lang="en-US" altLang="ko-KR" sz="1800" b="1">
+                <a:solidFill>
+                  <a:schemeClr val="tx1">
+                    <a:tint val="75000"/>
+                  </a:schemeClr>
+                </a:solidFill>
+                <a:latin typeface="나눔고딕" charset="0"/>
+                <a:ea typeface="나눔고딕" charset="0"/>
+              </a:rPr>
+              <a:t>한다</a:t>
+            </a:r>
+            <a:r>
+              <a:rPr lang="en-US" altLang="ko-KR" sz="1800" b="1">
+                <a:solidFill>
+                  <a:schemeClr val="tx1">
+                    <a:tint val="75000"/>
+                  </a:schemeClr>
+                </a:solidFill>
+                <a:latin typeface="나눔고딕" charset="0"/>
+                <a:ea typeface="나눔고딕" charset="0"/>
+              </a:rPr>
+              <a:t>.</a:t>
             </a:r>
             <a:endParaRPr lang="ko-KR" altLang="en-US" sz="1800" b="1">
               <a:solidFill>
@@ -10520,7 +15765,163 @@
                 <a:latin typeface="나눔고딕" charset="0"/>
                 <a:ea typeface="나눔고딕" charset="0"/>
               </a:rPr>
-              <a:t>- 회원은 대여한 차량 대여기한을 연장할 수 있어야 한다.</a:t>
+              <a:t>-</a:t>
+            </a:r>
+            <a:r>
+              <a:rPr lang="en-US" altLang="ko-KR" sz="1800" b="1">
+                <a:solidFill>
+                  <a:schemeClr val="tx1">
+                    <a:tint val="75000"/>
+                  </a:schemeClr>
+                </a:solidFill>
+                <a:latin typeface="나눔고딕" charset="0"/>
+                <a:ea typeface="나눔고딕" charset="0"/>
+              </a:rPr>
+              <a:t> </a:t>
+            </a:r>
+            <a:r>
+              <a:rPr lang="en-US" altLang="ko-KR" sz="1800" b="1">
+                <a:solidFill>
+                  <a:schemeClr val="tx1">
+                    <a:tint val="75000"/>
+                  </a:schemeClr>
+                </a:solidFill>
+                <a:latin typeface="나눔고딕" charset="0"/>
+                <a:ea typeface="나눔고딕" charset="0"/>
+              </a:rPr>
+              <a:t>관리자</a:t>
+            </a:r>
+            <a:r>
+              <a:rPr lang="en-US" altLang="ko-KR" sz="1800" b="1">
+                <a:solidFill>
+                  <a:schemeClr val="tx1">
+                    <a:tint val="75000"/>
+                  </a:schemeClr>
+                </a:solidFill>
+                <a:latin typeface="나눔고딕" charset="0"/>
+                <a:ea typeface="나눔고딕" charset="0"/>
+              </a:rPr>
+              <a:t>는</a:t>
+            </a:r>
+            <a:r>
+              <a:rPr lang="en-US" altLang="ko-KR" sz="1800" b="1">
+                <a:solidFill>
+                  <a:schemeClr val="tx1">
+                    <a:tint val="75000"/>
+                  </a:schemeClr>
+                </a:solidFill>
+                <a:latin typeface="나눔고딕" charset="0"/>
+                <a:ea typeface="나눔고딕" charset="0"/>
+              </a:rPr>
+              <a:t> </a:t>
+            </a:r>
+            <a:r>
+              <a:rPr lang="en-US" altLang="ko-KR" sz="1800" b="1">
+                <a:solidFill>
+                  <a:schemeClr val="tx1">
+                    <a:tint val="75000"/>
+                  </a:schemeClr>
+                </a:solidFill>
+                <a:latin typeface="나눔고딕" charset="0"/>
+                <a:ea typeface="나눔고딕" charset="0"/>
+              </a:rPr>
+              <a:t>회원</a:t>
+            </a:r>
+            <a:r>
+              <a:rPr lang="en-US" altLang="ko-KR" sz="1800" b="1">
+                <a:solidFill>
+                  <a:schemeClr val="tx1">
+                    <a:tint val="75000"/>
+                  </a:schemeClr>
+                </a:solidFill>
+                <a:latin typeface="나눔고딕" charset="0"/>
+                <a:ea typeface="나눔고딕" charset="0"/>
+              </a:rPr>
+              <a:t>의</a:t>
+            </a:r>
+            <a:r>
+              <a:rPr lang="en-US" altLang="ko-KR" sz="1800" b="1">
+                <a:solidFill>
+                  <a:schemeClr val="tx1">
+                    <a:tint val="75000"/>
+                  </a:schemeClr>
+                </a:solidFill>
+                <a:latin typeface="나눔고딕" charset="0"/>
+                <a:ea typeface="나눔고딕" charset="0"/>
+              </a:rPr>
+              <a:t> 문</a:t>
+            </a:r>
+            <a:r>
+              <a:rPr lang="en-US" altLang="ko-KR" sz="1800" b="1">
+                <a:solidFill>
+                  <a:schemeClr val="tx1">
+                    <a:tint val="75000"/>
+                  </a:schemeClr>
+                </a:solidFill>
+                <a:latin typeface="나눔고딕" charset="0"/>
+                <a:ea typeface="나눔고딕" charset="0"/>
+              </a:rPr>
+              <a:t>의</a:t>
+            </a:r>
+            <a:r>
+              <a:rPr lang="en-US" altLang="ko-KR" sz="1800" b="1">
+                <a:solidFill>
+                  <a:schemeClr val="tx1">
+                    <a:tint val="75000"/>
+                  </a:schemeClr>
+                </a:solidFill>
+                <a:latin typeface="나눔고딕" charset="0"/>
+                <a:ea typeface="나눔고딕" charset="0"/>
+              </a:rPr>
+              <a:t>에 </a:t>
+            </a:r>
+            <a:r>
+              <a:rPr lang="en-US" altLang="ko-KR" sz="1800" b="1">
+                <a:solidFill>
+                  <a:schemeClr val="tx1">
+                    <a:tint val="75000"/>
+                  </a:schemeClr>
+                </a:solidFill>
+                <a:latin typeface="나눔고딕" charset="0"/>
+                <a:ea typeface="나눔고딕" charset="0"/>
+              </a:rPr>
+              <a:t>답</a:t>
+            </a:r>
+            <a:r>
+              <a:rPr lang="en-US" altLang="ko-KR" sz="1800" b="1">
+                <a:solidFill>
+                  <a:schemeClr val="tx1">
+                    <a:tint val="75000"/>
+                  </a:schemeClr>
+                </a:solidFill>
+                <a:latin typeface="나눔고딕" charset="0"/>
+                <a:ea typeface="나눔고딕" charset="0"/>
+              </a:rPr>
+              <a:t>변할 수 있어</a:t>
+            </a:r>
+            <a:r>
+              <a:rPr lang="en-US" altLang="ko-KR" sz="1800" b="1">
+                <a:solidFill>
+                  <a:schemeClr val="tx1">
+                    <a:tint val="75000"/>
+                  </a:schemeClr>
+                </a:solidFill>
+                <a:latin typeface="나눔고딕" charset="0"/>
+                <a:ea typeface="나눔고딕" charset="0"/>
+              </a:rPr>
+              <a:t>야</a:t>
+            </a:r>
+            <a:r>
+              <a:rPr lang="en-US" altLang="ko-KR" sz="1800" b="1">
+                <a:solidFill>
+                  <a:schemeClr val="tx1">
+                    <a:tint val="75000"/>
+                  </a:schemeClr>
+                </a:solidFill>
+                <a:latin typeface="나눔고딕" charset="0"/>
+                <a:ea typeface="나눔고딕" charset="0"/>
+              </a:rPr>
+              <a:t> 한다.</a:t>
             </a:r>
             <a:endParaRPr lang="ko-KR" altLang="en-US" sz="1800" b="1">
               <a:solidFill>
@@ -10556,7 +15957,139 @@
                 <a:latin typeface="나눔고딕" charset="0"/>
                 <a:ea typeface="나눔고딕" charset="0"/>
               </a:rPr>
-              <a:t>- 회원은 대여한 차량을 반납할 수 있어야 한다.</a:t>
+              <a:t>- 관</a:t>
+            </a:r>
+            <a:r>
+              <a:rPr lang="en-US" altLang="ko-KR" sz="1800" b="1">
+                <a:solidFill>
+                  <a:schemeClr val="tx1">
+                    <a:tint val="75000"/>
+                  </a:schemeClr>
+                </a:solidFill>
+                <a:latin typeface="나눔고딕" charset="0"/>
+                <a:ea typeface="나눔고딕" charset="0"/>
+              </a:rPr>
+              <a:t>리</a:t>
+            </a:r>
+            <a:r>
+              <a:rPr lang="en-US" altLang="ko-KR" sz="1800" b="1">
+                <a:solidFill>
+                  <a:schemeClr val="tx1">
+                    <a:tint val="75000"/>
+                  </a:schemeClr>
+                </a:solidFill>
+                <a:latin typeface="나눔고딕" charset="0"/>
+                <a:ea typeface="나눔고딕" charset="0"/>
+              </a:rPr>
+              <a:t>자는 회원의 </a:t>
+            </a:r>
+            <a:r>
+              <a:rPr lang="en-US" altLang="ko-KR" sz="1800" b="1">
+                <a:solidFill>
+                  <a:schemeClr val="tx1">
+                    <a:tint val="75000"/>
+                  </a:schemeClr>
+                </a:solidFill>
+                <a:latin typeface="나눔고딕" charset="0"/>
+                <a:ea typeface="나눔고딕" charset="0"/>
+              </a:rPr>
+              <a:t>문</a:t>
+            </a:r>
+            <a:r>
+              <a:rPr lang="en-US" altLang="ko-KR" sz="1800" b="1">
+                <a:solidFill>
+                  <a:schemeClr val="tx1">
+                    <a:tint val="75000"/>
+                  </a:schemeClr>
+                </a:solidFill>
+                <a:latin typeface="나눔고딕" charset="0"/>
+                <a:ea typeface="나눔고딕" charset="0"/>
+              </a:rPr>
+              <a:t>의</a:t>
+            </a:r>
+            <a:r>
+              <a:rPr lang="en-US" altLang="ko-KR" sz="1800" b="1">
+                <a:solidFill>
+                  <a:schemeClr val="tx1">
+                    <a:tint val="75000"/>
+                  </a:schemeClr>
+                </a:solidFill>
+                <a:latin typeface="나눔고딕" charset="0"/>
+                <a:ea typeface="나눔고딕" charset="0"/>
+              </a:rPr>
+              <a:t>를</a:t>
+            </a:r>
+            <a:r>
+              <a:rPr lang="en-US" altLang="ko-KR" sz="1800" b="1">
+                <a:solidFill>
+                  <a:schemeClr val="tx1">
+                    <a:tint val="75000"/>
+                  </a:schemeClr>
+                </a:solidFill>
+                <a:latin typeface="나눔고딕" charset="0"/>
+                <a:ea typeface="나눔고딕" charset="0"/>
+              </a:rPr>
+              <a:t> </a:t>
+            </a:r>
+            <a:r>
+              <a:rPr lang="en-US" altLang="ko-KR" sz="1800" b="1">
+                <a:solidFill>
+                  <a:schemeClr val="tx1">
+                    <a:tint val="75000"/>
+                  </a:schemeClr>
+                </a:solidFill>
+                <a:latin typeface="나눔고딕" charset="0"/>
+                <a:ea typeface="나눔고딕" charset="0"/>
+              </a:rPr>
+              <a:t>삭</a:t>
+            </a:r>
+            <a:r>
+              <a:rPr lang="en-US" altLang="ko-KR" sz="1800" b="1">
+                <a:solidFill>
+                  <a:schemeClr val="tx1">
+                    <a:tint val="75000"/>
+                  </a:schemeClr>
+                </a:solidFill>
+                <a:latin typeface="나눔고딕" charset="0"/>
+                <a:ea typeface="나눔고딕" charset="0"/>
+              </a:rPr>
+              <a:t>제</a:t>
+            </a:r>
+            <a:r>
+              <a:rPr lang="en-US" altLang="ko-KR" sz="1800" b="1">
+                <a:solidFill>
+                  <a:schemeClr val="tx1">
+                    <a:tint val="75000"/>
+                  </a:schemeClr>
+                </a:solidFill>
+                <a:latin typeface="나눔고딕" charset="0"/>
+                <a:ea typeface="나눔고딕" charset="0"/>
+              </a:rPr>
+              <a:t>할 </a:t>
+            </a:r>
+            <a:r>
+              <a:rPr lang="en-US" altLang="ko-KR" sz="1800" b="1">
+                <a:solidFill>
+                  <a:schemeClr val="tx1">
+                    <a:tint val="75000"/>
+                  </a:schemeClr>
+                </a:solidFill>
+                <a:latin typeface="나눔고딕" charset="0"/>
+                <a:ea typeface="나눔고딕" charset="0"/>
+              </a:rPr>
+              <a:t>수</a:t>
+            </a:r>
+            <a:r>
+              <a:rPr lang="en-US" altLang="ko-KR" sz="1800" b="1">
+                <a:solidFill>
+                  <a:schemeClr val="tx1">
+                    <a:tint val="75000"/>
+                  </a:schemeClr>
+                </a:solidFill>
+                <a:latin typeface="나눔고딕" charset="0"/>
+                <a:ea typeface="나눔고딕" charset="0"/>
+              </a:rPr>
+              <a:t> 있어야 한다.</a:t>
             </a:r>
             <a:endParaRPr lang="ko-KR" altLang="en-US" sz="1800" b="1">
               <a:solidFill>
@@ -10582,90 +16115,6 @@
               <a:buFontTx/>
               <a:buNone/>
             </a:pPr>
-            <a:r>
-              <a:rPr lang="en-US" altLang="ko-KR" sz="1800" b="1">
-                <a:solidFill>
-                  <a:schemeClr val="tx1">
-                    <a:tint val="75000"/>
-                  </a:schemeClr>
-                </a:solidFill>
-                <a:latin typeface="나눔고딕" charset="0"/>
-                <a:ea typeface="나눔고딕" charset="0"/>
-              </a:rPr>
-              <a:t>- 회원은 관리자에게 문의가 가능해야 한다.</a:t>
-            </a:r>
-            <a:endParaRPr lang="ko-KR" altLang="en-US" sz="1800" b="1">
-              <a:solidFill>
-                <a:schemeClr val="tx1">
-                  <a:tint val="75000"/>
-                </a:schemeClr>
-              </a:solidFill>
-              <a:latin typeface="나눔고딕" charset="0"/>
-              <a:ea typeface="나눔고딕" charset="0"/>
-            </a:endParaRPr>
-          </a:p>
-          <a:p>
-            <a:pPr marL="0" indent="0" algn="l" defTabSz="914400" latinLnBrk="1">
-              <a:lnSpc>
-                <a:spcPct val="100000"/>
-              </a:lnSpc>
-              <a:spcBef>
-                <a:spcPts val="700"/>
-              </a:spcBef>
-              <a:spcAft>
-                <a:spcPts val="0"/>
-              </a:spcAft>
-              <a:buFontTx/>
-              <a:buNone/>
-            </a:pPr>
-            <a:r>
-              <a:rPr lang="en-US" altLang="ko-KR" sz="1800" b="1">
-                <a:solidFill>
-                  <a:schemeClr val="tx1">
-                    <a:tint val="75000"/>
-                  </a:schemeClr>
-                </a:solidFill>
-                <a:latin typeface="나눔고딕" charset="0"/>
-                <a:ea typeface="나눔고딕" charset="0"/>
-              </a:rPr>
-              <a:t>- 회원은 문의를 수정할 수 있어야 한다.</a:t>
-            </a:r>
-            <a:endParaRPr lang="ko-KR" altLang="en-US" sz="1800" b="1">
-              <a:solidFill>
-                <a:schemeClr val="tx1">
-                  <a:tint val="75000"/>
-                </a:schemeClr>
-              </a:solidFill>
-              <a:latin typeface="나눔고딕" charset="0"/>
-              <a:ea typeface="나눔고딕" charset="0"/>
-            </a:endParaRPr>
-          </a:p>
-          <a:p>
-            <a:pPr marL="0" indent="0" algn="l" defTabSz="914400" latinLnBrk="1">
-              <a:lnSpc>
-                <a:spcPct val="100000"/>
-              </a:lnSpc>
-              <a:spcBef>
-                <a:spcPts val="700"/>
-              </a:spcBef>
-              <a:spcAft>
-                <a:spcPts val="0"/>
-              </a:spcAft>
-              <a:buFontTx/>
-              <a:buNone/>
-            </a:pPr>
-            <a:r>
-              <a:rPr lang="en-US" altLang="ko-KR" sz="1800" b="1">
-                <a:solidFill>
-                  <a:schemeClr val="tx1">
-                    <a:tint val="75000"/>
-                  </a:schemeClr>
-                </a:solidFill>
-                <a:latin typeface="나눔고딕" charset="0"/>
-                <a:ea typeface="나눔고딕" charset="0"/>
-              </a:rPr>
-              <a:t>- 회원은 문의를 삭제할 수 있어야 한다.</a:t>
-            </a:r>
             <a:endParaRPr lang="ko-KR" altLang="en-US" sz="1800" b="1">
               <a:solidFill>
                 <a:schemeClr val="tx1">
@@ -10720,6 +16169,811 @@
       </p:grpSpPr>
       <p:sp>
         <p:nvSpPr>
+          <p:cNvPr id="3" name="텍스트 개체 틀 2"/>
+          <p:cNvSpPr txBox="1">
+            <a:spLocks/>
+          </p:cNvSpPr>
+          <p:nvPr>
+            <p:ph type="ctrTitle"/>
+          </p:nvPr>
+        </p:nvSpPr>
+        <p:spPr>
+          <a:xfrm rot="0">
+            <a:off x="685800" y="307340"/>
+            <a:ext cx="7773035" cy="1470660"/>
+          </a:xfrm>
+          <a:prstGeom prst="rect"/>
+        </p:spPr>
+        <p:txBody>
+          <a:bodyPr wrap="square" lIns="91440" tIns="45720" rIns="91440" bIns="45720" numCol="1" vert="horz" anchor="ctr">
+            <a:noAutofit/>
+          </a:bodyPr>
+          <a:lstStyle>
+            <a:lvl1pPr marL="0" indent="0" defTabSz="508000">
+              <a:lnSpc>
+                <a:spcPct val="100000"/>
+              </a:lnSpc>
+              <a:spcBef>
+                <a:spcPts val="0"/>
+              </a:spcBef>
+              <a:spcAft>
+                <a:spcPts val="0"/>
+              </a:spcAft>
+              <a:buFontTx/>
+              <a:buNone/>
+              <a:defRPr lang="en-GB" altLang="en-US" sz="1800">
+                <a:latin typeface="나눔고딕" charset="0"/>
+                <a:ea typeface="나눔고딕" charset="0"/>
+              </a:defRPr>
+            </a:lvl1pPr>
+          </a:lstStyle>
+          <a:p>
+            <a:pPr marL="0" indent="0" algn="ctr" defTabSz="914400" latinLnBrk="1">
+              <a:lnSpc>
+                <a:spcPct val="100000"/>
+              </a:lnSpc>
+              <a:spcBef>
+                <a:spcPts val="0"/>
+              </a:spcBef>
+              <a:spcAft>
+                <a:spcPts val="0"/>
+              </a:spcAft>
+              <a:buFontTx/>
+              <a:buNone/>
+            </a:pPr>
+            <a:r>
+              <a:rPr lang="ko-KR" altLang="ko-KR" sz="4400" b="1">
+                <a:solidFill>
+                  <a:srgbClr val="716767"/>
+                </a:solidFill>
+                <a:latin typeface="나눔고딕" charset="0"/>
+                <a:ea typeface="나눔고딕" charset="0"/>
+                <a:cs typeface="+mj-cs"/>
+              </a:rPr>
+              <a:t>요구사항 분석</a:t>
+            </a:r>
+            <a:endParaRPr lang="ko-KR" altLang="en-US" sz="4400" b="1">
+              <a:solidFill>
+                <a:srgbClr val="716767"/>
+              </a:solidFill>
+              <a:latin typeface="나눔고딕" charset="0"/>
+              <a:ea typeface="나눔고딕" charset="0"/>
+              <a:cs typeface="+mj-cs"/>
+            </a:endParaRPr>
+          </a:p>
+        </p:txBody>
+      </p:sp>
+      <p:sp>
+        <p:nvSpPr>
+          <p:cNvPr id="4" name="텍스트 상자 3"/>
+          <p:cNvSpPr txBox="1">
+            <a:spLocks/>
+          </p:cNvSpPr>
+          <p:nvPr/>
+        </p:nvSpPr>
+        <p:spPr>
+          <a:xfrm>
+            <a:off x="195580" y="1916430"/>
+            <a:ext cx="8752205" cy="3789045"/>
+          </a:xfrm>
+          <a:prstGeom prst="rect"/>
+        </p:spPr>
+        <p:txBody>
+          <a:bodyPr wrap="square" lIns="91440" tIns="45720" rIns="91440" bIns="45720" numCol="1" vert="horz" anchor="t">
+            <a:noAutofit/>
+          </a:bodyPr>
+          <a:lstStyle>
+            <a:lvl1pPr marL="0" indent="0" algn="ctr" defTabSz="508000">
+              <a:lnSpc>
+                <a:spcPct val="100000"/>
+              </a:lnSpc>
+              <a:spcBef>
+                <a:spcPts val="0"/>
+              </a:spcBef>
+              <a:spcAft>
+                <a:spcPts val="0"/>
+              </a:spcAft>
+              <a:buFontTx/>
+              <a:buNone/>
+              <a:defRPr lang="en-GB" altLang="en-US" sz="1800">
+                <a:solidFill>
+                  <a:schemeClr val="tx1">
+                    <a:tint val="75000"/>
+                  </a:schemeClr>
+                </a:solidFill>
+                <a:latin typeface="나눔고딕" charset="0"/>
+                <a:ea typeface="나눔고딕" charset="0"/>
+              </a:defRPr>
+            </a:lvl1pPr>
+            <a:lvl2pPr marL="457200" indent="0" algn="ctr" defTabSz="508000">
+              <a:lnSpc>
+                <a:spcPct val="100000"/>
+              </a:lnSpc>
+              <a:spcBef>
+                <a:spcPts val="0"/>
+              </a:spcBef>
+              <a:spcAft>
+                <a:spcPts val="0"/>
+              </a:spcAft>
+              <a:buFontTx/>
+              <a:buNone/>
+              <a:defRPr lang="en-GB" altLang="en-US" sz="1800">
+                <a:solidFill>
+                  <a:schemeClr val="tx1">
+                    <a:tint val="75000"/>
+                  </a:schemeClr>
+                </a:solidFill>
+                <a:latin typeface="Arial" charset="0"/>
+                <a:ea typeface="Arial" charset="0"/>
+              </a:defRPr>
+            </a:lvl2pPr>
+            <a:lvl3pPr marL="914400" indent="0" algn="ctr" defTabSz="508000">
+              <a:lnSpc>
+                <a:spcPct val="100000"/>
+              </a:lnSpc>
+              <a:spcBef>
+                <a:spcPts val="0"/>
+              </a:spcBef>
+              <a:spcAft>
+                <a:spcPts val="0"/>
+              </a:spcAft>
+              <a:buFontTx/>
+              <a:buNone/>
+              <a:defRPr lang="en-GB" altLang="en-US" sz="1800">
+                <a:solidFill>
+                  <a:schemeClr val="tx1">
+                    <a:tint val="75000"/>
+                  </a:schemeClr>
+                </a:solidFill>
+                <a:latin typeface="Arial" charset="0"/>
+                <a:ea typeface="Arial" charset="0"/>
+              </a:defRPr>
+            </a:lvl3pPr>
+            <a:lvl4pPr marL="1371600" indent="0" algn="ctr" defTabSz="508000">
+              <a:lnSpc>
+                <a:spcPct val="100000"/>
+              </a:lnSpc>
+              <a:spcBef>
+                <a:spcPts val="0"/>
+              </a:spcBef>
+              <a:spcAft>
+                <a:spcPts val="0"/>
+              </a:spcAft>
+              <a:buFontTx/>
+              <a:buNone/>
+              <a:defRPr lang="en-GB" altLang="en-US" sz="1800">
+                <a:solidFill>
+                  <a:schemeClr val="tx1">
+                    <a:tint val="75000"/>
+                  </a:schemeClr>
+                </a:solidFill>
+                <a:latin typeface="Arial" charset="0"/>
+                <a:ea typeface="Arial" charset="0"/>
+              </a:defRPr>
+            </a:lvl4pPr>
+            <a:lvl5pPr marL="1828800" indent="0" algn="ctr" defTabSz="508000">
+              <a:lnSpc>
+                <a:spcPct val="100000"/>
+              </a:lnSpc>
+              <a:spcBef>
+                <a:spcPts val="0"/>
+              </a:spcBef>
+              <a:spcAft>
+                <a:spcPts val="0"/>
+              </a:spcAft>
+              <a:buFontTx/>
+              <a:buNone/>
+              <a:defRPr lang="en-GB" altLang="en-US" sz="1800">
+                <a:solidFill>
+                  <a:schemeClr val="tx1">
+                    <a:tint val="75000"/>
+                  </a:schemeClr>
+                </a:solidFill>
+                <a:latin typeface="Arial" charset="0"/>
+                <a:ea typeface="Arial" charset="0"/>
+              </a:defRPr>
+            </a:lvl5pPr>
+            <a:lvl6pPr marL="2286000" indent="0" algn="ctr" defTabSz="508000">
+              <a:lnSpc>
+                <a:spcPct val="100000"/>
+              </a:lnSpc>
+              <a:spcBef>
+                <a:spcPts val="0"/>
+              </a:spcBef>
+              <a:spcAft>
+                <a:spcPts val="0"/>
+              </a:spcAft>
+              <a:buFontTx/>
+              <a:buNone/>
+              <a:defRPr lang="en-GB" altLang="en-US" sz="1800">
+                <a:solidFill>
+                  <a:schemeClr val="tx1">
+                    <a:tint val="75000"/>
+                  </a:schemeClr>
+                </a:solidFill>
+                <a:latin typeface="Arial" charset="0"/>
+                <a:ea typeface="Arial" charset="0"/>
+              </a:defRPr>
+            </a:lvl6pPr>
+            <a:lvl7pPr marL="2743200" indent="0" algn="ctr" defTabSz="508000">
+              <a:lnSpc>
+                <a:spcPct val="100000"/>
+              </a:lnSpc>
+              <a:spcBef>
+                <a:spcPts val="0"/>
+              </a:spcBef>
+              <a:spcAft>
+                <a:spcPts val="0"/>
+              </a:spcAft>
+              <a:buFontTx/>
+              <a:buNone/>
+              <a:defRPr lang="en-GB" altLang="en-US" sz="1800">
+                <a:solidFill>
+                  <a:schemeClr val="tx1">
+                    <a:tint val="75000"/>
+                  </a:schemeClr>
+                </a:solidFill>
+                <a:latin typeface="Arial" charset="0"/>
+                <a:ea typeface="Arial" charset="0"/>
+              </a:defRPr>
+            </a:lvl7pPr>
+            <a:lvl8pPr marL="3200400" indent="0" algn="ctr" defTabSz="508000">
+              <a:lnSpc>
+                <a:spcPct val="100000"/>
+              </a:lnSpc>
+              <a:spcBef>
+                <a:spcPts val="0"/>
+              </a:spcBef>
+              <a:spcAft>
+                <a:spcPts val="0"/>
+              </a:spcAft>
+              <a:buFontTx/>
+              <a:buNone/>
+              <a:defRPr lang="en-GB" altLang="en-US" sz="1800">
+                <a:solidFill>
+                  <a:schemeClr val="tx1">
+                    <a:tint val="75000"/>
+                  </a:schemeClr>
+                </a:solidFill>
+                <a:latin typeface="Arial" charset="0"/>
+                <a:ea typeface="Arial" charset="0"/>
+              </a:defRPr>
+            </a:lvl8pPr>
+            <a:lvl9pPr marL="3657600" indent="0" algn="ctr" defTabSz="508000">
+              <a:lnSpc>
+                <a:spcPct val="100000"/>
+              </a:lnSpc>
+              <a:spcBef>
+                <a:spcPts val="0"/>
+              </a:spcBef>
+              <a:spcAft>
+                <a:spcPts val="0"/>
+              </a:spcAft>
+              <a:buFontTx/>
+              <a:buNone/>
+              <a:defRPr lang="en-GB" altLang="en-US" sz="1800">
+                <a:solidFill>
+                  <a:schemeClr val="tx1">
+                    <a:tint val="75000"/>
+                  </a:schemeClr>
+                </a:solidFill>
+                <a:latin typeface="Arial" charset="0"/>
+                <a:ea typeface="Arial" charset="0"/>
+              </a:defRPr>
+            </a:lvl9pPr>
+          </a:lstStyle>
+          <a:p>
+            <a:pPr marL="0" indent="0" algn="l" defTabSz="914400" latinLnBrk="1">
+              <a:lnSpc>
+                <a:spcPct val="100000"/>
+              </a:lnSpc>
+              <a:spcBef>
+                <a:spcPts val="700"/>
+              </a:spcBef>
+              <a:spcAft>
+                <a:spcPts val="0"/>
+              </a:spcAft>
+              <a:buFontTx/>
+              <a:buNone/>
+            </a:pPr>
+            <a:r>
+              <a:rPr lang="en-US" altLang="ko-KR" sz="1800" b="1">
+                <a:solidFill>
+                  <a:schemeClr val="tx1">
+                    <a:tint val="75000"/>
+                  </a:schemeClr>
+                </a:solidFill>
+                <a:latin typeface="나눔고딕" charset="0"/>
+                <a:ea typeface="나눔고딕" charset="0"/>
+              </a:rPr>
+              <a:t>- 사용자는 회원가입을 할 수 있어야 한다.</a:t>
+            </a:r>
+            <a:endParaRPr lang="ko-KR" altLang="en-US" sz="1800" b="1">
+              <a:solidFill>
+                <a:schemeClr val="tx1">
+                  <a:tint val="75000"/>
+                </a:schemeClr>
+              </a:solidFill>
+              <a:latin typeface="나눔고딕" charset="0"/>
+              <a:ea typeface="나눔고딕" charset="0"/>
+            </a:endParaRPr>
+          </a:p>
+          <a:p>
+            <a:pPr marL="0" indent="0" algn="l" defTabSz="914400" latinLnBrk="1">
+              <a:lnSpc>
+                <a:spcPct val="100000"/>
+              </a:lnSpc>
+              <a:spcBef>
+                <a:spcPts val="700"/>
+              </a:spcBef>
+              <a:spcAft>
+                <a:spcPts val="0"/>
+              </a:spcAft>
+              <a:buFontTx/>
+              <a:buNone/>
+            </a:pPr>
+            <a:r>
+              <a:rPr lang="en-US" altLang="ko-KR" sz="1800" b="1">
+                <a:solidFill>
+                  <a:schemeClr val="tx1">
+                    <a:tint val="75000"/>
+                  </a:schemeClr>
+                </a:solidFill>
+                <a:latin typeface="나눔고딕" charset="0"/>
+                <a:ea typeface="나눔고딕" charset="0"/>
+              </a:rPr>
+              <a:t>- 사용자는 로그인이 가능해야 한다.</a:t>
+            </a:r>
+            <a:endParaRPr lang="ko-KR" altLang="en-US" sz="1800" b="1">
+              <a:solidFill>
+                <a:schemeClr val="tx1">
+                  <a:tint val="75000"/>
+                </a:schemeClr>
+              </a:solidFill>
+              <a:latin typeface="나눔고딕" charset="0"/>
+              <a:ea typeface="나눔고딕" charset="0"/>
+            </a:endParaRPr>
+          </a:p>
+          <a:p>
+            <a:pPr marL="0" indent="0" algn="l" defTabSz="914400" latinLnBrk="1">
+              <a:lnSpc>
+                <a:spcPct val="100000"/>
+              </a:lnSpc>
+              <a:spcBef>
+                <a:spcPts val="700"/>
+              </a:spcBef>
+              <a:spcAft>
+                <a:spcPts val="0"/>
+              </a:spcAft>
+              <a:buFontTx/>
+              <a:buNone/>
+            </a:pPr>
+            <a:r>
+              <a:rPr lang="en-US" altLang="ko-KR" sz="1800" b="1">
+                <a:solidFill>
+                  <a:schemeClr val="tx1">
+                    <a:tint val="75000"/>
+                  </a:schemeClr>
+                </a:solidFill>
+                <a:latin typeface="나눔고딕" charset="0"/>
+                <a:ea typeface="나눔고딕" charset="0"/>
+              </a:rPr>
+              <a:t>- 로그인된 회원만 서비스를 이용할 수 있다.</a:t>
+            </a:r>
+            <a:endParaRPr lang="ko-KR" altLang="en-US" sz="1800" b="1">
+              <a:solidFill>
+                <a:schemeClr val="tx1">
+                  <a:tint val="75000"/>
+                </a:schemeClr>
+              </a:solidFill>
+              <a:latin typeface="나눔고딕" charset="0"/>
+              <a:ea typeface="나눔고딕" charset="0"/>
+            </a:endParaRPr>
+          </a:p>
+          <a:p>
+            <a:pPr marL="0" indent="0" algn="l" defTabSz="914400" latinLnBrk="1">
+              <a:lnSpc>
+                <a:spcPct val="100000"/>
+              </a:lnSpc>
+              <a:spcBef>
+                <a:spcPts val="700"/>
+              </a:spcBef>
+              <a:spcAft>
+                <a:spcPts val="0"/>
+              </a:spcAft>
+              <a:buFontTx/>
+              <a:buNone/>
+            </a:pPr>
+            <a:r>
+              <a:rPr lang="en-US" altLang="ko-KR" sz="1800" b="1">
+                <a:solidFill>
+                  <a:schemeClr val="tx1">
+                    <a:tint val="75000"/>
+                  </a:schemeClr>
+                </a:solidFill>
+                <a:latin typeface="나눔고딕" charset="0"/>
+                <a:ea typeface="나눔고딕" charset="0"/>
+              </a:rPr>
+              <a:t>- 회원은 사용방법을 알 수 있어야 한다.</a:t>
+            </a:r>
+            <a:endParaRPr lang="ko-KR" altLang="en-US" sz="1800" b="1">
+              <a:solidFill>
+                <a:schemeClr val="tx1">
+                  <a:tint val="75000"/>
+                </a:schemeClr>
+              </a:solidFill>
+              <a:latin typeface="나눔고딕" charset="0"/>
+              <a:ea typeface="나눔고딕" charset="0"/>
+            </a:endParaRPr>
+          </a:p>
+          <a:p>
+            <a:pPr marL="0" indent="0" algn="l" defTabSz="914400" latinLnBrk="1">
+              <a:lnSpc>
+                <a:spcPct val="100000"/>
+              </a:lnSpc>
+              <a:spcBef>
+                <a:spcPts val="700"/>
+              </a:spcBef>
+              <a:spcAft>
+                <a:spcPts val="0"/>
+              </a:spcAft>
+              <a:buFontTx/>
+              <a:buNone/>
+            </a:pPr>
+            <a:r>
+              <a:rPr lang="en-US" altLang="ko-KR" sz="1800" b="1">
+                <a:solidFill>
+                  <a:schemeClr val="tx1">
+                    <a:tint val="75000"/>
+                  </a:schemeClr>
+                </a:solidFill>
+                <a:latin typeface="나눔고딕" charset="0"/>
+                <a:ea typeface="나눔고딕" charset="0"/>
+              </a:rPr>
+              <a:t>- 회원은 현재위치에서 사용가능한 차량을 확인할 수 있어야 한다.</a:t>
+            </a:r>
+            <a:endParaRPr lang="ko-KR" altLang="en-US" sz="1800" b="1">
+              <a:solidFill>
+                <a:schemeClr val="tx1">
+                  <a:tint val="75000"/>
+                </a:schemeClr>
+              </a:solidFill>
+              <a:latin typeface="나눔고딕" charset="0"/>
+              <a:ea typeface="나눔고딕" charset="0"/>
+            </a:endParaRPr>
+          </a:p>
+          <a:p>
+            <a:pPr marL="0" indent="0" algn="l" defTabSz="914400" latinLnBrk="1">
+              <a:lnSpc>
+                <a:spcPct val="100000"/>
+              </a:lnSpc>
+              <a:spcBef>
+                <a:spcPts val="700"/>
+              </a:spcBef>
+              <a:spcAft>
+                <a:spcPts val="0"/>
+              </a:spcAft>
+              <a:buFontTx/>
+              <a:buNone/>
+            </a:pPr>
+            <a:r>
+              <a:rPr lang="en-US" altLang="ko-KR" sz="1800" b="1">
+                <a:solidFill>
+                  <a:schemeClr val="tx1">
+                    <a:tint val="75000"/>
+                  </a:schemeClr>
+                </a:solidFill>
+                <a:latin typeface="나눔고딕" charset="0"/>
+                <a:ea typeface="나눔고딕" charset="0"/>
+              </a:rPr>
+              <a:t>- 회원은 차량 정보를 확인할 수 있어야 한다.</a:t>
+            </a:r>
+            <a:endParaRPr lang="ko-KR" altLang="en-US" sz="1800" b="1">
+              <a:solidFill>
+                <a:schemeClr val="tx1">
+                  <a:tint val="75000"/>
+                </a:schemeClr>
+              </a:solidFill>
+              <a:latin typeface="나눔고딕" charset="0"/>
+              <a:ea typeface="나눔고딕" charset="0"/>
+            </a:endParaRPr>
+          </a:p>
+          <a:p>
+            <a:pPr marL="0" indent="0" algn="l" defTabSz="914400" latinLnBrk="1">
+              <a:lnSpc>
+                <a:spcPct val="100000"/>
+              </a:lnSpc>
+              <a:spcBef>
+                <a:spcPts val="700"/>
+              </a:spcBef>
+              <a:spcAft>
+                <a:spcPts val="0"/>
+              </a:spcAft>
+              <a:buFontTx/>
+              <a:buNone/>
+            </a:pPr>
+            <a:r>
+              <a:rPr lang="en-US" altLang="ko-KR" sz="1800" b="1">
+                <a:solidFill>
+                  <a:schemeClr val="tx1">
+                    <a:tint val="75000"/>
+                  </a:schemeClr>
+                </a:solidFill>
+                <a:latin typeface="나눔고딕" charset="0"/>
+                <a:ea typeface="나눔고딕" charset="0"/>
+              </a:rPr>
+              <a:t>- 회원은 차량을 대여할 수 있어야 한다.</a:t>
+            </a:r>
+            <a:endParaRPr lang="ko-KR" altLang="en-US" sz="1800" b="1">
+              <a:solidFill>
+                <a:schemeClr val="tx1">
+                  <a:tint val="75000"/>
+                </a:schemeClr>
+              </a:solidFill>
+              <a:latin typeface="나눔고딕" charset="0"/>
+              <a:ea typeface="나눔고딕" charset="0"/>
+            </a:endParaRPr>
+          </a:p>
+          <a:p>
+            <a:pPr marL="0" indent="0" algn="l" defTabSz="914400" latinLnBrk="1">
+              <a:lnSpc>
+                <a:spcPct val="100000"/>
+              </a:lnSpc>
+              <a:spcBef>
+                <a:spcPts val="700"/>
+              </a:spcBef>
+              <a:spcAft>
+                <a:spcPts val="0"/>
+              </a:spcAft>
+              <a:buFontTx/>
+              <a:buNone/>
+            </a:pPr>
+            <a:r>
+              <a:rPr lang="en-US" altLang="ko-KR" sz="1800" b="1">
+                <a:solidFill>
+                  <a:schemeClr val="tx1">
+                    <a:tint val="75000"/>
+                  </a:schemeClr>
+                </a:solidFill>
+                <a:latin typeface="나눔고딕" charset="0"/>
+                <a:ea typeface="나눔고딕" charset="0"/>
+              </a:rPr>
+              <a:t>- 회원은 내가 대여한 차량을 확인할 수 있어야 한다.</a:t>
+            </a:r>
+            <a:endParaRPr lang="ko-KR" altLang="en-US" sz="1800" b="1">
+              <a:solidFill>
+                <a:schemeClr val="tx1">
+                  <a:tint val="75000"/>
+                </a:schemeClr>
+              </a:solidFill>
+              <a:latin typeface="나눔고딕" charset="0"/>
+              <a:ea typeface="나눔고딕" charset="0"/>
+            </a:endParaRPr>
+          </a:p>
+          <a:p>
+            <a:pPr marL="0" indent="0" algn="l" defTabSz="914400" latinLnBrk="1">
+              <a:lnSpc>
+                <a:spcPct val="100000"/>
+              </a:lnSpc>
+              <a:spcBef>
+                <a:spcPts val="700"/>
+              </a:spcBef>
+              <a:spcAft>
+                <a:spcPts val="0"/>
+              </a:spcAft>
+              <a:buFontTx/>
+              <a:buNone/>
+            </a:pPr>
+            <a:r>
+              <a:rPr lang="en-US" altLang="ko-KR" sz="1800" b="1">
+                <a:solidFill>
+                  <a:schemeClr val="tx1">
+                    <a:tint val="75000"/>
+                  </a:schemeClr>
+                </a:solidFill>
+                <a:latin typeface="나눔고딕" charset="0"/>
+                <a:ea typeface="나눔고딕" charset="0"/>
+              </a:rPr>
+              <a:t>- 회원은 대여한 차량 대여기한을 연장할 수 있어야 한다.</a:t>
+            </a:r>
+            <a:endParaRPr lang="ko-KR" altLang="en-US" sz="1800" b="1">
+              <a:solidFill>
+                <a:schemeClr val="tx1">
+                  <a:tint val="75000"/>
+                </a:schemeClr>
+              </a:solidFill>
+              <a:latin typeface="나눔고딕" charset="0"/>
+              <a:ea typeface="나눔고딕" charset="0"/>
+            </a:endParaRPr>
+          </a:p>
+          <a:p>
+            <a:pPr marL="0" indent="0" algn="l" defTabSz="914400" latinLnBrk="1">
+              <a:lnSpc>
+                <a:spcPct val="100000"/>
+              </a:lnSpc>
+              <a:spcBef>
+                <a:spcPts val="700"/>
+              </a:spcBef>
+              <a:spcAft>
+                <a:spcPts val="0"/>
+              </a:spcAft>
+              <a:buFontTx/>
+              <a:buNone/>
+            </a:pPr>
+            <a:r>
+              <a:rPr lang="en-US" altLang="ko-KR" sz="1800" b="1">
+                <a:solidFill>
+                  <a:schemeClr val="tx1">
+                    <a:tint val="75000"/>
+                  </a:schemeClr>
+                </a:solidFill>
+                <a:latin typeface="나눔고딕" charset="0"/>
+                <a:ea typeface="나눔고딕" charset="0"/>
+              </a:rPr>
+              <a:t>- 회원은 대여한 차량을 반납할 수 있어야 한다.</a:t>
+            </a:r>
+            <a:endParaRPr lang="ko-KR" altLang="en-US" sz="1800" b="1">
+              <a:solidFill>
+                <a:schemeClr val="tx1">
+                  <a:tint val="75000"/>
+                </a:schemeClr>
+              </a:solidFill>
+              <a:latin typeface="나눔고딕" charset="0"/>
+              <a:ea typeface="나눔고딕" charset="0"/>
+            </a:endParaRPr>
+          </a:p>
+          <a:p>
+            <a:pPr marL="0" indent="0" algn="l" defTabSz="914400" latinLnBrk="1">
+              <a:lnSpc>
+                <a:spcPct val="100000"/>
+              </a:lnSpc>
+              <a:spcBef>
+                <a:spcPts val="700"/>
+              </a:spcBef>
+              <a:spcAft>
+                <a:spcPts val="0"/>
+              </a:spcAft>
+              <a:buFontTx/>
+              <a:buNone/>
+            </a:pPr>
+            <a:r>
+              <a:rPr lang="en-US" altLang="ko-KR" sz="1800" b="1">
+                <a:solidFill>
+                  <a:schemeClr val="tx1">
+                    <a:tint val="75000"/>
+                  </a:schemeClr>
+                </a:solidFill>
+                <a:latin typeface="나눔고딕" charset="0"/>
+                <a:ea typeface="나눔고딕" charset="0"/>
+              </a:rPr>
+              <a:t>- 회원은 관리자에게 문의가 가능해야 한다.</a:t>
+            </a:r>
+            <a:endParaRPr lang="ko-KR" altLang="en-US" sz="1800" b="1">
+              <a:solidFill>
+                <a:schemeClr val="tx1">
+                  <a:tint val="75000"/>
+                </a:schemeClr>
+              </a:solidFill>
+              <a:latin typeface="나눔고딕" charset="0"/>
+              <a:ea typeface="나눔고딕" charset="0"/>
+            </a:endParaRPr>
+          </a:p>
+          <a:p>
+            <a:pPr marL="0" indent="0" algn="l" defTabSz="914400" latinLnBrk="1">
+              <a:lnSpc>
+                <a:spcPct val="100000"/>
+              </a:lnSpc>
+              <a:spcBef>
+                <a:spcPts val="700"/>
+              </a:spcBef>
+              <a:spcAft>
+                <a:spcPts val="0"/>
+              </a:spcAft>
+              <a:buFontTx/>
+              <a:buNone/>
+            </a:pPr>
+            <a:r>
+              <a:rPr lang="en-US" altLang="ko-KR" sz="1800" b="1">
+                <a:solidFill>
+                  <a:schemeClr val="tx1">
+                    <a:tint val="75000"/>
+                  </a:schemeClr>
+                </a:solidFill>
+                <a:latin typeface="나눔고딕" charset="0"/>
+                <a:ea typeface="나눔고딕" charset="0"/>
+              </a:rPr>
+              <a:t>- 회원은 문의를 수정할 수 있어야 한다.</a:t>
+            </a:r>
+            <a:endParaRPr lang="ko-KR" altLang="en-US" sz="1800" b="1">
+              <a:solidFill>
+                <a:schemeClr val="tx1">
+                  <a:tint val="75000"/>
+                </a:schemeClr>
+              </a:solidFill>
+              <a:latin typeface="나눔고딕" charset="0"/>
+              <a:ea typeface="나눔고딕" charset="0"/>
+            </a:endParaRPr>
+          </a:p>
+          <a:p>
+            <a:pPr marL="0" indent="0" algn="l" defTabSz="914400" latinLnBrk="1">
+              <a:lnSpc>
+                <a:spcPct val="100000"/>
+              </a:lnSpc>
+              <a:spcBef>
+                <a:spcPts val="700"/>
+              </a:spcBef>
+              <a:spcAft>
+                <a:spcPts val="0"/>
+              </a:spcAft>
+              <a:buFontTx/>
+              <a:buNone/>
+            </a:pPr>
+            <a:r>
+              <a:rPr lang="en-US" altLang="ko-KR" sz="1800" b="1">
+                <a:solidFill>
+                  <a:schemeClr val="tx1">
+                    <a:tint val="75000"/>
+                  </a:schemeClr>
+                </a:solidFill>
+                <a:latin typeface="나눔고딕" charset="0"/>
+                <a:ea typeface="나눔고딕" charset="0"/>
+              </a:rPr>
+              <a:t>- 회원은 문의를 삭제할 수 있어야 한다.</a:t>
+            </a:r>
+            <a:endParaRPr lang="ko-KR" altLang="en-US" sz="1800" b="1">
+              <a:solidFill>
+                <a:schemeClr val="tx1">
+                  <a:tint val="75000"/>
+                </a:schemeClr>
+              </a:solidFill>
+              <a:latin typeface="나눔고딕" charset="0"/>
+              <a:ea typeface="나눔고딕" charset="0"/>
+            </a:endParaRPr>
+          </a:p>
+        </p:txBody>
+      </p:sp>
+    </p:spTree>
+  </p:cSld>
+  <p:clrMapOvr>
+    <a:masterClrMapping/>
+  </p:clrMapOvr>
+  <mc:AlternateContent xmlns:mc="http://schemas.openxmlformats.org/markup-compatibility/2006">
+    <mc:Choice xmlns:p14="http://schemas.microsoft.com/office/powerpoint/2010/main" Requires="p14">
+      <p:transition spd="slow" p14:dur="2000"/>
+    </mc:Choice>
+    <mc:Fallback>
+      <p:transition spd="slow"/>
+    </mc:Fallback>
+  </mc:AlternateContent>
+  <p:timing>
+    <p:tnLst>
+      <p:par>
+        <p:cTn id="1" dur="indefinite" restart="never" nodeType="tmRoot"/>
+      </p:par>
+    </p:tnLst>
+  </p:timing>
+</p:sld>
+</file>
+
+<file path=ppt/slides/slide6.xml><?xml version="1.0" encoding="utf-8"?>
+<p:sld xmlns:a="http://schemas.openxmlformats.org/drawingml/2006/main" xmlns:r="http://schemas.openxmlformats.org/officeDocument/2006/relationships" xmlns:p="http://schemas.openxmlformats.org/presentationml/2006/main" xmlns:p14="http://schemas.microsoft.com/office/powerpoint/2010/main">
+  <p:cSld>
+    <p:spTree>
+      <p:nvGrpSpPr>
+        <p:cNvPr id="1" name=""/>
+        <p:cNvGrpSpPr/>
+        <p:nvPr/>
+      </p:nvGrpSpPr>
+      <p:grpSpPr>
+        <a:xfrm>
+          <a:off x="0" y="0"/>
+          <a:ext cx="0" cy="0"/>
+          <a:chOff x="0" y="0"/>
+          <a:chExt cx="0" cy="0"/>
+        </a:xfrm>
+      </p:grpSpPr>
+      <p:sp>
+        <p:nvSpPr>
           <p:cNvPr id="3" name="nppt_15650701375821428"/>
           <p:cNvSpPr/>
           <p:nvPr>
@@ -10766,7 +17020,7 @@
       </p:sp>
       <p:pic>
         <p:nvPicPr>
-          <p:cNvPr id="4" name="그림 3" descr="C:/Users/user/AppData/Roaming/PolarisOffice/ETemp/11364_1539040/fImage7571834641.jpeg"/>
+          <p:cNvPr id="4" name="그림 3"/>
           <p:cNvPicPr>
             <a:picLocks noChangeAspect="1"/>
           </p:cNvPicPr>
@@ -10816,7 +17070,7 @@
 </p:sld>
 </file>
 
-<file path=ppt/slides/slide6.xml><?xml version="1.0" encoding="utf-8"?>
+<file path=ppt/slides/slide7.xml><?xml version="1.0" encoding="utf-8"?>
 <p:sld xmlns:a="http://schemas.openxmlformats.org/drawingml/2006/main" xmlns:r="http://schemas.openxmlformats.org/officeDocument/2006/relationships" xmlns:p="http://schemas.openxmlformats.org/presentationml/2006/main" xmlns:p14="http://schemas.microsoft.com/office/powerpoint/2010/main">
   <p:cSld>
     <p:spTree>
@@ -10881,7 +17135,7 @@
       </p:sp>
       <p:pic>
         <p:nvPicPr>
-          <p:cNvPr id="4" name="그림 3" descr="C:/Users/user/AppData/Roaming/PolarisOffice/ETemp/11364_1539040/fImage1945523688467.jpeg"/>
+          <p:cNvPr id="4" name="그림 3"/>
           <p:cNvPicPr>
             <a:picLocks noChangeAspect="1"/>
           </p:cNvPicPr>
@@ -10931,8 +17185,8 @@
 </p:sld>
 </file>
 
-<file path=ppt/slides/slide7.xml><?xml version="1.0" encoding="utf-8"?>
-<p:sld xmlns:a="http://schemas.openxmlformats.org/drawingml/2006/main" xmlns:r="http://schemas.openxmlformats.org/officeDocument/2006/relationships" xmlns:p="http://schemas.openxmlformats.org/presentationml/2006/main">
+<file path=ppt/slides/slide8.xml><?xml version="1.0" encoding="utf-8"?>
+<p:sld xmlns:a="http://schemas.openxmlformats.org/drawingml/2006/main" xmlns:r="http://schemas.openxmlformats.org/officeDocument/2006/relationships" xmlns:p="http://schemas.openxmlformats.org/presentationml/2006/main" xmlns:p14="http://schemas.microsoft.com/office/powerpoint/2010/main">
   <p:cSld>
     <p:spTree>
       <p:nvGrpSpPr>
@@ -11065,7 +17319,7 @@
 </p:sld>
 </file>
 
-<file path=ppt/slides/slide8.xml><?xml version="1.0" encoding="utf-8"?>
+<file path=ppt/slides/slide9.xml><?xml version="1.0" encoding="utf-8"?>
 <p:sld xmlns:a="http://schemas.openxmlformats.org/drawingml/2006/main" xmlns:r="http://schemas.openxmlformats.org/officeDocument/2006/relationships" xmlns:p="http://schemas.openxmlformats.org/presentationml/2006/main" xmlns:p14="http://schemas.microsoft.com/office/powerpoint/2010/main">
   <p:cSld>
     <p:spTree>
@@ -11180,149 +17434,6 @@
           <a:xfrm rot="0">
             <a:off x="86995" y="1888490"/>
             <a:ext cx="8970645" cy="4846320"/>
-          </a:xfrm>
-          <a:prstGeom prst="rect"/>
-          <a:noFill/>
-        </p:spPr>
-      </p:pic>
-    </p:spTree>
-  </p:cSld>
-  <p:clrMapOvr>
-    <a:masterClrMapping/>
-  </p:clrMapOvr>
-  <mc:AlternateContent xmlns:mc="http://schemas.openxmlformats.org/markup-compatibility/2006">
-    <mc:Choice xmlns:p14="http://schemas.microsoft.com/office/powerpoint/2010/main" Requires="p14">
-      <p:transition spd="slow" p14:dur="2000"/>
-    </mc:Choice>
-    <mc:Fallback>
-      <p:transition spd="slow"/>
-    </mc:Fallback>
-  </mc:AlternateContent>
-  <p:timing>
-    <p:tnLst>
-      <p:par>
-        <p:cTn id="1" dur="indefinite" restart="never" nodeType="tmRoot"/>
-      </p:par>
-    </p:tnLst>
-  </p:timing>
-</p:sld>
-</file>
-
-<file path=ppt/slides/slide9.xml><?xml version="1.0" encoding="utf-8"?>
-<p:sld xmlns:a="http://schemas.openxmlformats.org/drawingml/2006/main" xmlns:r="http://schemas.openxmlformats.org/officeDocument/2006/relationships" xmlns:p="http://schemas.openxmlformats.org/presentationml/2006/main">
-  <p:cSld>
-    <p:spTree>
-      <p:nvGrpSpPr>
-        <p:cNvPr id="1" name=""/>
-        <p:cNvGrpSpPr/>
-        <p:nvPr/>
-      </p:nvGrpSpPr>
-      <p:grpSpPr>
-        <a:xfrm>
-          <a:off x="0" y="0"/>
-          <a:ext cx="0" cy="0"/>
-          <a:chOff x="0" y="0"/>
-          <a:chExt cx="0" cy="0"/>
-        </a:xfrm>
-      </p:grpSpPr>
-      <p:sp>
-        <p:nvSpPr>
-          <p:cNvPr id="3" name="텍스트 개체 틀 2"/>
-          <p:cNvSpPr txBox="1">
-            <a:spLocks/>
-          </p:cNvSpPr>
-          <p:nvPr>
-            <p:ph type="ctrTitle"/>
-          </p:nvPr>
-        </p:nvSpPr>
-        <p:spPr>
-          <a:xfrm rot="0">
-            <a:off x="685800" y="307340"/>
-            <a:ext cx="7774305" cy="1471930"/>
-          </a:xfrm>
-          <a:prstGeom prst="rect"/>
-        </p:spPr>
-        <p:txBody>
-          <a:bodyPr wrap="square" lIns="91440" tIns="45720" rIns="91440" bIns="45720" numCol="1" vert="horz" anchor="ctr">
-            <a:noAutofit/>
-          </a:bodyPr>
-          <a:lstStyle>
-            <a:lvl1pPr marL="0" indent="0" defTabSz="508000">
-              <a:lnSpc>
-                <a:spcPct val="100000"/>
-              </a:lnSpc>
-              <a:spcBef>
-                <a:spcPts val="0"/>
-              </a:spcBef>
-              <a:spcAft>
-                <a:spcPts val="0"/>
-              </a:spcAft>
-              <a:buFontTx/>
-              <a:buNone/>
-              <a:defRPr lang="en-GB" altLang="en-US" sz="1800">
-                <a:latin typeface="나눔고딕" charset="0"/>
-                <a:ea typeface="나눔고딕" charset="0"/>
-              </a:defRPr>
-            </a:lvl1pPr>
-          </a:lstStyle>
-          <a:p>
-            <a:pPr marL="0" indent="0" algn="ctr" defTabSz="914400" latinLnBrk="1">
-              <a:lnSpc>
-                <a:spcPct val="100000"/>
-              </a:lnSpc>
-              <a:spcBef>
-                <a:spcPts val="0"/>
-              </a:spcBef>
-              <a:spcAft>
-                <a:spcPts val="0"/>
-              </a:spcAft>
-              <a:buFontTx/>
-              <a:buNone/>
-            </a:pPr>
-            <a:r>
-              <a:rPr lang="ko-KR" altLang="ko-KR" sz="4400" b="1">
-                <a:solidFill>
-                  <a:srgbClr val="716767"/>
-                </a:solidFill>
-                <a:latin typeface="나눔고딕" charset="0"/>
-                <a:ea typeface="나눔고딕" charset="0"/>
-              </a:rPr>
-              <a:t>화면설계</a:t>
-            </a:r>
-            <a:endParaRPr lang="ko-KR" altLang="en-US" sz="4400" b="1">
-              <a:solidFill>
-                <a:srgbClr val="716767"/>
-              </a:solidFill>
-              <a:latin typeface="나눔고딕" charset="0"/>
-              <a:ea typeface="나눔고딕" charset="0"/>
-            </a:endParaRPr>
-          </a:p>
-        </p:txBody>
-      </p:sp>
-      <p:pic>
-        <p:nvPicPr>
-          <p:cNvPr id="4" name="그림 3" descr="C:/Users/user/AppData/Roaming/PolarisOffice/ETemp/11364_1539040/fImage875093526334.jpeg"/>
-          <p:cNvPicPr>
-            <a:picLocks noChangeAspect="1"/>
-          </p:cNvPicPr>
-          <p:nvPr/>
-        </p:nvPicPr>
-        <p:blipFill rotWithShape="1">
-          <a:blip r:embed="rId2" cstate="print">
-            <a:extLst>
-              <a:ext uri="{28A0092B-C50C-407E-A947-70E740481C1C}">
-                <a14:useLocalDpi xmlns:a14="http://schemas.microsoft.com/office/drawing/2010/main" val="0"/>
-              </a:ext>
-            </a:extLst>
-          </a:blip>
-          <a:stretch>
-            <a:fillRect/>
-          </a:stretch>
-        </p:blipFill>
-        <p:spPr>
-          <a:xfrm rot="0">
-            <a:off x="60960" y="1781175"/>
-            <a:ext cx="9022715" cy="4950460"/>
           </a:xfrm>
           <a:prstGeom prst="rect"/>
           <a:noFill/>

--- a/picar/data/PICAR.pptx
+++ b/picar/data/PICAR.pptx
@@ -2,7 +2,7 @@
 <file path=ppt/presentation.xml><?xml version="1.0" encoding="utf-8"?>
 <p:presentation xmlns:a="http://schemas.openxmlformats.org/drawingml/2006/main" xmlns:r="http://schemas.openxmlformats.org/officeDocument/2006/relationships" xmlns:p="http://schemas.openxmlformats.org/presentationml/2006/main" xmlns:p14="http://schemas.microsoft.com/office/powerpoint/2010/main" saveSubsetFonts="1">
   <p:sldMasterIdLst>
-    <p:sldMasterId id="2147483796" r:id="rId10"/>
+    <p:sldMasterId id="2147483799" r:id="rId10"/>
   </p:sldMasterIdLst>
   <p:sldIdLst>
     <p:sldId id="256" r:id="rId12"/>
@@ -3406,8 +3406,8 @@
         </p:nvSpPr>
         <p:spPr>
           <a:xfrm rot="0">
-            <a:off x="685800" y="307340"/>
-            <a:ext cx="7773670" cy="1471295"/>
+            <a:off x="685800" y="382270"/>
+            <a:ext cx="7774305" cy="1471930"/>
           </a:xfrm>
           <a:prstGeom prst="rect"/>
         </p:spPr>
@@ -3449,7 +3449,7 @@
               <a:buNone/>
             </a:pPr>
             <a:r>
-              <a:rPr lang="ko-KR" altLang="ko-KR" sz="4400" b="1">
+              <a:rPr lang="en-US" altLang="ko-KR" sz="4400" b="1">
                 <a:solidFill>
                   <a:srgbClr val="716767"/>
                 </a:solidFill>
@@ -8287,28 +8287,29 @@
       </p:sp>
       <p:pic>
         <p:nvPicPr>
-          <p:cNvPr id="4" name="그림 3"/>
+          <p:cNvPr id="4" name="그림 3" descr="C:/Users/user/AppData/Roaming/PolarisOffice/ETemp/9348_14275104/fImage543673406827.jpeg"/>
           <p:cNvPicPr>
             <a:picLocks noChangeAspect="1"/>
           </p:cNvPicPr>
           <p:nvPr/>
         </p:nvPicPr>
         <p:blipFill rotWithShape="1">
-          <a:blip r:embed="rId2" cstate="print">
+          <a:blip r:embed="rId2" cstate="hqprint">
             <a:extLst>
               <a:ext uri="{28A0092B-C50C-407E-A947-70E740481C1C}">
-                <a14:useLocalDpi xmlns:a14="http://schemas.microsoft.com/office/drawing/2010/main" val="0"/>
+                <a14:useLocalDpi xmlns:a14="http://schemas.microsoft.com/office/drawing/2010/main"/>
               </a:ext>
             </a:extLst>
           </a:blip>
+          <a:srcRect/>
           <a:stretch>
             <a:fillRect/>
           </a:stretch>
         </p:blipFill>
         <p:spPr>
           <a:xfrm rot="0">
-            <a:off x="64135" y="1818005"/>
-            <a:ext cx="9037955" cy="4956175"/>
+            <a:off x="101600" y="1780540"/>
+            <a:ext cx="9038590" cy="4956810"/>
           </a:xfrm>
           <a:prstGeom prst="rect"/>
           <a:noFill/>
